--- a/doc/SOA BIBLIO.pptx
+++ b/doc/SOA BIBLIO.pptx
@@ -1,46 +1,46 @@
 
 <file path=ppt/presentation.xml><?xml version="1.0" encoding="utf-8"?>
-<p:presentation xmlns:a="http://schemas.openxmlformats.org/drawingml/2006/main" xmlns:r="http://schemas.openxmlformats.org/officeDocument/2006/relationships" xmlns:mc="http://schemas.openxmlformats.org/markup-compatibility/2006" xmlns:mv="urn:schemas-microsoft-com:mac:vml" xmlns:p="http://schemas.openxmlformats.org/presentationml/2006/main" xmlns:c="http://schemas.openxmlformats.org/drawingml/2006/chart" xmlns:dgm="http://schemas.openxmlformats.org/drawingml/2006/diagram" xmlns:o="urn:schemas-microsoft-com:office:office" xmlns:v="urn:schemas-microsoft-com:vml" xmlns:pvml="urn:schemas-microsoft-com:office:powerpoint" xmlns:com="http://schemas.openxmlformats.org/drawingml/2006/compatibility" xmlns:p14="http://schemas.microsoft.com/office/powerpoint/2010/main" xmlns:p15="http://schemas.microsoft.com/office/powerpoint/2012/main" autoCompressPictures="0" embedTrueTypeFonts="1" strictFirstAndLastChars="0" saveSubsetFonts="1">
+<p:presentation xmlns:a="http://schemas.openxmlformats.org/drawingml/2006/main" xmlns:r="http://schemas.openxmlformats.org/officeDocument/2006/relationships" xmlns:p="http://schemas.openxmlformats.org/presentationml/2006/main" strictFirstAndLastChars="0" embedTrueTypeFonts="1" saveSubsetFonts="1" autoCompressPictures="0">
   <p:sldMasterIdLst>
-    <p:sldMasterId id="2147483659" r:id="rId4"/>
+    <p:sldMasterId id="2147483659" r:id="rId1"/>
   </p:sldMasterIdLst>
   <p:notesMasterIdLst>
-    <p:notesMasterId r:id="rId5"/>
+    <p:notesMasterId r:id="rId11"/>
   </p:notesMasterIdLst>
   <p:sldIdLst>
-    <p:sldId id="256" r:id="rId6"/>
-    <p:sldId id="257" r:id="rId7"/>
-    <p:sldId id="258" r:id="rId8"/>
-    <p:sldId id="259" r:id="rId9"/>
-    <p:sldId id="260" r:id="rId10"/>
-    <p:sldId id="261" r:id="rId11"/>
-    <p:sldId id="262" r:id="rId12"/>
-    <p:sldId id="263" r:id="rId13"/>
-    <p:sldId id="264" r:id="rId14"/>
+    <p:sldId id="256" r:id="rId2"/>
+    <p:sldId id="257" r:id="rId3"/>
+    <p:sldId id="258" r:id="rId4"/>
+    <p:sldId id="259" r:id="rId5"/>
+    <p:sldId id="260" r:id="rId6"/>
+    <p:sldId id="261" r:id="rId7"/>
+    <p:sldId id="262" r:id="rId8"/>
+    <p:sldId id="263" r:id="rId9"/>
+    <p:sldId id="264" r:id="rId10"/>
   </p:sldIdLst>
-  <p:sldSz cy="5143500" cx="9144000"/>
+  <p:sldSz cx="9144000" cy="5143500" type="screen16x9"/>
   <p:notesSz cx="6858000" cy="9144000"/>
   <p:embeddedFontLst>
     <p:embeddedFont>
-      <p:font typeface="Montserrat"/>
-      <p:regular r:id="rId15"/>
-      <p:bold r:id="rId16"/>
-      <p:italic r:id="rId17"/>
-      <p:boldItalic r:id="rId18"/>
+      <p:font typeface="Montserrat" panose="020B0604020202020204" charset="0"/>
+      <p:regular r:id="rId12"/>
+      <p:bold r:id="rId13"/>
+      <p:italic r:id="rId14"/>
+      <p:boldItalic r:id="rId15"/>
     </p:embeddedFont>
     <p:embeddedFont>
-      <p:font typeface="Source Code Pro"/>
-      <p:regular r:id="rId19"/>
-      <p:bold r:id="rId20"/>
+      <p:font typeface="Oswald" panose="020B0604020202020204" charset="0"/>
+      <p:regular r:id="rId16"/>
+      <p:bold r:id="rId17"/>
     </p:embeddedFont>
     <p:embeddedFont>
-      <p:font typeface="Oswald"/>
-      <p:regular r:id="rId21"/>
-      <p:bold r:id="rId22"/>
+      <p:font typeface="Source Code Pro" panose="020B0604020202020204" charset="0"/>
+      <p:regular r:id="rId18"/>
+      <p:bold r:id="rId19"/>
     </p:embeddedFont>
   </p:embeddedFontLst>
   <p:defaultTextStyle>
-    <a:defPPr lvl="0" marR="0" rtl="0" algn="l">
+    <a:defPPr marR="0" lvl="0" algn="l" rtl="0">
       <a:lnSpc>
         <a:spcPct val="100000"/>
       </a:lnSpc>
@@ -51,7 +51,7 @@
         <a:spcPts val="0"/>
       </a:spcAft>
     </a:defPPr>
-    <a:lvl1pPr lvl="0" marR="0" rtl="0" algn="l">
+    <a:lvl1pPr marR="0" lvl="0" algn="l" rtl="0">
       <a:lnSpc>
         <a:spcPct val="100000"/>
       </a:lnSpc>
@@ -65,7 +65,7 @@
         <a:srgbClr val="000000"/>
       </a:buClr>
       <a:buFont typeface="Arial"/>
-      <a:defRPr b="0" i="0" sz="1400" u="none" cap="none" strike="noStrike">
+      <a:defRPr sz="1400" b="0" i="0" u="none" strike="noStrike" cap="none">
         <a:solidFill>
           <a:srgbClr val="000000"/>
         </a:solidFill>
@@ -75,7 +75,7 @@
         <a:sym typeface="Arial"/>
       </a:defRPr>
     </a:lvl1pPr>
-    <a:lvl2pPr lvl="1" marR="0" rtl="0" algn="l">
+    <a:lvl2pPr marR="0" lvl="1" algn="l" rtl="0">
       <a:lnSpc>
         <a:spcPct val="100000"/>
       </a:lnSpc>
@@ -89,7 +89,7 @@
         <a:srgbClr val="000000"/>
       </a:buClr>
       <a:buFont typeface="Arial"/>
-      <a:defRPr b="0" i="0" sz="1400" u="none" cap="none" strike="noStrike">
+      <a:defRPr sz="1400" b="0" i="0" u="none" strike="noStrike" cap="none">
         <a:solidFill>
           <a:srgbClr val="000000"/>
         </a:solidFill>
@@ -99,7 +99,7 @@
         <a:sym typeface="Arial"/>
       </a:defRPr>
     </a:lvl2pPr>
-    <a:lvl3pPr lvl="2" marR="0" rtl="0" algn="l">
+    <a:lvl3pPr marR="0" lvl="2" algn="l" rtl="0">
       <a:lnSpc>
         <a:spcPct val="100000"/>
       </a:lnSpc>
@@ -113,7 +113,7 @@
         <a:srgbClr val="000000"/>
       </a:buClr>
       <a:buFont typeface="Arial"/>
-      <a:defRPr b="0" i="0" sz="1400" u="none" cap="none" strike="noStrike">
+      <a:defRPr sz="1400" b="0" i="0" u="none" strike="noStrike" cap="none">
         <a:solidFill>
           <a:srgbClr val="000000"/>
         </a:solidFill>
@@ -123,7 +123,7 @@
         <a:sym typeface="Arial"/>
       </a:defRPr>
     </a:lvl3pPr>
-    <a:lvl4pPr lvl="3" marR="0" rtl="0" algn="l">
+    <a:lvl4pPr marR="0" lvl="3" algn="l" rtl="0">
       <a:lnSpc>
         <a:spcPct val="100000"/>
       </a:lnSpc>
@@ -137,7 +137,7 @@
         <a:srgbClr val="000000"/>
       </a:buClr>
       <a:buFont typeface="Arial"/>
-      <a:defRPr b="0" i="0" sz="1400" u="none" cap="none" strike="noStrike">
+      <a:defRPr sz="1400" b="0" i="0" u="none" strike="noStrike" cap="none">
         <a:solidFill>
           <a:srgbClr val="000000"/>
         </a:solidFill>
@@ -147,7 +147,7 @@
         <a:sym typeface="Arial"/>
       </a:defRPr>
     </a:lvl4pPr>
-    <a:lvl5pPr lvl="4" marR="0" rtl="0" algn="l">
+    <a:lvl5pPr marR="0" lvl="4" algn="l" rtl="0">
       <a:lnSpc>
         <a:spcPct val="100000"/>
       </a:lnSpc>
@@ -161,7 +161,7 @@
         <a:srgbClr val="000000"/>
       </a:buClr>
       <a:buFont typeface="Arial"/>
-      <a:defRPr b="0" i="0" sz="1400" u="none" cap="none" strike="noStrike">
+      <a:defRPr sz="1400" b="0" i="0" u="none" strike="noStrike" cap="none">
         <a:solidFill>
           <a:srgbClr val="000000"/>
         </a:solidFill>
@@ -171,7 +171,7 @@
         <a:sym typeface="Arial"/>
       </a:defRPr>
     </a:lvl5pPr>
-    <a:lvl6pPr lvl="5" marR="0" rtl="0" algn="l">
+    <a:lvl6pPr marR="0" lvl="5" algn="l" rtl="0">
       <a:lnSpc>
         <a:spcPct val="100000"/>
       </a:lnSpc>
@@ -185,7 +185,7 @@
         <a:srgbClr val="000000"/>
       </a:buClr>
       <a:buFont typeface="Arial"/>
-      <a:defRPr b="0" i="0" sz="1400" u="none" cap="none" strike="noStrike">
+      <a:defRPr sz="1400" b="0" i="0" u="none" strike="noStrike" cap="none">
         <a:solidFill>
           <a:srgbClr val="000000"/>
         </a:solidFill>
@@ -195,7 +195,7 @@
         <a:sym typeface="Arial"/>
       </a:defRPr>
     </a:lvl6pPr>
-    <a:lvl7pPr lvl="6" marR="0" rtl="0" algn="l">
+    <a:lvl7pPr marR="0" lvl="6" algn="l" rtl="0">
       <a:lnSpc>
         <a:spcPct val="100000"/>
       </a:lnSpc>
@@ -209,7 +209,7 @@
         <a:srgbClr val="000000"/>
       </a:buClr>
       <a:buFont typeface="Arial"/>
-      <a:defRPr b="0" i="0" sz="1400" u="none" cap="none" strike="noStrike">
+      <a:defRPr sz="1400" b="0" i="0" u="none" strike="noStrike" cap="none">
         <a:solidFill>
           <a:srgbClr val="000000"/>
         </a:solidFill>
@@ -219,7 +219,7 @@
         <a:sym typeface="Arial"/>
       </a:defRPr>
     </a:lvl7pPr>
-    <a:lvl8pPr lvl="7" marR="0" rtl="0" algn="l">
+    <a:lvl8pPr marR="0" lvl="7" algn="l" rtl="0">
       <a:lnSpc>
         <a:spcPct val="100000"/>
       </a:lnSpc>
@@ -233,7 +233,7 @@
         <a:srgbClr val="000000"/>
       </a:buClr>
       <a:buFont typeface="Arial"/>
-      <a:defRPr b="0" i="0" sz="1400" u="none" cap="none" strike="noStrike">
+      <a:defRPr sz="1400" b="0" i="0" u="none" strike="noStrike" cap="none">
         <a:solidFill>
           <a:srgbClr val="000000"/>
         </a:solidFill>
@@ -243,7 +243,7 @@
         <a:sym typeface="Arial"/>
       </a:defRPr>
     </a:lvl8pPr>
-    <a:lvl9pPr lvl="8" marR="0" rtl="0" algn="l">
+    <a:lvl9pPr marR="0" lvl="8" algn="l" rtl="0">
       <a:lnSpc>
         <a:spcPct val="100000"/>
       </a:lnSpc>
@@ -257,7 +257,7 @@
         <a:srgbClr val="000000"/>
       </a:buClr>
       <a:buFont typeface="Arial"/>
-      <a:defRPr b="0" i="0" sz="1400" u="none" cap="none" strike="noStrike">
+      <a:defRPr sz="1400" b="0" i="0" u="none" strike="noStrike" cap="none">
         <a:solidFill>
           <a:srgbClr val="000000"/>
         </a:solidFill>
@@ -270,7 +270,7 @@
   </p:defaultTextStyle>
   <p:extLst>
     <p:ext uri="{EFAFB233-063F-42B5-8137-9DF3F51BA10A}">
-      <p15:sldGuideLst>
+      <p15:sldGuideLst xmlns:p15="http://schemas.microsoft.com/office/powerpoint/2012/main">
         <p15:guide id="1" orient="horz" pos="1620">
           <p15:clr>
             <a:srgbClr val="A4A3A4"/>
@@ -288,11 +288,16 @@
 </file>
 
 <file path=ppt/notesMasters/notesMaster1.xml><?xml version="1.0" encoding="utf-8"?>
-<p:notesMaster xmlns:a="http://schemas.openxmlformats.org/drawingml/2006/main" xmlns:r="http://schemas.openxmlformats.org/officeDocument/2006/relationships" xmlns:mc="http://schemas.openxmlformats.org/markup-compatibility/2006" xmlns:mv="urn:schemas-microsoft-com:mac:vml" xmlns:p="http://schemas.openxmlformats.org/presentationml/2006/main" xmlns:c="http://schemas.openxmlformats.org/drawingml/2006/chart" xmlns:dgm="http://schemas.openxmlformats.org/drawingml/2006/diagram" xmlns:o="urn:schemas-microsoft-com:office:office" xmlns:v="urn:schemas-microsoft-com:vml" xmlns:pvml="urn:schemas-microsoft-com:office:powerpoint" xmlns:com="http://schemas.openxmlformats.org/drawingml/2006/compatibility" xmlns:p14="http://schemas.microsoft.com/office/powerpoint/2010/main" xmlns:p15="http://schemas.microsoft.com/office/powerpoint/2012/main">
+<p:notesMaster xmlns:a="http://schemas.openxmlformats.org/drawingml/2006/main" xmlns:r="http://schemas.openxmlformats.org/officeDocument/2006/relationships" xmlns:p="http://schemas.openxmlformats.org/presentationml/2006/main">
   <p:cSld>
+    <p:bg>
+      <p:bgRef idx="1001">
+        <a:schemeClr val="bg1"/>
+      </p:bgRef>
+    </p:bg>
     <p:spTree>
       <p:nvGrpSpPr>
-        <p:cNvPr id="2" name="Shape 2"/>
+        <p:cNvPr id="1" name="Shape 2"/>
         <p:cNvGrpSpPr/>
         <p:nvPr/>
       </p:nvGrpSpPr>
@@ -307,9 +312,11 @@
       <p:sp>
         <p:nvSpPr>
           <p:cNvPr id="3" name="Google Shape;3;n"/>
-          <p:cNvSpPr/>
+          <p:cNvSpPr>
+            <a:spLocks noGrp="1" noRot="1" noChangeAspect="1"/>
+          </p:cNvSpPr>
           <p:nvPr>
-            <p:ph idx="2" type="sldImg"/>
+            <p:ph type="sldImg" idx="2"/>
           </p:nvPr>
         </p:nvSpPr>
         <p:spPr>
@@ -318,9 +325,13 @@
             <a:ext cx="6096075" cy="3429000"/>
           </a:xfrm>
           <a:custGeom>
-            <a:rect b="b" l="l" r="r" t="t"/>
+            <a:avLst/>
+            <a:gdLst/>
+            <a:ahLst/>
+            <a:cxnLst/>
+            <a:rect l="l" t="t" r="r" b="b"/>
             <a:pathLst>
-              <a:path extrusionOk="0" h="120000" w="120000">
+              <a:path w="120000" h="120000" extrusionOk="0">
                 <a:moveTo>
                   <a:pt x="0" y="0"/>
                 </a:moveTo>
@@ -338,23 +349,25 @@
             </a:pathLst>
           </a:custGeom>
           <a:noFill/>
-          <a:ln cap="flat" cmpd="sng" w="9525">
+          <a:ln w="9525" cap="flat" cmpd="sng">
             <a:solidFill>
               <a:srgbClr val="000000"/>
             </a:solidFill>
             <a:prstDash val="solid"/>
             <a:round/>
-            <a:headEnd len="sm" w="sm" type="none"/>
-            <a:tailEnd len="sm" w="sm" type="none"/>
+            <a:headEnd type="none" w="sm" len="sm"/>
+            <a:tailEnd type="none" w="sm" len="sm"/>
           </a:ln>
         </p:spPr>
       </p:sp>
       <p:sp>
         <p:nvSpPr>
           <p:cNvPr id="4" name="Google Shape;4;n"/>
-          <p:cNvSpPr txBox="1"/>
+          <p:cNvSpPr txBox="1">
+            <a:spLocks noGrp="1"/>
+          </p:cNvSpPr>
           <p:nvPr>
-            <p:ph idx="1" type="body"/>
+            <p:ph type="body" idx="1"/>
           </p:nvPr>
         </p:nvSpPr>
         <p:spPr>
@@ -371,9 +384,9 @@
           </a:ln>
         </p:spPr>
         <p:txBody>
-          <a:bodyPr anchorCtr="0" anchor="t" bIns="91425" lIns="91425" spcFirstLastPara="1" rIns="91425" wrap="square" tIns="91425"/>
+          <a:bodyPr spcFirstLastPara="1" wrap="square" lIns="91425" tIns="91425" rIns="91425" bIns="91425" anchor="t" anchorCtr="0"/>
           <a:lstStyle>
-            <a:lvl1pPr indent="-298450" lvl="0" marL="457200">
+            <a:lvl1pPr marL="457200" lvl="0" indent="-298450">
               <a:spcBef>
                 <a:spcPts val="0"/>
               </a:spcBef>
@@ -384,7 +397,7 @@
               <a:buChar char="●"/>
               <a:defRPr sz="1100"/>
             </a:lvl1pPr>
-            <a:lvl2pPr indent="-298450" lvl="1" marL="914400">
+            <a:lvl2pPr marL="914400" lvl="1" indent="-298450">
               <a:spcBef>
                 <a:spcPts val="0"/>
               </a:spcBef>
@@ -395,7 +408,7 @@
               <a:buChar char="○"/>
               <a:defRPr sz="1100"/>
             </a:lvl2pPr>
-            <a:lvl3pPr indent="-298450" lvl="2" marL="1371600">
+            <a:lvl3pPr marL="1371600" lvl="2" indent="-298450">
               <a:spcBef>
                 <a:spcPts val="0"/>
               </a:spcBef>
@@ -406,7 +419,7 @@
               <a:buChar char="■"/>
               <a:defRPr sz="1100"/>
             </a:lvl3pPr>
-            <a:lvl4pPr indent="-298450" lvl="3" marL="1828800">
+            <a:lvl4pPr marL="1828800" lvl="3" indent="-298450">
               <a:spcBef>
                 <a:spcPts val="0"/>
               </a:spcBef>
@@ -417,7 +430,7 @@
               <a:buChar char="●"/>
               <a:defRPr sz="1100"/>
             </a:lvl4pPr>
-            <a:lvl5pPr indent="-298450" lvl="4" marL="2286000">
+            <a:lvl5pPr marL="2286000" lvl="4" indent="-298450">
               <a:spcBef>
                 <a:spcPts val="0"/>
               </a:spcBef>
@@ -428,7 +441,7 @@
               <a:buChar char="○"/>
               <a:defRPr sz="1100"/>
             </a:lvl5pPr>
-            <a:lvl6pPr indent="-298450" lvl="5" marL="2743200">
+            <a:lvl6pPr marL="2743200" lvl="5" indent="-298450">
               <a:spcBef>
                 <a:spcPts val="0"/>
               </a:spcBef>
@@ -439,7 +452,7 @@
               <a:buChar char="■"/>
               <a:defRPr sz="1100"/>
             </a:lvl6pPr>
-            <a:lvl7pPr indent="-298450" lvl="6" marL="3200400">
+            <a:lvl7pPr marL="3200400" lvl="6" indent="-298450">
               <a:spcBef>
                 <a:spcPts val="0"/>
               </a:spcBef>
@@ -450,7 +463,7 @@
               <a:buChar char="●"/>
               <a:defRPr sz="1100"/>
             </a:lvl7pPr>
-            <a:lvl8pPr indent="-298450" lvl="7" marL="3657600">
+            <a:lvl8pPr marL="3657600" lvl="7" indent="-298450">
               <a:spcBef>
                 <a:spcPts val="0"/>
               </a:spcBef>
@@ -461,7 +474,7 @@
               <a:buChar char="○"/>
               <a:defRPr sz="1100"/>
             </a:lvl8pPr>
-            <a:lvl9pPr indent="-298450" lvl="8" marL="4114800">
+            <a:lvl9pPr marL="4114800" lvl="8" indent="-298450">
               <a:spcBef>
                 <a:spcPts val="0"/>
               </a:spcBef>
@@ -473,14 +486,16 @@
               <a:defRPr sz="1100"/>
             </a:lvl9pPr>
           </a:lstStyle>
-          <a:p/>
+          <a:p>
+            <a:endParaRPr/>
+          </a:p>
         </p:txBody>
       </p:sp>
     </p:spTree>
   </p:cSld>
-  <p:clrMap accent1="accent1" accent2="accent2" accent3="accent3" accent4="accent4" accent5="accent5" accent6="accent6" bg1="lt1" bg2="dk2" tx1="dk1" tx2="lt2" folHlink="folHlink" hlink="hlink"/>
+  <p:clrMap bg1="lt1" tx1="dk1" bg2="dk2" tx2="lt2" accent1="accent1" accent2="accent2" accent3="accent3" accent4="accent4" accent5="accent5" accent6="accent6" hlink="hlink" folHlink="folHlink"/>
   <p:notesStyle>
-    <a:defPPr lvl="0" marR="0" rtl="0" algn="l">
+    <a:defPPr marR="0" lvl="0" algn="l" rtl="0">
       <a:lnSpc>
         <a:spcPct val="100000"/>
       </a:lnSpc>
@@ -491,7 +506,7 @@
         <a:spcPts val="0"/>
       </a:spcAft>
     </a:defPPr>
-    <a:lvl1pPr lvl="0" marR="0" rtl="0" algn="l">
+    <a:lvl1pPr marR="0" lvl="0" algn="l" rtl="0">
       <a:lnSpc>
         <a:spcPct val="100000"/>
       </a:lnSpc>
@@ -505,7 +520,7 @@
         <a:srgbClr val="000000"/>
       </a:buClr>
       <a:buFont typeface="Arial"/>
-      <a:defRPr b="0" i="0" sz="1400" u="none" cap="none" strike="noStrike">
+      <a:defRPr sz="1400" b="0" i="0" u="none" strike="noStrike" cap="none">
         <a:solidFill>
           <a:srgbClr val="000000"/>
         </a:solidFill>
@@ -515,7 +530,7 @@
         <a:sym typeface="Arial"/>
       </a:defRPr>
     </a:lvl1pPr>
-    <a:lvl2pPr lvl="1" marR="0" rtl="0" algn="l">
+    <a:lvl2pPr marR="0" lvl="1" algn="l" rtl="0">
       <a:lnSpc>
         <a:spcPct val="100000"/>
       </a:lnSpc>
@@ -529,7 +544,7 @@
         <a:srgbClr val="000000"/>
       </a:buClr>
       <a:buFont typeface="Arial"/>
-      <a:defRPr b="0" i="0" sz="1400" u="none" cap="none" strike="noStrike">
+      <a:defRPr sz="1400" b="0" i="0" u="none" strike="noStrike" cap="none">
         <a:solidFill>
           <a:srgbClr val="000000"/>
         </a:solidFill>
@@ -539,7 +554,7 @@
         <a:sym typeface="Arial"/>
       </a:defRPr>
     </a:lvl2pPr>
-    <a:lvl3pPr lvl="2" marR="0" rtl="0" algn="l">
+    <a:lvl3pPr marR="0" lvl="2" algn="l" rtl="0">
       <a:lnSpc>
         <a:spcPct val="100000"/>
       </a:lnSpc>
@@ -553,7 +568,7 @@
         <a:srgbClr val="000000"/>
       </a:buClr>
       <a:buFont typeface="Arial"/>
-      <a:defRPr b="0" i="0" sz="1400" u="none" cap="none" strike="noStrike">
+      <a:defRPr sz="1400" b="0" i="0" u="none" strike="noStrike" cap="none">
         <a:solidFill>
           <a:srgbClr val="000000"/>
         </a:solidFill>
@@ -563,7 +578,7 @@
         <a:sym typeface="Arial"/>
       </a:defRPr>
     </a:lvl3pPr>
-    <a:lvl4pPr lvl="3" marR="0" rtl="0" algn="l">
+    <a:lvl4pPr marR="0" lvl="3" algn="l" rtl="0">
       <a:lnSpc>
         <a:spcPct val="100000"/>
       </a:lnSpc>
@@ -577,7 +592,7 @@
         <a:srgbClr val="000000"/>
       </a:buClr>
       <a:buFont typeface="Arial"/>
-      <a:defRPr b="0" i="0" sz="1400" u="none" cap="none" strike="noStrike">
+      <a:defRPr sz="1400" b="0" i="0" u="none" strike="noStrike" cap="none">
         <a:solidFill>
           <a:srgbClr val="000000"/>
         </a:solidFill>
@@ -587,7 +602,7 @@
         <a:sym typeface="Arial"/>
       </a:defRPr>
     </a:lvl4pPr>
-    <a:lvl5pPr lvl="4" marR="0" rtl="0" algn="l">
+    <a:lvl5pPr marR="0" lvl="4" algn="l" rtl="0">
       <a:lnSpc>
         <a:spcPct val="100000"/>
       </a:lnSpc>
@@ -601,7 +616,7 @@
         <a:srgbClr val="000000"/>
       </a:buClr>
       <a:buFont typeface="Arial"/>
-      <a:defRPr b="0" i="0" sz="1400" u="none" cap="none" strike="noStrike">
+      <a:defRPr sz="1400" b="0" i="0" u="none" strike="noStrike" cap="none">
         <a:solidFill>
           <a:srgbClr val="000000"/>
         </a:solidFill>
@@ -611,7 +626,7 @@
         <a:sym typeface="Arial"/>
       </a:defRPr>
     </a:lvl5pPr>
-    <a:lvl6pPr lvl="5" marR="0" rtl="0" algn="l">
+    <a:lvl6pPr marR="0" lvl="5" algn="l" rtl="0">
       <a:lnSpc>
         <a:spcPct val="100000"/>
       </a:lnSpc>
@@ -625,7 +640,7 @@
         <a:srgbClr val="000000"/>
       </a:buClr>
       <a:buFont typeface="Arial"/>
-      <a:defRPr b="0" i="0" sz="1400" u="none" cap="none" strike="noStrike">
+      <a:defRPr sz="1400" b="0" i="0" u="none" strike="noStrike" cap="none">
         <a:solidFill>
           <a:srgbClr val="000000"/>
         </a:solidFill>
@@ -635,7 +650,7 @@
         <a:sym typeface="Arial"/>
       </a:defRPr>
     </a:lvl6pPr>
-    <a:lvl7pPr lvl="6" marR="0" rtl="0" algn="l">
+    <a:lvl7pPr marR="0" lvl="6" algn="l" rtl="0">
       <a:lnSpc>
         <a:spcPct val="100000"/>
       </a:lnSpc>
@@ -649,7 +664,7 @@
         <a:srgbClr val="000000"/>
       </a:buClr>
       <a:buFont typeface="Arial"/>
-      <a:defRPr b="0" i="0" sz="1400" u="none" cap="none" strike="noStrike">
+      <a:defRPr sz="1400" b="0" i="0" u="none" strike="noStrike" cap="none">
         <a:solidFill>
           <a:srgbClr val="000000"/>
         </a:solidFill>
@@ -659,7 +674,7 @@
         <a:sym typeface="Arial"/>
       </a:defRPr>
     </a:lvl7pPr>
-    <a:lvl8pPr lvl="7" marR="0" rtl="0" algn="l">
+    <a:lvl8pPr marR="0" lvl="7" algn="l" rtl="0">
       <a:lnSpc>
         <a:spcPct val="100000"/>
       </a:lnSpc>
@@ -673,7 +688,7 @@
         <a:srgbClr val="000000"/>
       </a:buClr>
       <a:buFont typeface="Arial"/>
-      <a:defRPr b="0" i="0" sz="1400" u="none" cap="none" strike="noStrike">
+      <a:defRPr sz="1400" b="0" i="0" u="none" strike="noStrike" cap="none">
         <a:solidFill>
           <a:srgbClr val="000000"/>
         </a:solidFill>
@@ -683,7 +698,7 @@
         <a:sym typeface="Arial"/>
       </a:defRPr>
     </a:lvl8pPr>
-    <a:lvl9pPr lvl="8" marR="0" rtl="0" algn="l">
+    <a:lvl9pPr marR="0" lvl="8" algn="l" rtl="0">
       <a:lnSpc>
         <a:spcPct val="100000"/>
       </a:lnSpc>
@@ -697,7 +712,7 @@
         <a:srgbClr val="000000"/>
       </a:buClr>
       <a:buFont typeface="Arial"/>
-      <a:defRPr b="0" i="0" sz="1400" u="none" cap="none" strike="noStrike">
+      <a:defRPr sz="1400" b="0" i="0" u="none" strike="noStrike" cap="none">
         <a:solidFill>
           <a:srgbClr val="000000"/>
         </a:solidFill>
@@ -712,11 +727,11 @@
 </file>
 
 <file path=ppt/notesSlides/notesSlide1.xml><?xml version="1.0" encoding="utf-8"?>
-<p:notes xmlns:a="http://schemas.openxmlformats.org/drawingml/2006/main" xmlns:r="http://schemas.openxmlformats.org/officeDocument/2006/relationships" xmlns:mc="http://schemas.openxmlformats.org/markup-compatibility/2006" xmlns:mv="urn:schemas-microsoft-com:mac:vml" xmlns:p="http://schemas.openxmlformats.org/presentationml/2006/main" xmlns:c="http://schemas.openxmlformats.org/drawingml/2006/chart" xmlns:dgm="http://schemas.openxmlformats.org/drawingml/2006/diagram" xmlns:o="urn:schemas-microsoft-com:office:office" xmlns:v="urn:schemas-microsoft-com:vml" xmlns:pvml="urn:schemas-microsoft-com:office:powerpoint" xmlns:com="http://schemas.openxmlformats.org/drawingml/2006/compatibility" xmlns:p14="http://schemas.microsoft.com/office/powerpoint/2010/main" xmlns:p15="http://schemas.microsoft.com/office/powerpoint/2012/main" showMasterPhAnim="0" showMasterSp="0">
+<p:notes xmlns:a="http://schemas.openxmlformats.org/drawingml/2006/main" xmlns:r="http://schemas.openxmlformats.org/officeDocument/2006/relationships" xmlns:p="http://schemas.openxmlformats.org/presentationml/2006/main" showMasterSp="0" showMasterPhAnim="0">
   <p:cSld>
     <p:spTree>
       <p:nvGrpSpPr>
-        <p:cNvPr id="58" name="Shape 58"/>
+        <p:cNvPr id="1" name="Shape 58"/>
         <p:cNvGrpSpPr/>
         <p:nvPr/>
       </p:nvGrpSpPr>
@@ -731,9 +746,11 @@
       <p:sp>
         <p:nvSpPr>
           <p:cNvPr id="59" name="Google Shape;59;p:notes"/>
-          <p:cNvSpPr/>
+          <p:cNvSpPr>
+            <a:spLocks noGrp="1" noRot="1" noChangeAspect="1"/>
+          </p:cNvSpPr>
           <p:nvPr>
-            <p:ph idx="2" type="sldImg"/>
+            <p:ph type="sldImg" idx="2"/>
           </p:nvPr>
         </p:nvSpPr>
         <p:spPr>
@@ -742,9 +759,13 @@
             <a:ext cx="6096075" cy="3429000"/>
           </a:xfrm>
           <a:custGeom>
-            <a:rect b="b" l="l" r="r" t="t"/>
+            <a:avLst/>
+            <a:gdLst/>
+            <a:ahLst/>
+            <a:cxnLst/>
+            <a:rect l="l" t="t" r="r" b="b"/>
             <a:pathLst>
-              <a:path extrusionOk="0" h="120000" w="120000">
+              <a:path w="120000" h="120000" extrusionOk="0">
                 <a:moveTo>
                   <a:pt x="0" y="0"/>
                 </a:moveTo>
@@ -766,9 +787,11 @@
       <p:sp>
         <p:nvSpPr>
           <p:cNvPr id="60" name="Google Shape;60;p:notes"/>
-          <p:cNvSpPr txBox="1"/>
+          <p:cNvSpPr txBox="1">
+            <a:spLocks noGrp="1"/>
+          </p:cNvSpPr>
           <p:nvPr>
-            <p:ph idx="1" type="body"/>
+            <p:ph type="body" idx="1"/>
           </p:nvPr>
         </p:nvSpPr>
         <p:spPr>
@@ -781,12 +804,12 @@
           </a:prstGeom>
         </p:spPr>
         <p:txBody>
-          <a:bodyPr anchorCtr="0" anchor="t" bIns="91425" lIns="91425" spcFirstLastPara="1" rIns="91425" wrap="square" tIns="91425">
+          <a:bodyPr spcFirstLastPara="1" wrap="square" lIns="91425" tIns="91425" rIns="91425" bIns="91425" anchor="t" anchorCtr="0">
             <a:noAutofit/>
           </a:bodyPr>
           <a:lstStyle/>
           <a:p>
-            <a:pPr indent="0" lvl="0" marL="0" rtl="0" algn="l">
+            <a:pPr marL="0" lvl="0" indent="0" algn="l" rtl="0">
               <a:spcBef>
                 <a:spcPts val="0"/>
               </a:spcBef>
@@ -795,9 +818,6 @@
               </a:spcAft>
               <a:buNone/>
             </a:pPr>
-            <a:r>
-              <a:t/>
-            </a:r>
             <a:endParaRPr/>
           </a:p>
         </p:txBody>
@@ -811,11 +831,11 @@
 </file>
 
 <file path=ppt/notesSlides/notesSlide2.xml><?xml version="1.0" encoding="utf-8"?>
-<p:notes xmlns:a="http://schemas.openxmlformats.org/drawingml/2006/main" xmlns:r="http://schemas.openxmlformats.org/officeDocument/2006/relationships" xmlns:mc="http://schemas.openxmlformats.org/markup-compatibility/2006" xmlns:mv="urn:schemas-microsoft-com:mac:vml" xmlns:p="http://schemas.openxmlformats.org/presentationml/2006/main" xmlns:c="http://schemas.openxmlformats.org/drawingml/2006/chart" xmlns:dgm="http://schemas.openxmlformats.org/drawingml/2006/diagram" xmlns:o="urn:schemas-microsoft-com:office:office" xmlns:v="urn:schemas-microsoft-com:vml" xmlns:pvml="urn:schemas-microsoft-com:office:powerpoint" xmlns:com="http://schemas.openxmlformats.org/drawingml/2006/compatibility" xmlns:p14="http://schemas.microsoft.com/office/powerpoint/2010/main" xmlns:p15="http://schemas.microsoft.com/office/powerpoint/2012/main" showMasterPhAnim="0" showMasterSp="0">
+<p:notes xmlns:a="http://schemas.openxmlformats.org/drawingml/2006/main" xmlns:r="http://schemas.openxmlformats.org/officeDocument/2006/relationships" xmlns:p="http://schemas.openxmlformats.org/presentationml/2006/main" showMasterSp="0" showMasterPhAnim="0">
   <p:cSld>
     <p:spTree>
       <p:nvGrpSpPr>
-        <p:cNvPr id="64" name="Shape 64"/>
+        <p:cNvPr id="1" name="Shape 64"/>
         <p:cNvGrpSpPr/>
         <p:nvPr/>
       </p:nvGrpSpPr>
@@ -830,9 +850,11 @@
       <p:sp>
         <p:nvSpPr>
           <p:cNvPr id="65" name="Google Shape;65;g4ffcff4a83_0_181:notes"/>
-          <p:cNvSpPr/>
+          <p:cNvSpPr>
+            <a:spLocks noGrp="1" noRot="1" noChangeAspect="1"/>
+          </p:cNvSpPr>
           <p:nvPr>
-            <p:ph idx="2" type="sldImg"/>
+            <p:ph type="sldImg" idx="2"/>
           </p:nvPr>
         </p:nvSpPr>
         <p:spPr>
@@ -841,9 +863,13 @@
             <a:ext cx="6096000" cy="3429000"/>
           </a:xfrm>
           <a:custGeom>
-            <a:rect b="b" l="l" r="r" t="t"/>
+            <a:avLst/>
+            <a:gdLst/>
+            <a:ahLst/>
+            <a:cxnLst/>
+            <a:rect l="l" t="t" r="r" b="b"/>
             <a:pathLst>
-              <a:path extrusionOk="0" h="120000" w="120000">
+              <a:path w="120000" h="120000" extrusionOk="0">
                 <a:moveTo>
                   <a:pt x="0" y="0"/>
                 </a:moveTo>
@@ -865,9 +891,11 @@
       <p:sp>
         <p:nvSpPr>
           <p:cNvPr id="66" name="Google Shape;66;g4ffcff4a83_0_181:notes"/>
-          <p:cNvSpPr txBox="1"/>
+          <p:cNvSpPr txBox="1">
+            <a:spLocks noGrp="1"/>
+          </p:cNvSpPr>
           <p:nvPr>
-            <p:ph idx="1" type="body"/>
+            <p:ph type="body" idx="1"/>
           </p:nvPr>
         </p:nvSpPr>
         <p:spPr>
@@ -880,12 +908,12 @@
           </a:prstGeom>
         </p:spPr>
         <p:txBody>
-          <a:bodyPr anchorCtr="0" anchor="t" bIns="91425" lIns="91425" spcFirstLastPara="1" rIns="91425" wrap="square" tIns="91425">
+          <a:bodyPr spcFirstLastPara="1" wrap="square" lIns="91425" tIns="91425" rIns="91425" bIns="91425" anchor="t" anchorCtr="0">
             <a:noAutofit/>
           </a:bodyPr>
           <a:lstStyle/>
           <a:p>
-            <a:pPr indent="0" lvl="0" marL="0" rtl="0" algn="l">
+            <a:pPr marL="0" lvl="0" indent="0" algn="l" rtl="0">
               <a:spcBef>
                 <a:spcPts val="0"/>
               </a:spcBef>
@@ -894,9 +922,6 @@
               </a:spcAft>
               <a:buNone/>
             </a:pPr>
-            <a:r>
-              <a:t/>
-            </a:r>
             <a:endParaRPr/>
           </a:p>
         </p:txBody>
@@ -910,11 +935,11 @@
 </file>
 
 <file path=ppt/notesSlides/notesSlide3.xml><?xml version="1.0" encoding="utf-8"?>
-<p:notes xmlns:a="http://schemas.openxmlformats.org/drawingml/2006/main" xmlns:r="http://schemas.openxmlformats.org/officeDocument/2006/relationships" xmlns:mc="http://schemas.openxmlformats.org/markup-compatibility/2006" xmlns:mv="urn:schemas-microsoft-com:mac:vml" xmlns:p="http://schemas.openxmlformats.org/presentationml/2006/main" xmlns:c="http://schemas.openxmlformats.org/drawingml/2006/chart" xmlns:dgm="http://schemas.openxmlformats.org/drawingml/2006/diagram" xmlns:o="urn:schemas-microsoft-com:office:office" xmlns:v="urn:schemas-microsoft-com:vml" xmlns:pvml="urn:schemas-microsoft-com:office:powerpoint" xmlns:com="http://schemas.openxmlformats.org/drawingml/2006/compatibility" xmlns:p14="http://schemas.microsoft.com/office/powerpoint/2010/main" xmlns:p15="http://schemas.microsoft.com/office/powerpoint/2012/main" showMasterPhAnim="0" showMasterSp="0">
+<p:notes xmlns:a="http://schemas.openxmlformats.org/drawingml/2006/main" xmlns:r="http://schemas.openxmlformats.org/officeDocument/2006/relationships" xmlns:p="http://schemas.openxmlformats.org/presentationml/2006/main" showMasterSp="0" showMasterPhAnim="0">
   <p:cSld>
     <p:spTree>
       <p:nvGrpSpPr>
-        <p:cNvPr id="70" name="Shape 70"/>
+        <p:cNvPr id="1" name="Shape 70"/>
         <p:cNvGrpSpPr/>
         <p:nvPr/>
       </p:nvGrpSpPr>
@@ -929,9 +954,11 @@
       <p:sp>
         <p:nvSpPr>
           <p:cNvPr id="71" name="Google Shape;71;g5097085071_0_1:notes"/>
-          <p:cNvSpPr/>
+          <p:cNvSpPr>
+            <a:spLocks noGrp="1" noRot="1" noChangeAspect="1"/>
+          </p:cNvSpPr>
           <p:nvPr>
-            <p:ph idx="2" type="sldImg"/>
+            <p:ph type="sldImg" idx="2"/>
           </p:nvPr>
         </p:nvSpPr>
         <p:spPr>
@@ -940,9 +967,13 @@
             <a:ext cx="6096000" cy="3429000"/>
           </a:xfrm>
           <a:custGeom>
-            <a:rect b="b" l="l" r="r" t="t"/>
+            <a:avLst/>
+            <a:gdLst/>
+            <a:ahLst/>
+            <a:cxnLst/>
+            <a:rect l="l" t="t" r="r" b="b"/>
             <a:pathLst>
-              <a:path extrusionOk="0" h="120000" w="120000">
+              <a:path w="120000" h="120000" extrusionOk="0">
                 <a:moveTo>
                   <a:pt x="0" y="0"/>
                 </a:moveTo>
@@ -964,9 +995,11 @@
       <p:sp>
         <p:nvSpPr>
           <p:cNvPr id="72" name="Google Shape;72;g5097085071_0_1:notes"/>
-          <p:cNvSpPr txBox="1"/>
+          <p:cNvSpPr txBox="1">
+            <a:spLocks noGrp="1"/>
+          </p:cNvSpPr>
           <p:nvPr>
-            <p:ph idx="1" type="body"/>
+            <p:ph type="body" idx="1"/>
           </p:nvPr>
         </p:nvSpPr>
         <p:spPr>
@@ -979,12 +1012,12 @@
           </a:prstGeom>
         </p:spPr>
         <p:txBody>
-          <a:bodyPr anchorCtr="0" anchor="t" bIns="91425" lIns="91425" spcFirstLastPara="1" rIns="91425" wrap="square" tIns="91425">
+          <a:bodyPr spcFirstLastPara="1" wrap="square" lIns="91425" tIns="91425" rIns="91425" bIns="91425" anchor="t" anchorCtr="0">
             <a:noAutofit/>
           </a:bodyPr>
           <a:lstStyle/>
           <a:p>
-            <a:pPr indent="0" lvl="0" marL="0" rtl="0" algn="l">
+            <a:pPr marL="0" lvl="0" indent="0" algn="l" rtl="0">
               <a:spcBef>
                 <a:spcPts val="0"/>
               </a:spcBef>
@@ -993,9 +1026,6 @@
               </a:spcAft>
               <a:buNone/>
             </a:pPr>
-            <a:r>
-              <a:t/>
-            </a:r>
             <a:endParaRPr/>
           </a:p>
         </p:txBody>
@@ -1009,11 +1039,11 @@
 </file>
 
 <file path=ppt/notesSlides/notesSlide4.xml><?xml version="1.0" encoding="utf-8"?>
-<p:notes xmlns:a="http://schemas.openxmlformats.org/drawingml/2006/main" xmlns:r="http://schemas.openxmlformats.org/officeDocument/2006/relationships" xmlns:mc="http://schemas.openxmlformats.org/markup-compatibility/2006" xmlns:mv="urn:schemas-microsoft-com:mac:vml" xmlns:p="http://schemas.openxmlformats.org/presentationml/2006/main" xmlns:c="http://schemas.openxmlformats.org/drawingml/2006/chart" xmlns:dgm="http://schemas.openxmlformats.org/drawingml/2006/diagram" xmlns:o="urn:schemas-microsoft-com:office:office" xmlns:v="urn:schemas-microsoft-com:vml" xmlns:pvml="urn:schemas-microsoft-com:office:powerpoint" xmlns:com="http://schemas.openxmlformats.org/drawingml/2006/compatibility" xmlns:p14="http://schemas.microsoft.com/office/powerpoint/2010/main" xmlns:p15="http://schemas.microsoft.com/office/powerpoint/2012/main" showMasterPhAnim="0" showMasterSp="0">
+<p:notes xmlns:a="http://schemas.openxmlformats.org/drawingml/2006/main" xmlns:r="http://schemas.openxmlformats.org/officeDocument/2006/relationships" xmlns:p="http://schemas.openxmlformats.org/presentationml/2006/main" showMasterSp="0" showMasterPhAnim="0">
   <p:cSld>
     <p:spTree>
       <p:nvGrpSpPr>
-        <p:cNvPr id="76" name="Shape 76"/>
+        <p:cNvPr id="1" name="Shape 76"/>
         <p:cNvGrpSpPr/>
         <p:nvPr/>
       </p:nvGrpSpPr>
@@ -1028,9 +1058,11 @@
       <p:sp>
         <p:nvSpPr>
           <p:cNvPr id="77" name="Google Shape;77;g5097085071_0_6:notes"/>
-          <p:cNvSpPr/>
+          <p:cNvSpPr>
+            <a:spLocks noGrp="1" noRot="1" noChangeAspect="1"/>
+          </p:cNvSpPr>
           <p:nvPr>
-            <p:ph idx="2" type="sldImg"/>
+            <p:ph type="sldImg" idx="2"/>
           </p:nvPr>
         </p:nvSpPr>
         <p:spPr>
@@ -1039,9 +1071,13 @@
             <a:ext cx="6096000" cy="3429000"/>
           </a:xfrm>
           <a:custGeom>
-            <a:rect b="b" l="l" r="r" t="t"/>
+            <a:avLst/>
+            <a:gdLst/>
+            <a:ahLst/>
+            <a:cxnLst/>
+            <a:rect l="l" t="t" r="r" b="b"/>
             <a:pathLst>
-              <a:path extrusionOk="0" h="120000" w="120000">
+              <a:path w="120000" h="120000" extrusionOk="0">
                 <a:moveTo>
                   <a:pt x="0" y="0"/>
                 </a:moveTo>
@@ -1063,9 +1099,11 @@
       <p:sp>
         <p:nvSpPr>
           <p:cNvPr id="78" name="Google Shape;78;g5097085071_0_6:notes"/>
-          <p:cNvSpPr txBox="1"/>
+          <p:cNvSpPr txBox="1">
+            <a:spLocks noGrp="1"/>
+          </p:cNvSpPr>
           <p:nvPr>
-            <p:ph idx="1" type="body"/>
+            <p:ph type="body" idx="1"/>
           </p:nvPr>
         </p:nvSpPr>
         <p:spPr>
@@ -1078,12 +1116,12 @@
           </a:prstGeom>
         </p:spPr>
         <p:txBody>
-          <a:bodyPr anchorCtr="0" anchor="t" bIns="91425" lIns="91425" spcFirstLastPara="1" rIns="91425" wrap="square" tIns="91425">
+          <a:bodyPr spcFirstLastPara="1" wrap="square" lIns="91425" tIns="91425" rIns="91425" bIns="91425" anchor="t" anchorCtr="0">
             <a:noAutofit/>
           </a:bodyPr>
           <a:lstStyle/>
           <a:p>
-            <a:pPr indent="0" lvl="0" marL="0" rtl="0" algn="l">
+            <a:pPr marL="0" lvl="0" indent="0" algn="l" rtl="0">
               <a:spcBef>
                 <a:spcPts val="0"/>
               </a:spcBef>
@@ -1092,9 +1130,6 @@
               </a:spcAft>
               <a:buNone/>
             </a:pPr>
-            <a:r>
-              <a:t/>
-            </a:r>
             <a:endParaRPr/>
           </a:p>
         </p:txBody>
@@ -1108,11 +1143,11 @@
 </file>
 
 <file path=ppt/notesSlides/notesSlide5.xml><?xml version="1.0" encoding="utf-8"?>
-<p:notes xmlns:a="http://schemas.openxmlformats.org/drawingml/2006/main" xmlns:r="http://schemas.openxmlformats.org/officeDocument/2006/relationships" xmlns:mc="http://schemas.openxmlformats.org/markup-compatibility/2006" xmlns:mv="urn:schemas-microsoft-com:mac:vml" xmlns:p="http://schemas.openxmlformats.org/presentationml/2006/main" xmlns:c="http://schemas.openxmlformats.org/drawingml/2006/chart" xmlns:dgm="http://schemas.openxmlformats.org/drawingml/2006/diagram" xmlns:o="urn:schemas-microsoft-com:office:office" xmlns:v="urn:schemas-microsoft-com:vml" xmlns:pvml="urn:schemas-microsoft-com:office:powerpoint" xmlns:com="http://schemas.openxmlformats.org/drawingml/2006/compatibility" xmlns:p14="http://schemas.microsoft.com/office/powerpoint/2010/main" xmlns:p15="http://schemas.microsoft.com/office/powerpoint/2012/main" showMasterPhAnim="0" showMasterSp="0">
+<p:notes xmlns:a="http://schemas.openxmlformats.org/drawingml/2006/main" xmlns:r="http://schemas.openxmlformats.org/officeDocument/2006/relationships" xmlns:p="http://schemas.openxmlformats.org/presentationml/2006/main" showMasterSp="0" showMasterPhAnim="0">
   <p:cSld>
     <p:spTree>
       <p:nvGrpSpPr>
-        <p:cNvPr id="82" name="Shape 82"/>
+        <p:cNvPr id="1" name="Shape 82"/>
         <p:cNvGrpSpPr/>
         <p:nvPr/>
       </p:nvGrpSpPr>
@@ -1127,9 +1162,11 @@
       <p:sp>
         <p:nvSpPr>
           <p:cNvPr id="83" name="Google Shape;83;g5097085071_0_11:notes"/>
-          <p:cNvSpPr/>
+          <p:cNvSpPr>
+            <a:spLocks noGrp="1" noRot="1" noChangeAspect="1"/>
+          </p:cNvSpPr>
           <p:nvPr>
-            <p:ph idx="2" type="sldImg"/>
+            <p:ph type="sldImg" idx="2"/>
           </p:nvPr>
         </p:nvSpPr>
         <p:spPr>
@@ -1138,9 +1175,13 @@
             <a:ext cx="6096000" cy="3429000"/>
           </a:xfrm>
           <a:custGeom>
-            <a:rect b="b" l="l" r="r" t="t"/>
+            <a:avLst/>
+            <a:gdLst/>
+            <a:ahLst/>
+            <a:cxnLst/>
+            <a:rect l="l" t="t" r="r" b="b"/>
             <a:pathLst>
-              <a:path extrusionOk="0" h="120000" w="120000">
+              <a:path w="120000" h="120000" extrusionOk="0">
                 <a:moveTo>
                   <a:pt x="0" y="0"/>
                 </a:moveTo>
@@ -1162,9 +1203,11 @@
       <p:sp>
         <p:nvSpPr>
           <p:cNvPr id="84" name="Google Shape;84;g5097085071_0_11:notes"/>
-          <p:cNvSpPr txBox="1"/>
+          <p:cNvSpPr txBox="1">
+            <a:spLocks noGrp="1"/>
+          </p:cNvSpPr>
           <p:nvPr>
-            <p:ph idx="1" type="body"/>
+            <p:ph type="body" idx="1"/>
           </p:nvPr>
         </p:nvSpPr>
         <p:spPr>
@@ -1177,12 +1220,12 @@
           </a:prstGeom>
         </p:spPr>
         <p:txBody>
-          <a:bodyPr anchorCtr="0" anchor="t" bIns="91425" lIns="91425" spcFirstLastPara="1" rIns="91425" wrap="square" tIns="91425">
+          <a:bodyPr spcFirstLastPara="1" wrap="square" lIns="91425" tIns="91425" rIns="91425" bIns="91425" anchor="t" anchorCtr="0">
             <a:noAutofit/>
           </a:bodyPr>
           <a:lstStyle/>
           <a:p>
-            <a:pPr indent="0" lvl="0" marL="0" rtl="0" algn="l">
+            <a:pPr marL="0" lvl="0" indent="0" algn="l" rtl="0">
               <a:spcBef>
                 <a:spcPts val="0"/>
               </a:spcBef>
@@ -1191,9 +1234,6 @@
               </a:spcAft>
               <a:buNone/>
             </a:pPr>
-            <a:r>
-              <a:t/>
-            </a:r>
             <a:endParaRPr/>
           </a:p>
         </p:txBody>
@@ -1207,11 +1247,11 @@
 </file>
 
 <file path=ppt/notesSlides/notesSlide6.xml><?xml version="1.0" encoding="utf-8"?>
-<p:notes xmlns:a="http://schemas.openxmlformats.org/drawingml/2006/main" xmlns:r="http://schemas.openxmlformats.org/officeDocument/2006/relationships" xmlns:mc="http://schemas.openxmlformats.org/markup-compatibility/2006" xmlns:mv="urn:schemas-microsoft-com:mac:vml" xmlns:p="http://schemas.openxmlformats.org/presentationml/2006/main" xmlns:c="http://schemas.openxmlformats.org/drawingml/2006/chart" xmlns:dgm="http://schemas.openxmlformats.org/drawingml/2006/diagram" xmlns:o="urn:schemas-microsoft-com:office:office" xmlns:v="urn:schemas-microsoft-com:vml" xmlns:pvml="urn:schemas-microsoft-com:office:powerpoint" xmlns:com="http://schemas.openxmlformats.org/drawingml/2006/compatibility" xmlns:p14="http://schemas.microsoft.com/office/powerpoint/2010/main" xmlns:p15="http://schemas.microsoft.com/office/powerpoint/2012/main" showMasterPhAnim="0" showMasterSp="0">
+<p:notes xmlns:a="http://schemas.openxmlformats.org/drawingml/2006/main" xmlns:r="http://schemas.openxmlformats.org/officeDocument/2006/relationships" xmlns:p="http://schemas.openxmlformats.org/presentationml/2006/main" showMasterSp="0" showMasterPhAnim="0">
   <p:cSld>
     <p:spTree>
       <p:nvGrpSpPr>
-        <p:cNvPr id="88" name="Shape 88"/>
+        <p:cNvPr id="1" name="Shape 88"/>
         <p:cNvGrpSpPr/>
         <p:nvPr/>
       </p:nvGrpSpPr>
@@ -1226,9 +1266,11 @@
       <p:sp>
         <p:nvSpPr>
           <p:cNvPr id="89" name="Google Shape;89;g502e54c842_0_0:notes"/>
-          <p:cNvSpPr/>
+          <p:cNvSpPr>
+            <a:spLocks noGrp="1" noRot="1" noChangeAspect="1"/>
+          </p:cNvSpPr>
           <p:nvPr>
-            <p:ph idx="2" type="sldImg"/>
+            <p:ph type="sldImg" idx="2"/>
           </p:nvPr>
         </p:nvSpPr>
         <p:spPr>
@@ -1237,9 +1279,13 @@
             <a:ext cx="6096000" cy="3429000"/>
           </a:xfrm>
           <a:custGeom>
-            <a:rect b="b" l="l" r="r" t="t"/>
+            <a:avLst/>
+            <a:gdLst/>
+            <a:ahLst/>
+            <a:cxnLst/>
+            <a:rect l="l" t="t" r="r" b="b"/>
             <a:pathLst>
-              <a:path extrusionOk="0" h="120000" w="120000">
+              <a:path w="120000" h="120000" extrusionOk="0">
                 <a:moveTo>
                   <a:pt x="0" y="0"/>
                 </a:moveTo>
@@ -1261,9 +1307,11 @@
       <p:sp>
         <p:nvSpPr>
           <p:cNvPr id="90" name="Google Shape;90;g502e54c842_0_0:notes"/>
-          <p:cNvSpPr txBox="1"/>
+          <p:cNvSpPr txBox="1">
+            <a:spLocks noGrp="1"/>
+          </p:cNvSpPr>
           <p:nvPr>
-            <p:ph idx="1" type="body"/>
+            <p:ph type="body" idx="1"/>
           </p:nvPr>
         </p:nvSpPr>
         <p:spPr>
@@ -1276,12 +1324,12 @@
           </a:prstGeom>
         </p:spPr>
         <p:txBody>
-          <a:bodyPr anchorCtr="0" anchor="t" bIns="91425" lIns="91425" spcFirstLastPara="1" rIns="91425" wrap="square" tIns="91425">
+          <a:bodyPr spcFirstLastPara="1" wrap="square" lIns="91425" tIns="91425" rIns="91425" bIns="91425" anchor="t" anchorCtr="0">
             <a:noAutofit/>
           </a:bodyPr>
           <a:lstStyle/>
           <a:p>
-            <a:pPr indent="0" lvl="0" marL="0" rtl="0" algn="l">
+            <a:pPr marL="0" lvl="0" indent="0" algn="l" rtl="0">
               <a:spcBef>
                 <a:spcPts val="0"/>
               </a:spcBef>
@@ -1290,9 +1338,6 @@
               </a:spcAft>
               <a:buNone/>
             </a:pPr>
-            <a:r>
-              <a:t/>
-            </a:r>
             <a:endParaRPr/>
           </a:p>
         </p:txBody>
@@ -1306,11 +1351,11 @@
 </file>
 
 <file path=ppt/notesSlides/notesSlide7.xml><?xml version="1.0" encoding="utf-8"?>
-<p:notes xmlns:a="http://schemas.openxmlformats.org/drawingml/2006/main" xmlns:r="http://schemas.openxmlformats.org/officeDocument/2006/relationships" xmlns:mc="http://schemas.openxmlformats.org/markup-compatibility/2006" xmlns:mv="urn:schemas-microsoft-com:mac:vml" xmlns:p="http://schemas.openxmlformats.org/presentationml/2006/main" xmlns:c="http://schemas.openxmlformats.org/drawingml/2006/chart" xmlns:dgm="http://schemas.openxmlformats.org/drawingml/2006/diagram" xmlns:o="urn:schemas-microsoft-com:office:office" xmlns:v="urn:schemas-microsoft-com:vml" xmlns:pvml="urn:schemas-microsoft-com:office:powerpoint" xmlns:com="http://schemas.openxmlformats.org/drawingml/2006/compatibility" xmlns:p14="http://schemas.microsoft.com/office/powerpoint/2010/main" xmlns:p15="http://schemas.microsoft.com/office/powerpoint/2012/main" showMasterPhAnim="0" showMasterSp="0">
+<p:notes xmlns:a="http://schemas.openxmlformats.org/drawingml/2006/main" xmlns:r="http://schemas.openxmlformats.org/officeDocument/2006/relationships" xmlns:p="http://schemas.openxmlformats.org/presentationml/2006/main" showMasterSp="0" showMasterPhAnim="0">
   <p:cSld>
     <p:spTree>
       <p:nvGrpSpPr>
-        <p:cNvPr id="94" name="Shape 94"/>
+        <p:cNvPr id="1" name="Shape 94"/>
         <p:cNvGrpSpPr/>
         <p:nvPr/>
       </p:nvGrpSpPr>
@@ -1325,9 +1370,11 @@
       <p:sp>
         <p:nvSpPr>
           <p:cNvPr id="95" name="Google Shape;95;g502e54c842_0_9:notes"/>
-          <p:cNvSpPr/>
+          <p:cNvSpPr>
+            <a:spLocks noGrp="1" noRot="1" noChangeAspect="1"/>
+          </p:cNvSpPr>
           <p:nvPr>
-            <p:ph idx="2" type="sldImg"/>
+            <p:ph type="sldImg" idx="2"/>
           </p:nvPr>
         </p:nvSpPr>
         <p:spPr>
@@ -1336,9 +1383,13 @@
             <a:ext cx="6096000" cy="3429000"/>
           </a:xfrm>
           <a:custGeom>
-            <a:rect b="b" l="l" r="r" t="t"/>
+            <a:avLst/>
+            <a:gdLst/>
+            <a:ahLst/>
+            <a:cxnLst/>
+            <a:rect l="l" t="t" r="r" b="b"/>
             <a:pathLst>
-              <a:path extrusionOk="0" h="120000" w="120000">
+              <a:path w="120000" h="120000" extrusionOk="0">
                 <a:moveTo>
                   <a:pt x="0" y="0"/>
                 </a:moveTo>
@@ -1360,9 +1411,11 @@
       <p:sp>
         <p:nvSpPr>
           <p:cNvPr id="96" name="Google Shape;96;g502e54c842_0_9:notes"/>
-          <p:cNvSpPr txBox="1"/>
+          <p:cNvSpPr txBox="1">
+            <a:spLocks noGrp="1"/>
+          </p:cNvSpPr>
           <p:nvPr>
-            <p:ph idx="1" type="body"/>
+            <p:ph type="body" idx="1"/>
           </p:nvPr>
         </p:nvSpPr>
         <p:spPr>
@@ -1375,12 +1428,12 @@
           </a:prstGeom>
         </p:spPr>
         <p:txBody>
-          <a:bodyPr anchorCtr="0" anchor="t" bIns="91425" lIns="91425" spcFirstLastPara="1" rIns="91425" wrap="square" tIns="91425">
+          <a:bodyPr spcFirstLastPara="1" wrap="square" lIns="91425" tIns="91425" rIns="91425" bIns="91425" anchor="t" anchorCtr="0">
             <a:noAutofit/>
           </a:bodyPr>
           <a:lstStyle/>
           <a:p>
-            <a:pPr indent="0" lvl="0" marL="0" rtl="0" algn="l">
+            <a:pPr marL="0" lvl="0" indent="0" algn="l" rtl="0">
               <a:spcBef>
                 <a:spcPts val="0"/>
               </a:spcBef>
@@ -1389,9 +1442,6 @@
               </a:spcAft>
               <a:buNone/>
             </a:pPr>
-            <a:r>
-              <a:t/>
-            </a:r>
             <a:endParaRPr/>
           </a:p>
         </p:txBody>
@@ -1405,11 +1455,11 @@
 </file>
 
 <file path=ppt/notesSlides/notesSlide8.xml><?xml version="1.0" encoding="utf-8"?>
-<p:notes xmlns:a="http://schemas.openxmlformats.org/drawingml/2006/main" xmlns:r="http://schemas.openxmlformats.org/officeDocument/2006/relationships" xmlns:mc="http://schemas.openxmlformats.org/markup-compatibility/2006" xmlns:mv="urn:schemas-microsoft-com:mac:vml" xmlns:p="http://schemas.openxmlformats.org/presentationml/2006/main" xmlns:c="http://schemas.openxmlformats.org/drawingml/2006/chart" xmlns:dgm="http://schemas.openxmlformats.org/drawingml/2006/diagram" xmlns:o="urn:schemas-microsoft-com:office:office" xmlns:v="urn:schemas-microsoft-com:vml" xmlns:pvml="urn:schemas-microsoft-com:office:powerpoint" xmlns:com="http://schemas.openxmlformats.org/drawingml/2006/compatibility" xmlns:p14="http://schemas.microsoft.com/office/powerpoint/2010/main" xmlns:p15="http://schemas.microsoft.com/office/powerpoint/2012/main" showMasterPhAnim="0" showMasterSp="0">
+<p:notes xmlns:a="http://schemas.openxmlformats.org/drawingml/2006/main" xmlns:r="http://schemas.openxmlformats.org/officeDocument/2006/relationships" xmlns:p="http://schemas.openxmlformats.org/presentationml/2006/main" showMasterSp="0" showMasterPhAnim="0">
   <p:cSld>
     <p:spTree>
       <p:nvGrpSpPr>
-        <p:cNvPr id="101" name="Shape 101"/>
+        <p:cNvPr id="1" name="Shape 101"/>
         <p:cNvGrpSpPr/>
         <p:nvPr/>
       </p:nvGrpSpPr>
@@ -1424,20 +1474,26 @@
       <p:sp>
         <p:nvSpPr>
           <p:cNvPr id="102" name="Google Shape;102;g502e54c842_0_15:notes"/>
-          <p:cNvSpPr/>
+          <p:cNvSpPr>
+            <a:spLocks noGrp="1" noRot="1" noChangeAspect="1"/>
+          </p:cNvSpPr>
           <p:nvPr>
-            <p:ph idx="2" type="sldImg"/>
+            <p:ph type="sldImg" idx="2"/>
           </p:nvPr>
         </p:nvSpPr>
         <p:spPr>
           <a:xfrm>
-            <a:off x="381300" y="685800"/>
+            <a:off x="381000" y="685800"/>
             <a:ext cx="6096000" cy="3429000"/>
           </a:xfrm>
           <a:custGeom>
-            <a:rect b="b" l="l" r="r" t="t"/>
+            <a:avLst/>
+            <a:gdLst/>
+            <a:ahLst/>
+            <a:cxnLst/>
+            <a:rect l="l" t="t" r="r" b="b"/>
             <a:pathLst>
-              <a:path extrusionOk="0" h="120000" w="120000">
+              <a:path w="120000" h="120000" extrusionOk="0">
                 <a:moveTo>
                   <a:pt x="0" y="0"/>
                 </a:moveTo>
@@ -1459,9 +1515,11 @@
       <p:sp>
         <p:nvSpPr>
           <p:cNvPr id="103" name="Google Shape;103;g502e54c842_0_15:notes"/>
-          <p:cNvSpPr txBox="1"/>
+          <p:cNvSpPr txBox="1">
+            <a:spLocks noGrp="1"/>
+          </p:cNvSpPr>
           <p:nvPr>
-            <p:ph idx="1" type="body"/>
+            <p:ph type="body" idx="1"/>
           </p:nvPr>
         </p:nvSpPr>
         <p:spPr>
@@ -1474,12 +1532,12 @@
           </a:prstGeom>
         </p:spPr>
         <p:txBody>
-          <a:bodyPr anchorCtr="0" anchor="t" bIns="91425" lIns="91425" spcFirstLastPara="1" rIns="91425" wrap="square" tIns="91425">
+          <a:bodyPr spcFirstLastPara="1" wrap="square" lIns="91425" tIns="91425" rIns="91425" bIns="91425" anchor="t" anchorCtr="0">
             <a:noAutofit/>
           </a:bodyPr>
           <a:lstStyle/>
           <a:p>
-            <a:pPr indent="0" lvl="0" marL="0" rtl="0" algn="l">
+            <a:pPr marL="0" lvl="0" indent="0" algn="l" rtl="0">
               <a:spcBef>
                 <a:spcPts val="0"/>
               </a:spcBef>
@@ -1488,9 +1546,6 @@
               </a:spcAft>
               <a:buNone/>
             </a:pPr>
-            <a:r>
-              <a:t/>
-            </a:r>
             <a:endParaRPr/>
           </a:p>
         </p:txBody>
@@ -1504,11 +1559,11 @@
 </file>
 
 <file path=ppt/notesSlides/notesSlide9.xml><?xml version="1.0" encoding="utf-8"?>
-<p:notes xmlns:a="http://schemas.openxmlformats.org/drawingml/2006/main" xmlns:r="http://schemas.openxmlformats.org/officeDocument/2006/relationships" xmlns:mc="http://schemas.openxmlformats.org/markup-compatibility/2006" xmlns:mv="urn:schemas-microsoft-com:mac:vml" xmlns:p="http://schemas.openxmlformats.org/presentationml/2006/main" xmlns:c="http://schemas.openxmlformats.org/drawingml/2006/chart" xmlns:dgm="http://schemas.openxmlformats.org/drawingml/2006/diagram" xmlns:o="urn:schemas-microsoft-com:office:office" xmlns:v="urn:schemas-microsoft-com:vml" xmlns:pvml="urn:schemas-microsoft-com:office:powerpoint" xmlns:com="http://schemas.openxmlformats.org/drawingml/2006/compatibility" xmlns:p14="http://schemas.microsoft.com/office/powerpoint/2010/main" xmlns:p15="http://schemas.microsoft.com/office/powerpoint/2012/main" showMasterPhAnim="0" showMasterSp="0">
+<p:notes xmlns:a="http://schemas.openxmlformats.org/drawingml/2006/main" xmlns:r="http://schemas.openxmlformats.org/officeDocument/2006/relationships" xmlns:p="http://schemas.openxmlformats.org/presentationml/2006/main" showMasterSp="0" showMasterPhAnim="0">
   <p:cSld>
     <p:spTree>
       <p:nvGrpSpPr>
-        <p:cNvPr id="107" name="Shape 107"/>
+        <p:cNvPr id="1" name="Shape 107"/>
         <p:cNvGrpSpPr/>
         <p:nvPr/>
       </p:nvGrpSpPr>
@@ -1523,9 +1578,11 @@
       <p:sp>
         <p:nvSpPr>
           <p:cNvPr id="108" name="Google Shape;108;g502e54c842_0_21:notes"/>
-          <p:cNvSpPr/>
+          <p:cNvSpPr>
+            <a:spLocks noGrp="1" noRot="1" noChangeAspect="1"/>
+          </p:cNvSpPr>
           <p:nvPr>
-            <p:ph idx="2" type="sldImg"/>
+            <p:ph type="sldImg" idx="2"/>
           </p:nvPr>
         </p:nvSpPr>
         <p:spPr>
@@ -1534,9 +1591,13 @@
             <a:ext cx="6096000" cy="3429000"/>
           </a:xfrm>
           <a:custGeom>
-            <a:rect b="b" l="l" r="r" t="t"/>
+            <a:avLst/>
+            <a:gdLst/>
+            <a:ahLst/>
+            <a:cxnLst/>
+            <a:rect l="l" t="t" r="r" b="b"/>
             <a:pathLst>
-              <a:path extrusionOk="0" h="120000" w="120000">
+              <a:path w="120000" h="120000" extrusionOk="0">
                 <a:moveTo>
                   <a:pt x="0" y="0"/>
                 </a:moveTo>
@@ -1558,9 +1619,11 @@
       <p:sp>
         <p:nvSpPr>
           <p:cNvPr id="109" name="Google Shape;109;g502e54c842_0_21:notes"/>
-          <p:cNvSpPr txBox="1"/>
+          <p:cNvSpPr txBox="1">
+            <a:spLocks noGrp="1"/>
+          </p:cNvSpPr>
           <p:nvPr>
-            <p:ph idx="1" type="body"/>
+            <p:ph type="body" idx="1"/>
           </p:nvPr>
         </p:nvSpPr>
         <p:spPr>
@@ -1573,12 +1636,12 @@
           </a:prstGeom>
         </p:spPr>
         <p:txBody>
-          <a:bodyPr anchorCtr="0" anchor="t" bIns="91425" lIns="91425" spcFirstLastPara="1" rIns="91425" wrap="square" tIns="91425">
+          <a:bodyPr spcFirstLastPara="1" wrap="square" lIns="91425" tIns="91425" rIns="91425" bIns="91425" anchor="t" anchorCtr="0">
             <a:noAutofit/>
           </a:bodyPr>
           <a:lstStyle/>
           <a:p>
-            <a:pPr indent="0" lvl="0" marL="0" rtl="0" algn="l">
+            <a:pPr marL="0" lvl="0" indent="0" algn="l" rtl="0">
               <a:spcBef>
                 <a:spcPts val="0"/>
               </a:spcBef>
@@ -1587,9 +1650,6 @@
               </a:spcAft>
               <a:buNone/>
             </a:pPr>
-            <a:r>
-              <a:t/>
-            </a:r>
             <a:endParaRPr/>
           </a:p>
         </p:txBody>
@@ -1603,11 +1663,11 @@
 </file>
 
 <file path=ppt/slideLayouts/slideLayout1.xml><?xml version="1.0" encoding="utf-8"?>
-<p:sldLayout xmlns:a="http://schemas.openxmlformats.org/drawingml/2006/main" xmlns:r="http://schemas.openxmlformats.org/officeDocument/2006/relationships" xmlns:mc="http://schemas.openxmlformats.org/markup-compatibility/2006" xmlns:mv="urn:schemas-microsoft-com:mac:vml" xmlns:p="http://schemas.openxmlformats.org/presentationml/2006/main" xmlns:c="http://schemas.openxmlformats.org/drawingml/2006/chart" xmlns:dgm="http://schemas.openxmlformats.org/drawingml/2006/diagram" xmlns:o="urn:schemas-microsoft-com:office:office" xmlns:v="urn:schemas-microsoft-com:vml" xmlns:pvml="urn:schemas-microsoft-com:office:powerpoint" xmlns:com="http://schemas.openxmlformats.org/drawingml/2006/compatibility" xmlns:p14="http://schemas.microsoft.com/office/powerpoint/2010/main" xmlns:p15="http://schemas.microsoft.com/office/powerpoint/2012/main" matchingName="Title slide" type="title">
+<p:sldLayout xmlns:a="http://schemas.openxmlformats.org/drawingml/2006/main" xmlns:r="http://schemas.openxmlformats.org/officeDocument/2006/relationships" xmlns:p="http://schemas.openxmlformats.org/presentationml/2006/main" matchingName="Title slide" type="title">
   <p:cSld name="TITLE">
     <p:spTree>
       <p:nvGrpSpPr>
-        <p:cNvPr id="9" name="Shape 9"/>
+        <p:cNvPr id="1" name="Shape 9"/>
         <p:cNvGrpSpPr/>
         <p:nvPr/>
       </p:nvGrpSpPr>
@@ -1632,7 +1692,7 @@
           </a:xfrm>
           <a:prstGeom prst="triangle">
             <a:avLst>
-              <a:gd fmla="val 50000" name="adj"/>
+              <a:gd name="adj" fmla="val 50000"/>
             </a:avLst>
           </a:prstGeom>
           <a:solidFill>
@@ -1643,12 +1703,12 @@
           </a:ln>
         </p:spPr>
         <p:txBody>
-          <a:bodyPr anchorCtr="0" anchor="ctr" bIns="91425" lIns="91425" spcFirstLastPara="1" rIns="91425" wrap="square" tIns="91425">
+          <a:bodyPr spcFirstLastPara="1" wrap="square" lIns="91425" tIns="91425" rIns="91425" bIns="91425" anchor="ctr" anchorCtr="0">
             <a:noAutofit/>
           </a:bodyPr>
           <a:lstStyle/>
           <a:p>
-            <a:pPr indent="0" lvl="0" marL="0" rtl="0" algn="l">
+            <a:pPr marL="0" lvl="0" indent="0" algn="l" rtl="0">
               <a:spcBef>
                 <a:spcPts val="0"/>
               </a:spcBef>
@@ -1657,9 +1717,6 @@
               </a:spcAft>
               <a:buNone/>
             </a:pPr>
-            <a:r>
-              <a:t/>
-            </a:r>
             <a:endParaRPr/>
           </a:p>
         </p:txBody>
@@ -1686,12 +1743,12 @@
           </a:ln>
         </p:spPr>
         <p:txBody>
-          <a:bodyPr anchorCtr="0" anchor="ctr" bIns="91425" lIns="91425" spcFirstLastPara="1" rIns="91425" wrap="square" tIns="91425">
+          <a:bodyPr spcFirstLastPara="1" wrap="square" lIns="91425" tIns="91425" rIns="91425" bIns="91425" anchor="ctr" anchorCtr="0">
             <a:noAutofit/>
           </a:bodyPr>
           <a:lstStyle/>
           <a:p>
-            <a:pPr indent="0" lvl="0" marL="0" rtl="0" algn="l">
+            <a:pPr marL="0" lvl="0" indent="0" algn="l" rtl="0">
               <a:spcBef>
                 <a:spcPts val="0"/>
               </a:spcBef>
@@ -1700,9 +1757,6 @@
               </a:spcAft>
               <a:buNone/>
             </a:pPr>
-            <a:r>
-              <a:t/>
-            </a:r>
             <a:endParaRPr/>
           </a:p>
         </p:txBody>
@@ -1710,7 +1764,9 @@
       <p:sp>
         <p:nvSpPr>
           <p:cNvPr id="12" name="Google Shape;12;p2"/>
-          <p:cNvSpPr txBox="1"/>
+          <p:cNvSpPr txBox="1">
+            <a:spLocks noGrp="1"/>
+          </p:cNvSpPr>
           <p:nvPr>
             <p:ph type="ctrTitle"/>
           </p:nvPr>
@@ -1725,7 +1781,7 @@
           </a:prstGeom>
         </p:spPr>
         <p:txBody>
-          <a:bodyPr anchorCtr="0" anchor="b" bIns="91425" lIns="91425" spcFirstLastPara="1" rIns="91425" wrap="square" tIns="91425"/>
+          <a:bodyPr spcFirstLastPara="1" wrap="square" lIns="91425" tIns="91425" rIns="91425" bIns="91425" anchor="b" anchorCtr="0"/>
           <a:lstStyle>
             <a:lvl1pPr lvl="0" algn="ctr">
               <a:spcBef>
@@ -1890,15 +1946,19 @@
               </a:defRPr>
             </a:lvl9pPr>
           </a:lstStyle>
-          <a:p/>
+          <a:p>
+            <a:endParaRPr/>
+          </a:p>
         </p:txBody>
       </p:sp>
       <p:sp>
         <p:nvSpPr>
           <p:cNvPr id="13" name="Google Shape;13;p2"/>
-          <p:cNvSpPr txBox="1"/>
+          <p:cNvSpPr txBox="1">
+            <a:spLocks noGrp="1"/>
+          </p:cNvSpPr>
           <p:nvPr>
-            <p:ph idx="1" type="subTitle"/>
+            <p:ph type="subTitle" idx="1"/>
           </p:nvPr>
         </p:nvSpPr>
         <p:spPr>
@@ -1911,7 +1971,7 @@
           </a:prstGeom>
         </p:spPr>
         <p:txBody>
-          <a:bodyPr anchorCtr="0" anchor="ctr" bIns="91425" lIns="91425" spcFirstLastPara="1" rIns="91425" wrap="square" tIns="91425"/>
+          <a:bodyPr spcFirstLastPara="1" wrap="square" lIns="91425" tIns="91425" rIns="91425" bIns="91425" anchor="ctr" anchorCtr="0"/>
           <a:lstStyle>
             <a:lvl1pPr lvl="0" algn="ctr">
               <a:lnSpc>
@@ -2094,15 +2154,19 @@
               </a:defRPr>
             </a:lvl9pPr>
           </a:lstStyle>
-          <a:p/>
+          <a:p>
+            <a:endParaRPr/>
+          </a:p>
         </p:txBody>
       </p:sp>
       <p:sp>
         <p:nvSpPr>
           <p:cNvPr id="14" name="Google Shape;14;p2"/>
-          <p:cNvSpPr txBox="1"/>
+          <p:cNvSpPr txBox="1">
+            <a:spLocks noGrp="1"/>
+          </p:cNvSpPr>
           <p:nvPr>
-            <p:ph idx="12" type="sldNum"/>
+            <p:ph type="sldNum" idx="12"/>
           </p:nvPr>
         </p:nvSpPr>
         <p:spPr>
@@ -2115,7 +2179,7 @@
           </a:prstGeom>
         </p:spPr>
         <p:txBody>
-          <a:bodyPr anchorCtr="0" anchor="ctr" bIns="91425" lIns="91425" spcFirstLastPara="1" rIns="91425" wrap="square" tIns="91425">
+          <a:bodyPr spcFirstLastPara="1" wrap="square" lIns="91425" tIns="91425" rIns="91425" bIns="91425" anchor="ctr" anchorCtr="0">
             <a:noAutofit/>
           </a:bodyPr>
           <a:lstStyle>
@@ -2157,7 +2221,7 @@
             </a:lvl9pPr>
           </a:lstStyle>
           <a:p>
-            <a:pPr indent="0" lvl="0" marL="0" rtl="0" algn="r">
+            <a:pPr marL="0" lvl="0" indent="0" algn="r" rtl="0">
               <a:spcBef>
                 <a:spcPts val="0"/>
               </a:spcBef>
@@ -2168,7 +2232,7 @@
             </a:pPr>
             <a:fld id="{00000000-1234-1234-1234-123412341234}" type="slidenum">
               <a:rPr lang="fr"/>
-              <a:t>‹#›</a:t>
+              <a:t>‹N°›</a:t>
             </a:fld>
             <a:endParaRPr/>
           </a:p>
@@ -2183,11 +2247,11 @@
 </file>
 
 <file path=ppt/slideLayouts/slideLayout10.xml><?xml version="1.0" encoding="utf-8"?>
-<p:sldLayout xmlns:a="http://schemas.openxmlformats.org/drawingml/2006/main" xmlns:r="http://schemas.openxmlformats.org/officeDocument/2006/relationships" xmlns:mc="http://schemas.openxmlformats.org/markup-compatibility/2006" xmlns:mv="urn:schemas-microsoft-com:mac:vml" xmlns:p="http://schemas.openxmlformats.org/presentationml/2006/main" xmlns:c="http://schemas.openxmlformats.org/drawingml/2006/chart" xmlns:dgm="http://schemas.openxmlformats.org/drawingml/2006/diagram" xmlns:o="urn:schemas-microsoft-com:office:office" xmlns:v="urn:schemas-microsoft-com:vml" xmlns:pvml="urn:schemas-microsoft-com:office:powerpoint" xmlns:com="http://schemas.openxmlformats.org/drawingml/2006/compatibility" xmlns:p14="http://schemas.microsoft.com/office/powerpoint/2010/main" xmlns:p15="http://schemas.microsoft.com/office/powerpoint/2012/main" matchingName="Big number">
+<p:sldLayout xmlns:a="http://schemas.openxmlformats.org/drawingml/2006/main" xmlns:r="http://schemas.openxmlformats.org/officeDocument/2006/relationships" xmlns:p="http://schemas.openxmlformats.org/presentationml/2006/main" matchingName="Big number">
   <p:cSld name="BIG_NUMBER">
     <p:spTree>
       <p:nvGrpSpPr>
-        <p:cNvPr id="51" name="Shape 51"/>
+        <p:cNvPr id="1" name="Shape 51"/>
         <p:cNvGrpSpPr/>
         <p:nvPr/>
       </p:nvGrpSpPr>
@@ -2214,23 +2278,25 @@
             <a:avLst/>
           </a:prstGeom>
           <a:noFill/>
-          <a:ln cap="flat" cmpd="sng" w="28575">
+          <a:ln w="28575" cap="flat" cmpd="sng">
             <a:solidFill>
               <a:schemeClr val="dk1"/>
             </a:solidFill>
             <a:prstDash val="lgDash"/>
             <a:round/>
-            <a:headEnd len="sm" w="sm" type="none"/>
-            <a:tailEnd len="sm" w="sm" type="none"/>
+            <a:headEnd type="none" w="sm" len="sm"/>
+            <a:tailEnd type="none" w="sm" len="sm"/>
           </a:ln>
         </p:spPr>
       </p:cxnSp>
       <p:sp>
         <p:nvSpPr>
           <p:cNvPr id="53" name="Google Shape;53;p11"/>
-          <p:cNvSpPr txBox="1"/>
+          <p:cNvSpPr txBox="1">
+            <a:spLocks noGrp="1"/>
+          </p:cNvSpPr>
           <p:nvPr>
-            <p:ph hasCustomPrompt="1" type="title"/>
+            <p:ph type="title" hasCustomPrompt="1"/>
           </p:nvPr>
         </p:nvSpPr>
         <p:spPr>
@@ -2243,7 +2309,7 @@
           </a:prstGeom>
         </p:spPr>
         <p:txBody>
-          <a:bodyPr anchorCtr="0" anchor="b" bIns="91425" lIns="91425" spcFirstLastPara="1" rIns="91425" wrap="square" tIns="91425"/>
+          <a:bodyPr spcFirstLastPara="1" wrap="square" lIns="91425" tIns="91425" rIns="91425" bIns="91425" anchor="b" anchorCtr="0"/>
           <a:lstStyle>
             <a:lvl1pPr lvl="0">
               <a:spcBef>
@@ -2355,9 +2421,11 @@
       <p:sp>
         <p:nvSpPr>
           <p:cNvPr id="54" name="Google Shape;54;p11"/>
-          <p:cNvSpPr txBox="1"/>
+          <p:cNvSpPr txBox="1">
+            <a:spLocks noGrp="1"/>
+          </p:cNvSpPr>
           <p:nvPr>
-            <p:ph idx="1" type="body"/>
+            <p:ph type="body" idx="1"/>
           </p:nvPr>
         </p:nvSpPr>
         <p:spPr>
@@ -2370,9 +2438,9 @@
           </a:prstGeom>
         </p:spPr>
         <p:txBody>
-          <a:bodyPr anchorCtr="0" anchor="t" bIns="91425" lIns="91425" spcFirstLastPara="1" rIns="91425" wrap="square" tIns="91425"/>
+          <a:bodyPr spcFirstLastPara="1" wrap="square" lIns="91425" tIns="91425" rIns="91425" bIns="91425" anchor="t" anchorCtr="0"/>
           <a:lstStyle>
-            <a:lvl1pPr indent="-342900" lvl="0" marL="457200">
+            <a:lvl1pPr marL="457200" lvl="0" indent="-342900">
               <a:spcBef>
                 <a:spcPts val="0"/>
               </a:spcBef>
@@ -2383,7 +2451,7 @@
               <a:buChar char="●"/>
               <a:defRPr/>
             </a:lvl1pPr>
-            <a:lvl2pPr indent="-317500" lvl="1" marL="914400">
+            <a:lvl2pPr marL="914400" lvl="1" indent="-317500">
               <a:spcBef>
                 <a:spcPts val="1600"/>
               </a:spcBef>
@@ -2394,7 +2462,7 @@
               <a:buChar char="○"/>
               <a:defRPr/>
             </a:lvl2pPr>
-            <a:lvl3pPr indent="-317500" lvl="2" marL="1371600">
+            <a:lvl3pPr marL="1371600" lvl="2" indent="-317500">
               <a:spcBef>
                 <a:spcPts val="1600"/>
               </a:spcBef>
@@ -2405,7 +2473,7 @@
               <a:buChar char="■"/>
               <a:defRPr/>
             </a:lvl3pPr>
-            <a:lvl4pPr indent="-317500" lvl="3" marL="1828800">
+            <a:lvl4pPr marL="1828800" lvl="3" indent="-317500">
               <a:spcBef>
                 <a:spcPts val="1600"/>
               </a:spcBef>
@@ -2416,7 +2484,7 @@
               <a:buChar char="●"/>
               <a:defRPr/>
             </a:lvl4pPr>
-            <a:lvl5pPr indent="-317500" lvl="4" marL="2286000">
+            <a:lvl5pPr marL="2286000" lvl="4" indent="-317500">
               <a:spcBef>
                 <a:spcPts val="1600"/>
               </a:spcBef>
@@ -2427,7 +2495,7 @@
               <a:buChar char="○"/>
               <a:defRPr/>
             </a:lvl5pPr>
-            <a:lvl6pPr indent="-317500" lvl="5" marL="2743200">
+            <a:lvl6pPr marL="2743200" lvl="5" indent="-317500">
               <a:spcBef>
                 <a:spcPts val="1600"/>
               </a:spcBef>
@@ -2438,7 +2506,7 @@
               <a:buChar char="■"/>
               <a:defRPr/>
             </a:lvl6pPr>
-            <a:lvl7pPr indent="-317500" lvl="6" marL="3200400">
+            <a:lvl7pPr marL="3200400" lvl="6" indent="-317500">
               <a:spcBef>
                 <a:spcPts val="1600"/>
               </a:spcBef>
@@ -2449,7 +2517,7 @@
               <a:buChar char="●"/>
               <a:defRPr/>
             </a:lvl7pPr>
-            <a:lvl8pPr indent="-317500" lvl="7" marL="3657600">
+            <a:lvl8pPr marL="3657600" lvl="7" indent="-317500">
               <a:spcBef>
                 <a:spcPts val="1600"/>
               </a:spcBef>
@@ -2460,7 +2528,7 @@
               <a:buChar char="○"/>
               <a:defRPr/>
             </a:lvl8pPr>
-            <a:lvl9pPr indent="-317500" lvl="8" marL="4114800">
+            <a:lvl9pPr marL="4114800" lvl="8" indent="-317500">
               <a:spcBef>
                 <a:spcPts val="1600"/>
               </a:spcBef>
@@ -2472,15 +2540,19 @@
               <a:defRPr/>
             </a:lvl9pPr>
           </a:lstStyle>
-          <a:p/>
+          <a:p>
+            <a:endParaRPr/>
+          </a:p>
         </p:txBody>
       </p:sp>
       <p:sp>
         <p:nvSpPr>
           <p:cNvPr id="55" name="Google Shape;55;p11"/>
-          <p:cNvSpPr txBox="1"/>
+          <p:cNvSpPr txBox="1">
+            <a:spLocks noGrp="1"/>
+          </p:cNvSpPr>
           <p:nvPr>
-            <p:ph idx="12" type="sldNum"/>
+            <p:ph type="sldNum" idx="12"/>
           </p:nvPr>
         </p:nvSpPr>
         <p:spPr>
@@ -2493,7 +2565,7 @@
           </a:prstGeom>
         </p:spPr>
         <p:txBody>
-          <a:bodyPr anchorCtr="0" anchor="ctr" bIns="91425" lIns="91425" spcFirstLastPara="1" rIns="91425" wrap="square" tIns="91425">
+          <a:bodyPr spcFirstLastPara="1" wrap="square" lIns="91425" tIns="91425" rIns="91425" bIns="91425" anchor="ctr" anchorCtr="0">
             <a:noAutofit/>
           </a:bodyPr>
           <a:lstStyle>
@@ -2535,7 +2607,7 @@
             </a:lvl9pPr>
           </a:lstStyle>
           <a:p>
-            <a:pPr indent="0" lvl="0" marL="0" rtl="0" algn="r">
+            <a:pPr marL="0" lvl="0" indent="0" algn="r" rtl="0">
               <a:spcBef>
                 <a:spcPts val="0"/>
               </a:spcBef>
@@ -2546,7 +2618,7 @@
             </a:pPr>
             <a:fld id="{00000000-1234-1234-1234-123412341234}" type="slidenum">
               <a:rPr lang="fr"/>
-              <a:t>‹#›</a:t>
+              <a:t>‹N°›</a:t>
             </a:fld>
             <a:endParaRPr/>
           </a:p>
@@ -2561,11 +2633,11 @@
 </file>
 
 <file path=ppt/slideLayouts/slideLayout11.xml><?xml version="1.0" encoding="utf-8"?>
-<p:sldLayout xmlns:a="http://schemas.openxmlformats.org/drawingml/2006/main" xmlns:r="http://schemas.openxmlformats.org/officeDocument/2006/relationships" xmlns:mc="http://schemas.openxmlformats.org/markup-compatibility/2006" xmlns:mv="urn:schemas-microsoft-com:mac:vml" xmlns:p="http://schemas.openxmlformats.org/presentationml/2006/main" xmlns:c="http://schemas.openxmlformats.org/drawingml/2006/chart" xmlns:dgm="http://schemas.openxmlformats.org/drawingml/2006/diagram" xmlns:o="urn:schemas-microsoft-com:office:office" xmlns:v="urn:schemas-microsoft-com:vml" xmlns:pvml="urn:schemas-microsoft-com:office:powerpoint" xmlns:com="http://schemas.openxmlformats.org/drawingml/2006/compatibility" xmlns:p14="http://schemas.microsoft.com/office/powerpoint/2010/main" xmlns:p15="http://schemas.microsoft.com/office/powerpoint/2012/main" matchingName="Blank" type="blank">
+<p:sldLayout xmlns:a="http://schemas.openxmlformats.org/drawingml/2006/main" xmlns:r="http://schemas.openxmlformats.org/officeDocument/2006/relationships" xmlns:p="http://schemas.openxmlformats.org/presentationml/2006/main" matchingName="Blank" type="blank">
   <p:cSld name="BLANK">
     <p:spTree>
       <p:nvGrpSpPr>
-        <p:cNvPr id="56" name="Shape 56"/>
+        <p:cNvPr id="1" name="Shape 56"/>
         <p:cNvGrpSpPr/>
         <p:nvPr/>
       </p:nvGrpSpPr>
@@ -2580,9 +2652,11 @@
       <p:sp>
         <p:nvSpPr>
           <p:cNvPr id="57" name="Google Shape;57;p12"/>
-          <p:cNvSpPr txBox="1"/>
+          <p:cNvSpPr txBox="1">
+            <a:spLocks noGrp="1"/>
+          </p:cNvSpPr>
           <p:nvPr>
-            <p:ph idx="12" type="sldNum"/>
+            <p:ph type="sldNum" idx="12"/>
           </p:nvPr>
         </p:nvSpPr>
         <p:spPr>
@@ -2595,7 +2669,7 @@
           </a:prstGeom>
         </p:spPr>
         <p:txBody>
-          <a:bodyPr anchorCtr="0" anchor="ctr" bIns="91425" lIns="91425" spcFirstLastPara="1" rIns="91425" wrap="square" tIns="91425">
+          <a:bodyPr spcFirstLastPara="1" wrap="square" lIns="91425" tIns="91425" rIns="91425" bIns="91425" anchor="ctr" anchorCtr="0">
             <a:noAutofit/>
           </a:bodyPr>
           <a:lstStyle>
@@ -2637,7 +2711,7 @@
             </a:lvl9pPr>
           </a:lstStyle>
           <a:p>
-            <a:pPr indent="0" lvl="0" marL="0" rtl="0" algn="r">
+            <a:pPr marL="0" lvl="0" indent="0" algn="r" rtl="0">
               <a:spcBef>
                 <a:spcPts val="0"/>
               </a:spcBef>
@@ -2648,7 +2722,7 @@
             </a:pPr>
             <a:fld id="{00000000-1234-1234-1234-123412341234}" type="slidenum">
               <a:rPr lang="fr"/>
-              <a:t>‹#›</a:t>
+              <a:t>‹N°›</a:t>
             </a:fld>
             <a:endParaRPr/>
           </a:p>
@@ -2663,11 +2737,11 @@
 </file>
 
 <file path=ppt/slideLayouts/slideLayout2.xml><?xml version="1.0" encoding="utf-8"?>
-<p:sldLayout xmlns:a="http://schemas.openxmlformats.org/drawingml/2006/main" xmlns:r="http://schemas.openxmlformats.org/officeDocument/2006/relationships" xmlns:mc="http://schemas.openxmlformats.org/markup-compatibility/2006" xmlns:mv="urn:schemas-microsoft-com:mac:vml" xmlns:p="http://schemas.openxmlformats.org/presentationml/2006/main" xmlns:c="http://schemas.openxmlformats.org/drawingml/2006/chart" xmlns:dgm="http://schemas.openxmlformats.org/drawingml/2006/diagram" xmlns:o="urn:schemas-microsoft-com:office:office" xmlns:v="urn:schemas-microsoft-com:vml" xmlns:pvml="urn:schemas-microsoft-com:office:powerpoint" xmlns:com="http://schemas.openxmlformats.org/drawingml/2006/compatibility" xmlns:p14="http://schemas.microsoft.com/office/powerpoint/2010/main" xmlns:p15="http://schemas.microsoft.com/office/powerpoint/2012/main" matchingName="Section header" type="secHead">
+<p:sldLayout xmlns:a="http://schemas.openxmlformats.org/drawingml/2006/main" xmlns:r="http://schemas.openxmlformats.org/officeDocument/2006/relationships" xmlns:p="http://schemas.openxmlformats.org/presentationml/2006/main" matchingName="Section header" type="secHead">
   <p:cSld name="SECTION_HEADER">
     <p:spTree>
       <p:nvGrpSpPr>
-        <p:cNvPr id="15" name="Shape 15"/>
+        <p:cNvPr id="1" name="Shape 15"/>
         <p:cNvGrpSpPr/>
         <p:nvPr/>
       </p:nvGrpSpPr>
@@ -2701,12 +2775,12 @@
           </a:ln>
         </p:spPr>
         <p:txBody>
-          <a:bodyPr anchorCtr="0" anchor="ctr" bIns="91425" lIns="91425" spcFirstLastPara="1" rIns="91425" wrap="square" tIns="91425">
+          <a:bodyPr spcFirstLastPara="1" wrap="square" lIns="91425" tIns="91425" rIns="91425" bIns="91425" anchor="ctr" anchorCtr="0">
             <a:noAutofit/>
           </a:bodyPr>
           <a:lstStyle/>
           <a:p>
-            <a:pPr indent="0" lvl="0" marL="0" rtl="0" algn="l">
+            <a:pPr marL="0" lvl="0" indent="0" algn="l" rtl="0">
               <a:spcBef>
                 <a:spcPts val="0"/>
               </a:spcBef>
@@ -2715,9 +2789,6 @@
               </a:spcAft>
               <a:buNone/>
             </a:pPr>
-            <a:r>
-              <a:t/>
-            </a:r>
             <a:endParaRPr/>
           </a:p>
         </p:txBody>
@@ -2725,7 +2796,9 @@
       <p:sp>
         <p:nvSpPr>
           <p:cNvPr id="17" name="Google Shape;17;p3"/>
-          <p:cNvSpPr txBox="1"/>
+          <p:cNvSpPr txBox="1">
+            <a:spLocks noGrp="1"/>
+          </p:cNvSpPr>
           <p:nvPr>
             <p:ph type="title"/>
           </p:nvPr>
@@ -2740,7 +2813,7 @@
           </a:prstGeom>
         </p:spPr>
         <p:txBody>
-          <a:bodyPr anchorCtr="0" anchor="ctr" bIns="91425" lIns="91425" spcFirstLastPara="1" rIns="91425" wrap="square" tIns="91425"/>
+          <a:bodyPr spcFirstLastPara="1" wrap="square" lIns="91425" tIns="91425" rIns="91425" bIns="91425" anchor="ctr" anchorCtr="0"/>
           <a:lstStyle>
             <a:lvl1pPr lvl="0" algn="ctr">
               <a:spcBef>
@@ -2905,15 +2978,19 @@
               </a:defRPr>
             </a:lvl9pPr>
           </a:lstStyle>
-          <a:p/>
+          <a:p>
+            <a:endParaRPr/>
+          </a:p>
         </p:txBody>
       </p:sp>
       <p:sp>
         <p:nvSpPr>
           <p:cNvPr id="18" name="Google Shape;18;p3"/>
-          <p:cNvSpPr txBox="1"/>
+          <p:cNvSpPr txBox="1">
+            <a:spLocks noGrp="1"/>
+          </p:cNvSpPr>
           <p:nvPr>
-            <p:ph idx="12" type="sldNum"/>
+            <p:ph type="sldNum" idx="12"/>
           </p:nvPr>
         </p:nvSpPr>
         <p:spPr>
@@ -2926,7 +3003,7 @@
           </a:prstGeom>
         </p:spPr>
         <p:txBody>
-          <a:bodyPr anchorCtr="0" anchor="ctr" bIns="91425" lIns="91425" spcFirstLastPara="1" rIns="91425" wrap="square" tIns="91425">
+          <a:bodyPr spcFirstLastPara="1" wrap="square" lIns="91425" tIns="91425" rIns="91425" bIns="91425" anchor="ctr" anchorCtr="0">
             <a:noAutofit/>
           </a:bodyPr>
           <a:lstStyle>
@@ -2968,7 +3045,7 @@
             </a:lvl9pPr>
           </a:lstStyle>
           <a:p>
-            <a:pPr indent="0" lvl="0" marL="0" rtl="0" algn="r">
+            <a:pPr marL="0" lvl="0" indent="0" algn="r" rtl="0">
               <a:spcBef>
                 <a:spcPts val="0"/>
               </a:spcBef>
@@ -2979,7 +3056,7 @@
             </a:pPr>
             <a:fld id="{00000000-1234-1234-1234-123412341234}" type="slidenum">
               <a:rPr lang="fr"/>
-              <a:t>‹#›</a:t>
+              <a:t>‹N°›</a:t>
             </a:fld>
             <a:endParaRPr/>
           </a:p>
@@ -2994,11 +3071,11 @@
 </file>
 
 <file path=ppt/slideLayouts/slideLayout3.xml><?xml version="1.0" encoding="utf-8"?>
-<p:sldLayout xmlns:a="http://schemas.openxmlformats.org/drawingml/2006/main" xmlns:r="http://schemas.openxmlformats.org/officeDocument/2006/relationships" xmlns:mc="http://schemas.openxmlformats.org/markup-compatibility/2006" xmlns:mv="urn:schemas-microsoft-com:mac:vml" xmlns:p="http://schemas.openxmlformats.org/presentationml/2006/main" xmlns:c="http://schemas.openxmlformats.org/drawingml/2006/chart" xmlns:dgm="http://schemas.openxmlformats.org/drawingml/2006/diagram" xmlns:o="urn:schemas-microsoft-com:office:office" xmlns:v="urn:schemas-microsoft-com:vml" xmlns:pvml="urn:schemas-microsoft-com:office:powerpoint" xmlns:com="http://schemas.openxmlformats.org/drawingml/2006/compatibility" xmlns:p14="http://schemas.microsoft.com/office/powerpoint/2010/main" xmlns:p15="http://schemas.microsoft.com/office/powerpoint/2012/main" matchingName="Title and body" type="tx">
+<p:sldLayout xmlns:a="http://schemas.openxmlformats.org/drawingml/2006/main" xmlns:r="http://schemas.openxmlformats.org/officeDocument/2006/relationships" xmlns:p="http://schemas.openxmlformats.org/presentationml/2006/main" matchingName="Title and body" type="tx">
   <p:cSld name="TITLE_AND_BODY">
     <p:spTree>
       <p:nvGrpSpPr>
-        <p:cNvPr id="19" name="Shape 19"/>
+        <p:cNvPr id="1" name="Shape 19"/>
         <p:cNvGrpSpPr/>
         <p:nvPr/>
       </p:nvGrpSpPr>
@@ -3025,21 +3102,23 @@
             <a:avLst/>
           </a:prstGeom>
           <a:noFill/>
-          <a:ln cap="flat" cmpd="sng" w="19050">
+          <a:ln w="19050" cap="flat" cmpd="sng">
             <a:solidFill>
               <a:schemeClr val="dk2"/>
             </a:solidFill>
             <a:prstDash val="lgDash"/>
             <a:round/>
-            <a:headEnd len="sm" w="sm" type="none"/>
-            <a:tailEnd len="sm" w="sm" type="none"/>
+            <a:headEnd type="none" w="sm" len="sm"/>
+            <a:tailEnd type="none" w="sm" len="sm"/>
           </a:ln>
         </p:spPr>
       </p:cxnSp>
       <p:sp>
         <p:nvSpPr>
           <p:cNvPr id="21" name="Google Shape;21;p4"/>
-          <p:cNvSpPr txBox="1"/>
+          <p:cNvSpPr txBox="1">
+            <a:spLocks noGrp="1"/>
+          </p:cNvSpPr>
           <p:nvPr>
             <p:ph type="title"/>
           </p:nvPr>
@@ -3054,7 +3133,7 @@
           </a:prstGeom>
         </p:spPr>
         <p:txBody>
-          <a:bodyPr anchorCtr="0" anchor="b" bIns="91425" lIns="91425" spcFirstLastPara="1" rIns="91425" wrap="square" tIns="91425"/>
+          <a:bodyPr spcFirstLastPara="1" wrap="square" lIns="91425" tIns="91425" rIns="91425" bIns="91425" anchor="b" anchorCtr="0"/>
           <a:lstStyle>
             <a:lvl1pPr lvl="0">
               <a:spcBef>
@@ -3156,15 +3235,19 @@
               <a:defRPr/>
             </a:lvl9pPr>
           </a:lstStyle>
-          <a:p/>
+          <a:p>
+            <a:endParaRPr/>
+          </a:p>
         </p:txBody>
       </p:sp>
       <p:sp>
         <p:nvSpPr>
           <p:cNvPr id="22" name="Google Shape;22;p4"/>
-          <p:cNvSpPr txBox="1"/>
+          <p:cNvSpPr txBox="1">
+            <a:spLocks noGrp="1"/>
+          </p:cNvSpPr>
           <p:nvPr>
-            <p:ph idx="1" type="body"/>
+            <p:ph type="body" idx="1"/>
           </p:nvPr>
         </p:nvSpPr>
         <p:spPr>
@@ -3177,9 +3260,9 @@
           </a:prstGeom>
         </p:spPr>
         <p:txBody>
-          <a:bodyPr anchorCtr="0" anchor="t" bIns="91425" lIns="91425" spcFirstLastPara="1" rIns="91425" wrap="square" tIns="91425"/>
+          <a:bodyPr spcFirstLastPara="1" wrap="square" lIns="91425" tIns="91425" rIns="91425" bIns="91425" anchor="t" anchorCtr="0"/>
           <a:lstStyle>
-            <a:lvl1pPr indent="-342900" lvl="0" marL="457200">
+            <a:lvl1pPr marL="457200" lvl="0" indent="-342900">
               <a:spcBef>
                 <a:spcPts val="0"/>
               </a:spcBef>
@@ -3190,7 +3273,7 @@
               <a:buChar char="●"/>
               <a:defRPr/>
             </a:lvl1pPr>
-            <a:lvl2pPr indent="-317500" lvl="1" marL="914400">
+            <a:lvl2pPr marL="914400" lvl="1" indent="-317500">
               <a:spcBef>
                 <a:spcPts val="1600"/>
               </a:spcBef>
@@ -3201,7 +3284,7 @@
               <a:buChar char="○"/>
               <a:defRPr/>
             </a:lvl2pPr>
-            <a:lvl3pPr indent="-317500" lvl="2" marL="1371600">
+            <a:lvl3pPr marL="1371600" lvl="2" indent="-317500">
               <a:spcBef>
                 <a:spcPts val="1600"/>
               </a:spcBef>
@@ -3212,7 +3295,7 @@
               <a:buChar char="■"/>
               <a:defRPr/>
             </a:lvl3pPr>
-            <a:lvl4pPr indent="-317500" lvl="3" marL="1828800">
+            <a:lvl4pPr marL="1828800" lvl="3" indent="-317500">
               <a:spcBef>
                 <a:spcPts val="1600"/>
               </a:spcBef>
@@ -3223,7 +3306,7 @@
               <a:buChar char="●"/>
               <a:defRPr/>
             </a:lvl4pPr>
-            <a:lvl5pPr indent="-317500" lvl="4" marL="2286000">
+            <a:lvl5pPr marL="2286000" lvl="4" indent="-317500">
               <a:spcBef>
                 <a:spcPts val="1600"/>
               </a:spcBef>
@@ -3234,7 +3317,7 @@
               <a:buChar char="○"/>
               <a:defRPr/>
             </a:lvl5pPr>
-            <a:lvl6pPr indent="-317500" lvl="5" marL="2743200">
+            <a:lvl6pPr marL="2743200" lvl="5" indent="-317500">
               <a:spcBef>
                 <a:spcPts val="1600"/>
               </a:spcBef>
@@ -3245,7 +3328,7 @@
               <a:buChar char="■"/>
               <a:defRPr/>
             </a:lvl6pPr>
-            <a:lvl7pPr indent="-317500" lvl="6" marL="3200400">
+            <a:lvl7pPr marL="3200400" lvl="6" indent="-317500">
               <a:spcBef>
                 <a:spcPts val="1600"/>
               </a:spcBef>
@@ -3256,7 +3339,7 @@
               <a:buChar char="●"/>
               <a:defRPr/>
             </a:lvl7pPr>
-            <a:lvl8pPr indent="-317500" lvl="7" marL="3657600">
+            <a:lvl8pPr marL="3657600" lvl="7" indent="-317500">
               <a:spcBef>
                 <a:spcPts val="1600"/>
               </a:spcBef>
@@ -3267,7 +3350,7 @@
               <a:buChar char="○"/>
               <a:defRPr/>
             </a:lvl8pPr>
-            <a:lvl9pPr indent="-317500" lvl="8" marL="4114800">
+            <a:lvl9pPr marL="4114800" lvl="8" indent="-317500">
               <a:spcBef>
                 <a:spcPts val="1600"/>
               </a:spcBef>
@@ -3279,15 +3362,19 @@
               <a:defRPr/>
             </a:lvl9pPr>
           </a:lstStyle>
-          <a:p/>
+          <a:p>
+            <a:endParaRPr/>
+          </a:p>
         </p:txBody>
       </p:sp>
       <p:sp>
         <p:nvSpPr>
           <p:cNvPr id="23" name="Google Shape;23;p4"/>
-          <p:cNvSpPr txBox="1"/>
+          <p:cNvSpPr txBox="1">
+            <a:spLocks noGrp="1"/>
+          </p:cNvSpPr>
           <p:nvPr>
-            <p:ph idx="12" type="sldNum"/>
+            <p:ph type="sldNum" idx="12"/>
           </p:nvPr>
         </p:nvSpPr>
         <p:spPr>
@@ -3300,7 +3387,7 @@
           </a:prstGeom>
         </p:spPr>
         <p:txBody>
-          <a:bodyPr anchorCtr="0" anchor="ctr" bIns="91425" lIns="91425" spcFirstLastPara="1" rIns="91425" wrap="square" tIns="91425">
+          <a:bodyPr spcFirstLastPara="1" wrap="square" lIns="91425" tIns="91425" rIns="91425" bIns="91425" anchor="ctr" anchorCtr="0">
             <a:noAutofit/>
           </a:bodyPr>
           <a:lstStyle>
@@ -3342,7 +3429,7 @@
             </a:lvl9pPr>
           </a:lstStyle>
           <a:p>
-            <a:pPr indent="0" lvl="0" marL="0" rtl="0" algn="r">
+            <a:pPr marL="0" lvl="0" indent="0" algn="r" rtl="0">
               <a:spcBef>
                 <a:spcPts val="0"/>
               </a:spcBef>
@@ -3353,7 +3440,7 @@
             </a:pPr>
             <a:fld id="{00000000-1234-1234-1234-123412341234}" type="slidenum">
               <a:rPr lang="fr"/>
-              <a:t>‹#›</a:t>
+              <a:t>‹N°›</a:t>
             </a:fld>
             <a:endParaRPr/>
           </a:p>
@@ -3368,11 +3455,11 @@
 </file>
 
 <file path=ppt/slideLayouts/slideLayout4.xml><?xml version="1.0" encoding="utf-8"?>
-<p:sldLayout xmlns:a="http://schemas.openxmlformats.org/drawingml/2006/main" xmlns:r="http://schemas.openxmlformats.org/officeDocument/2006/relationships" xmlns:mc="http://schemas.openxmlformats.org/markup-compatibility/2006" xmlns:mv="urn:schemas-microsoft-com:mac:vml" xmlns:p="http://schemas.openxmlformats.org/presentationml/2006/main" xmlns:c="http://schemas.openxmlformats.org/drawingml/2006/chart" xmlns:dgm="http://schemas.openxmlformats.org/drawingml/2006/diagram" xmlns:o="urn:schemas-microsoft-com:office:office" xmlns:v="urn:schemas-microsoft-com:vml" xmlns:pvml="urn:schemas-microsoft-com:office:powerpoint" xmlns:com="http://schemas.openxmlformats.org/drawingml/2006/compatibility" xmlns:p14="http://schemas.microsoft.com/office/powerpoint/2010/main" xmlns:p15="http://schemas.microsoft.com/office/powerpoint/2012/main" matchingName="Title and two columns" type="twoColTx">
+<p:sldLayout xmlns:a="http://schemas.openxmlformats.org/drawingml/2006/main" xmlns:r="http://schemas.openxmlformats.org/officeDocument/2006/relationships" xmlns:p="http://schemas.openxmlformats.org/presentationml/2006/main" matchingName="Title and two columns" type="twoColTx">
   <p:cSld name="TITLE_AND_TWO_COLUMNS">
     <p:spTree>
       <p:nvGrpSpPr>
-        <p:cNvPr id="24" name="Shape 24"/>
+        <p:cNvPr id="1" name="Shape 24"/>
         <p:cNvGrpSpPr/>
         <p:nvPr/>
       </p:nvGrpSpPr>
@@ -3399,21 +3486,23 @@
             <a:avLst/>
           </a:prstGeom>
           <a:noFill/>
-          <a:ln cap="flat" cmpd="sng" w="19050">
+          <a:ln w="19050" cap="flat" cmpd="sng">
             <a:solidFill>
               <a:schemeClr val="dk2"/>
             </a:solidFill>
             <a:prstDash val="lgDash"/>
             <a:round/>
-            <a:headEnd len="sm" w="sm" type="none"/>
-            <a:tailEnd len="sm" w="sm" type="none"/>
+            <a:headEnd type="none" w="sm" len="sm"/>
+            <a:tailEnd type="none" w="sm" len="sm"/>
           </a:ln>
         </p:spPr>
       </p:cxnSp>
       <p:sp>
         <p:nvSpPr>
           <p:cNvPr id="26" name="Google Shape;26;p5"/>
-          <p:cNvSpPr txBox="1"/>
+          <p:cNvSpPr txBox="1">
+            <a:spLocks noGrp="1"/>
+          </p:cNvSpPr>
           <p:nvPr>
             <p:ph type="title"/>
           </p:nvPr>
@@ -3428,7 +3517,7 @@
           </a:prstGeom>
         </p:spPr>
         <p:txBody>
-          <a:bodyPr anchorCtr="0" anchor="b" bIns="91425" lIns="91425" spcFirstLastPara="1" rIns="91425" wrap="square" tIns="91425"/>
+          <a:bodyPr spcFirstLastPara="1" wrap="square" lIns="91425" tIns="91425" rIns="91425" bIns="91425" anchor="b" anchorCtr="0"/>
           <a:lstStyle>
             <a:lvl1pPr lvl="0">
               <a:spcBef>
@@ -3530,15 +3619,19 @@
               <a:defRPr/>
             </a:lvl9pPr>
           </a:lstStyle>
-          <a:p/>
+          <a:p>
+            <a:endParaRPr/>
+          </a:p>
         </p:txBody>
       </p:sp>
       <p:sp>
         <p:nvSpPr>
           <p:cNvPr id="27" name="Google Shape;27;p5"/>
-          <p:cNvSpPr txBox="1"/>
+          <p:cNvSpPr txBox="1">
+            <a:spLocks noGrp="1"/>
+          </p:cNvSpPr>
           <p:nvPr>
-            <p:ph idx="1" type="body"/>
+            <p:ph type="body" idx="1"/>
           </p:nvPr>
         </p:nvSpPr>
         <p:spPr>
@@ -3551,9 +3644,9 @@
           </a:prstGeom>
         </p:spPr>
         <p:txBody>
-          <a:bodyPr anchorCtr="0" anchor="t" bIns="91425" lIns="91425" spcFirstLastPara="1" rIns="91425" wrap="square" tIns="91425"/>
+          <a:bodyPr spcFirstLastPara="1" wrap="square" lIns="91425" tIns="91425" rIns="91425" bIns="91425" anchor="t" anchorCtr="0"/>
           <a:lstStyle>
-            <a:lvl1pPr indent="-317500" lvl="0" marL="457200">
+            <a:lvl1pPr marL="457200" lvl="0" indent="-317500">
               <a:spcBef>
                 <a:spcPts val="0"/>
               </a:spcBef>
@@ -3564,7 +3657,7 @@
               <a:buChar char="●"/>
               <a:defRPr sz="1400"/>
             </a:lvl1pPr>
-            <a:lvl2pPr indent="-304800" lvl="1" marL="914400">
+            <a:lvl2pPr marL="914400" lvl="1" indent="-304800">
               <a:spcBef>
                 <a:spcPts val="1600"/>
               </a:spcBef>
@@ -3575,7 +3668,7 @@
               <a:buChar char="○"/>
               <a:defRPr sz="1200"/>
             </a:lvl2pPr>
-            <a:lvl3pPr indent="-304800" lvl="2" marL="1371600">
+            <a:lvl3pPr marL="1371600" lvl="2" indent="-304800">
               <a:spcBef>
                 <a:spcPts val="1600"/>
               </a:spcBef>
@@ -3586,7 +3679,7 @@
               <a:buChar char="■"/>
               <a:defRPr sz="1200"/>
             </a:lvl3pPr>
-            <a:lvl4pPr indent="-304800" lvl="3" marL="1828800">
+            <a:lvl4pPr marL="1828800" lvl="3" indent="-304800">
               <a:spcBef>
                 <a:spcPts val="1600"/>
               </a:spcBef>
@@ -3597,7 +3690,7 @@
               <a:buChar char="●"/>
               <a:defRPr sz="1200"/>
             </a:lvl4pPr>
-            <a:lvl5pPr indent="-304800" lvl="4" marL="2286000">
+            <a:lvl5pPr marL="2286000" lvl="4" indent="-304800">
               <a:spcBef>
                 <a:spcPts val="1600"/>
               </a:spcBef>
@@ -3608,7 +3701,7 @@
               <a:buChar char="○"/>
               <a:defRPr sz="1200"/>
             </a:lvl5pPr>
-            <a:lvl6pPr indent="-304800" lvl="5" marL="2743200">
+            <a:lvl6pPr marL="2743200" lvl="5" indent="-304800">
               <a:spcBef>
                 <a:spcPts val="1600"/>
               </a:spcBef>
@@ -3619,7 +3712,7 @@
               <a:buChar char="■"/>
               <a:defRPr sz="1200"/>
             </a:lvl6pPr>
-            <a:lvl7pPr indent="-304800" lvl="6" marL="3200400">
+            <a:lvl7pPr marL="3200400" lvl="6" indent="-304800">
               <a:spcBef>
                 <a:spcPts val="1600"/>
               </a:spcBef>
@@ -3630,7 +3723,7 @@
               <a:buChar char="●"/>
               <a:defRPr sz="1200"/>
             </a:lvl7pPr>
-            <a:lvl8pPr indent="-304800" lvl="7" marL="3657600">
+            <a:lvl8pPr marL="3657600" lvl="7" indent="-304800">
               <a:spcBef>
                 <a:spcPts val="1600"/>
               </a:spcBef>
@@ -3641,7 +3734,7 @@
               <a:buChar char="○"/>
               <a:defRPr sz="1200"/>
             </a:lvl8pPr>
-            <a:lvl9pPr indent="-304800" lvl="8" marL="4114800">
+            <a:lvl9pPr marL="4114800" lvl="8" indent="-304800">
               <a:spcBef>
                 <a:spcPts val="1600"/>
               </a:spcBef>
@@ -3653,15 +3746,19 @@
               <a:defRPr sz="1200"/>
             </a:lvl9pPr>
           </a:lstStyle>
-          <a:p/>
+          <a:p>
+            <a:endParaRPr/>
+          </a:p>
         </p:txBody>
       </p:sp>
       <p:sp>
         <p:nvSpPr>
           <p:cNvPr id="28" name="Google Shape;28;p5"/>
-          <p:cNvSpPr txBox="1"/>
+          <p:cNvSpPr txBox="1">
+            <a:spLocks noGrp="1"/>
+          </p:cNvSpPr>
           <p:nvPr>
-            <p:ph idx="2" type="body"/>
+            <p:ph type="body" idx="2"/>
           </p:nvPr>
         </p:nvSpPr>
         <p:spPr>
@@ -3674,9 +3771,9 @@
           </a:prstGeom>
         </p:spPr>
         <p:txBody>
-          <a:bodyPr anchorCtr="0" anchor="t" bIns="91425" lIns="91425" spcFirstLastPara="1" rIns="91425" wrap="square" tIns="91425"/>
+          <a:bodyPr spcFirstLastPara="1" wrap="square" lIns="91425" tIns="91425" rIns="91425" bIns="91425" anchor="t" anchorCtr="0"/>
           <a:lstStyle>
-            <a:lvl1pPr indent="-317500" lvl="0" marL="457200">
+            <a:lvl1pPr marL="457200" lvl="0" indent="-317500">
               <a:spcBef>
                 <a:spcPts val="0"/>
               </a:spcBef>
@@ -3687,7 +3784,7 @@
               <a:buChar char="●"/>
               <a:defRPr sz="1400"/>
             </a:lvl1pPr>
-            <a:lvl2pPr indent="-304800" lvl="1" marL="914400">
+            <a:lvl2pPr marL="914400" lvl="1" indent="-304800">
               <a:spcBef>
                 <a:spcPts val="1600"/>
               </a:spcBef>
@@ -3698,7 +3795,7 @@
               <a:buChar char="○"/>
               <a:defRPr sz="1200"/>
             </a:lvl2pPr>
-            <a:lvl3pPr indent="-304800" lvl="2" marL="1371600">
+            <a:lvl3pPr marL="1371600" lvl="2" indent="-304800">
               <a:spcBef>
                 <a:spcPts val="1600"/>
               </a:spcBef>
@@ -3709,7 +3806,7 @@
               <a:buChar char="■"/>
               <a:defRPr sz="1200"/>
             </a:lvl3pPr>
-            <a:lvl4pPr indent="-304800" lvl="3" marL="1828800">
+            <a:lvl4pPr marL="1828800" lvl="3" indent="-304800">
               <a:spcBef>
                 <a:spcPts val="1600"/>
               </a:spcBef>
@@ -3720,7 +3817,7 @@
               <a:buChar char="●"/>
               <a:defRPr sz="1200"/>
             </a:lvl4pPr>
-            <a:lvl5pPr indent="-304800" lvl="4" marL="2286000">
+            <a:lvl5pPr marL="2286000" lvl="4" indent="-304800">
               <a:spcBef>
                 <a:spcPts val="1600"/>
               </a:spcBef>
@@ -3731,7 +3828,7 @@
               <a:buChar char="○"/>
               <a:defRPr sz="1200"/>
             </a:lvl5pPr>
-            <a:lvl6pPr indent="-304800" lvl="5" marL="2743200">
+            <a:lvl6pPr marL="2743200" lvl="5" indent="-304800">
               <a:spcBef>
                 <a:spcPts val="1600"/>
               </a:spcBef>
@@ -3742,7 +3839,7 @@
               <a:buChar char="■"/>
               <a:defRPr sz="1200"/>
             </a:lvl6pPr>
-            <a:lvl7pPr indent="-304800" lvl="6" marL="3200400">
+            <a:lvl7pPr marL="3200400" lvl="6" indent="-304800">
               <a:spcBef>
                 <a:spcPts val="1600"/>
               </a:spcBef>
@@ -3753,7 +3850,7 @@
               <a:buChar char="●"/>
               <a:defRPr sz="1200"/>
             </a:lvl7pPr>
-            <a:lvl8pPr indent="-304800" lvl="7" marL="3657600">
+            <a:lvl8pPr marL="3657600" lvl="7" indent="-304800">
               <a:spcBef>
                 <a:spcPts val="1600"/>
               </a:spcBef>
@@ -3764,7 +3861,7 @@
               <a:buChar char="○"/>
               <a:defRPr sz="1200"/>
             </a:lvl8pPr>
-            <a:lvl9pPr indent="-304800" lvl="8" marL="4114800">
+            <a:lvl9pPr marL="4114800" lvl="8" indent="-304800">
               <a:spcBef>
                 <a:spcPts val="1600"/>
               </a:spcBef>
@@ -3776,15 +3873,19 @@
               <a:defRPr sz="1200"/>
             </a:lvl9pPr>
           </a:lstStyle>
-          <a:p/>
+          <a:p>
+            <a:endParaRPr/>
+          </a:p>
         </p:txBody>
       </p:sp>
       <p:sp>
         <p:nvSpPr>
           <p:cNvPr id="29" name="Google Shape;29;p5"/>
-          <p:cNvSpPr txBox="1"/>
+          <p:cNvSpPr txBox="1">
+            <a:spLocks noGrp="1"/>
+          </p:cNvSpPr>
           <p:nvPr>
-            <p:ph idx="12" type="sldNum"/>
+            <p:ph type="sldNum" idx="12"/>
           </p:nvPr>
         </p:nvSpPr>
         <p:spPr>
@@ -3797,7 +3898,7 @@
           </a:prstGeom>
         </p:spPr>
         <p:txBody>
-          <a:bodyPr anchorCtr="0" anchor="ctr" bIns="91425" lIns="91425" spcFirstLastPara="1" rIns="91425" wrap="square" tIns="91425">
+          <a:bodyPr spcFirstLastPara="1" wrap="square" lIns="91425" tIns="91425" rIns="91425" bIns="91425" anchor="ctr" anchorCtr="0">
             <a:noAutofit/>
           </a:bodyPr>
           <a:lstStyle>
@@ -3839,7 +3940,7 @@
             </a:lvl9pPr>
           </a:lstStyle>
           <a:p>
-            <a:pPr indent="0" lvl="0" marL="0" rtl="0" algn="r">
+            <a:pPr marL="0" lvl="0" indent="0" algn="r" rtl="0">
               <a:spcBef>
                 <a:spcPts val="0"/>
               </a:spcBef>
@@ -3850,7 +3951,7 @@
             </a:pPr>
             <a:fld id="{00000000-1234-1234-1234-123412341234}" type="slidenum">
               <a:rPr lang="fr"/>
-              <a:t>‹#›</a:t>
+              <a:t>‹N°›</a:t>
             </a:fld>
             <a:endParaRPr/>
           </a:p>
@@ -3865,11 +3966,11 @@
 </file>
 
 <file path=ppt/slideLayouts/slideLayout5.xml><?xml version="1.0" encoding="utf-8"?>
-<p:sldLayout xmlns:a="http://schemas.openxmlformats.org/drawingml/2006/main" xmlns:r="http://schemas.openxmlformats.org/officeDocument/2006/relationships" xmlns:mc="http://schemas.openxmlformats.org/markup-compatibility/2006" xmlns:mv="urn:schemas-microsoft-com:mac:vml" xmlns:p="http://schemas.openxmlformats.org/presentationml/2006/main" xmlns:c="http://schemas.openxmlformats.org/drawingml/2006/chart" xmlns:dgm="http://schemas.openxmlformats.org/drawingml/2006/diagram" xmlns:o="urn:schemas-microsoft-com:office:office" xmlns:v="urn:schemas-microsoft-com:vml" xmlns:pvml="urn:schemas-microsoft-com:office:powerpoint" xmlns:com="http://schemas.openxmlformats.org/drawingml/2006/compatibility" xmlns:p14="http://schemas.microsoft.com/office/powerpoint/2010/main" xmlns:p15="http://schemas.microsoft.com/office/powerpoint/2012/main" matchingName="Title only" type="titleOnly">
+<p:sldLayout xmlns:a="http://schemas.openxmlformats.org/drawingml/2006/main" xmlns:r="http://schemas.openxmlformats.org/officeDocument/2006/relationships" xmlns:p="http://schemas.openxmlformats.org/presentationml/2006/main" matchingName="Title only" type="titleOnly">
   <p:cSld name="TITLE_ONLY">
     <p:spTree>
       <p:nvGrpSpPr>
-        <p:cNvPr id="30" name="Shape 30"/>
+        <p:cNvPr id="1" name="Shape 30"/>
         <p:cNvGrpSpPr/>
         <p:nvPr/>
       </p:nvGrpSpPr>
@@ -3884,7 +3985,9 @@
       <p:sp>
         <p:nvSpPr>
           <p:cNvPr id="31" name="Google Shape;31;p6"/>
-          <p:cNvSpPr txBox="1"/>
+          <p:cNvSpPr txBox="1">
+            <a:spLocks noGrp="1"/>
+          </p:cNvSpPr>
           <p:nvPr>
             <p:ph type="title"/>
           </p:nvPr>
@@ -3899,7 +4002,7 @@
           </a:prstGeom>
         </p:spPr>
         <p:txBody>
-          <a:bodyPr anchorCtr="0" anchor="b" bIns="91425" lIns="91425" spcFirstLastPara="1" rIns="91425" wrap="square" tIns="91425"/>
+          <a:bodyPr spcFirstLastPara="1" wrap="square" lIns="91425" tIns="91425" rIns="91425" bIns="91425" anchor="b" anchorCtr="0"/>
           <a:lstStyle>
             <a:lvl1pPr lvl="0">
               <a:spcBef>
@@ -4001,15 +4104,19 @@
               <a:defRPr/>
             </a:lvl9pPr>
           </a:lstStyle>
-          <a:p/>
+          <a:p>
+            <a:endParaRPr/>
+          </a:p>
         </p:txBody>
       </p:sp>
       <p:sp>
         <p:nvSpPr>
           <p:cNvPr id="32" name="Google Shape;32;p6"/>
-          <p:cNvSpPr txBox="1"/>
+          <p:cNvSpPr txBox="1">
+            <a:spLocks noGrp="1"/>
+          </p:cNvSpPr>
           <p:nvPr>
-            <p:ph idx="12" type="sldNum"/>
+            <p:ph type="sldNum" idx="12"/>
           </p:nvPr>
         </p:nvSpPr>
         <p:spPr>
@@ -4022,7 +4129,7 @@
           </a:prstGeom>
         </p:spPr>
         <p:txBody>
-          <a:bodyPr anchorCtr="0" anchor="ctr" bIns="91425" lIns="91425" spcFirstLastPara="1" rIns="91425" wrap="square" tIns="91425">
+          <a:bodyPr spcFirstLastPara="1" wrap="square" lIns="91425" tIns="91425" rIns="91425" bIns="91425" anchor="ctr" anchorCtr="0">
             <a:noAutofit/>
           </a:bodyPr>
           <a:lstStyle>
@@ -4064,7 +4171,7 @@
             </a:lvl9pPr>
           </a:lstStyle>
           <a:p>
-            <a:pPr indent="0" lvl="0" marL="0" rtl="0" algn="r">
+            <a:pPr marL="0" lvl="0" indent="0" algn="r" rtl="0">
               <a:spcBef>
                 <a:spcPts val="0"/>
               </a:spcBef>
@@ -4075,7 +4182,7 @@
             </a:pPr>
             <a:fld id="{00000000-1234-1234-1234-123412341234}" type="slidenum">
               <a:rPr lang="fr"/>
-              <a:t>‹#›</a:t>
+              <a:t>‹N°›</a:t>
             </a:fld>
             <a:endParaRPr/>
           </a:p>
@@ -4090,11 +4197,11 @@
 </file>
 
 <file path=ppt/slideLayouts/slideLayout6.xml><?xml version="1.0" encoding="utf-8"?>
-<p:sldLayout xmlns:a="http://schemas.openxmlformats.org/drawingml/2006/main" xmlns:r="http://schemas.openxmlformats.org/officeDocument/2006/relationships" xmlns:mc="http://schemas.openxmlformats.org/markup-compatibility/2006" xmlns:mv="urn:schemas-microsoft-com:mac:vml" xmlns:p="http://schemas.openxmlformats.org/presentationml/2006/main" xmlns:c="http://schemas.openxmlformats.org/drawingml/2006/chart" xmlns:dgm="http://schemas.openxmlformats.org/drawingml/2006/diagram" xmlns:o="urn:schemas-microsoft-com:office:office" xmlns:v="urn:schemas-microsoft-com:vml" xmlns:pvml="urn:schemas-microsoft-com:office:powerpoint" xmlns:com="http://schemas.openxmlformats.org/drawingml/2006/compatibility" xmlns:p14="http://schemas.microsoft.com/office/powerpoint/2010/main" xmlns:p15="http://schemas.microsoft.com/office/powerpoint/2012/main" matchingName="One column text">
+<p:sldLayout xmlns:a="http://schemas.openxmlformats.org/drawingml/2006/main" xmlns:r="http://schemas.openxmlformats.org/officeDocument/2006/relationships" xmlns:p="http://schemas.openxmlformats.org/presentationml/2006/main" matchingName="One column text">
   <p:cSld name="ONE_COLUMN_TEXT">
     <p:spTree>
       <p:nvGrpSpPr>
-        <p:cNvPr id="33" name="Shape 33"/>
+        <p:cNvPr id="1" name="Shape 33"/>
         <p:cNvGrpSpPr/>
         <p:nvPr/>
       </p:nvGrpSpPr>
@@ -4121,21 +4228,23 @@
             <a:avLst/>
           </a:prstGeom>
           <a:noFill/>
-          <a:ln cap="flat" cmpd="sng" w="19050">
+          <a:ln w="19050" cap="flat" cmpd="sng">
             <a:solidFill>
               <a:schemeClr val="dk2"/>
             </a:solidFill>
             <a:prstDash val="lgDash"/>
             <a:round/>
-            <a:headEnd len="sm" w="sm" type="none"/>
-            <a:tailEnd len="sm" w="sm" type="none"/>
+            <a:headEnd type="none" w="sm" len="sm"/>
+            <a:tailEnd type="none" w="sm" len="sm"/>
           </a:ln>
         </p:spPr>
       </p:cxnSp>
       <p:sp>
         <p:nvSpPr>
           <p:cNvPr id="35" name="Google Shape;35;p7"/>
-          <p:cNvSpPr txBox="1"/>
+          <p:cNvSpPr txBox="1">
+            <a:spLocks noGrp="1"/>
+          </p:cNvSpPr>
           <p:nvPr>
             <p:ph type="title"/>
           </p:nvPr>
@@ -4150,7 +4259,7 @@
           </a:prstGeom>
         </p:spPr>
         <p:txBody>
-          <a:bodyPr anchorCtr="0" anchor="b" bIns="91425" lIns="91425" spcFirstLastPara="1" rIns="91425" wrap="square" tIns="91425"/>
+          <a:bodyPr spcFirstLastPara="1" wrap="square" lIns="91425" tIns="91425" rIns="91425" bIns="91425" anchor="b" anchorCtr="0"/>
           <a:lstStyle>
             <a:lvl1pPr lvl="0">
               <a:spcBef>
@@ -4252,15 +4361,19 @@
               <a:defRPr sz="2400"/>
             </a:lvl9pPr>
           </a:lstStyle>
-          <a:p/>
+          <a:p>
+            <a:endParaRPr/>
+          </a:p>
         </p:txBody>
       </p:sp>
       <p:sp>
         <p:nvSpPr>
           <p:cNvPr id="36" name="Google Shape;36;p7"/>
-          <p:cNvSpPr txBox="1"/>
+          <p:cNvSpPr txBox="1">
+            <a:spLocks noGrp="1"/>
+          </p:cNvSpPr>
           <p:nvPr>
-            <p:ph idx="1" type="body"/>
+            <p:ph type="body" idx="1"/>
           </p:nvPr>
         </p:nvSpPr>
         <p:spPr>
@@ -4273,9 +4386,9 @@
           </a:prstGeom>
         </p:spPr>
         <p:txBody>
-          <a:bodyPr anchorCtr="0" anchor="t" bIns="91425" lIns="91425" spcFirstLastPara="1" rIns="91425" wrap="square" tIns="91425"/>
+          <a:bodyPr spcFirstLastPara="1" wrap="square" lIns="91425" tIns="91425" rIns="91425" bIns="91425" anchor="t" anchorCtr="0"/>
           <a:lstStyle>
-            <a:lvl1pPr indent="-304800" lvl="0" marL="457200">
+            <a:lvl1pPr marL="457200" lvl="0" indent="-304800">
               <a:spcBef>
                 <a:spcPts val="0"/>
               </a:spcBef>
@@ -4286,7 +4399,7 @@
               <a:buChar char="●"/>
               <a:defRPr sz="1200"/>
             </a:lvl1pPr>
-            <a:lvl2pPr indent="-304800" lvl="1" marL="914400">
+            <a:lvl2pPr marL="914400" lvl="1" indent="-304800">
               <a:spcBef>
                 <a:spcPts val="1600"/>
               </a:spcBef>
@@ -4297,7 +4410,7 @@
               <a:buChar char="○"/>
               <a:defRPr sz="1200"/>
             </a:lvl2pPr>
-            <a:lvl3pPr indent="-304800" lvl="2" marL="1371600">
+            <a:lvl3pPr marL="1371600" lvl="2" indent="-304800">
               <a:spcBef>
                 <a:spcPts val="1600"/>
               </a:spcBef>
@@ -4308,7 +4421,7 @@
               <a:buChar char="■"/>
               <a:defRPr sz="1200"/>
             </a:lvl3pPr>
-            <a:lvl4pPr indent="-304800" lvl="3" marL="1828800">
+            <a:lvl4pPr marL="1828800" lvl="3" indent="-304800">
               <a:spcBef>
                 <a:spcPts val="1600"/>
               </a:spcBef>
@@ -4319,7 +4432,7 @@
               <a:buChar char="●"/>
               <a:defRPr sz="1200"/>
             </a:lvl4pPr>
-            <a:lvl5pPr indent="-304800" lvl="4" marL="2286000">
+            <a:lvl5pPr marL="2286000" lvl="4" indent="-304800">
               <a:spcBef>
                 <a:spcPts val="1600"/>
               </a:spcBef>
@@ -4330,7 +4443,7 @@
               <a:buChar char="○"/>
               <a:defRPr sz="1200"/>
             </a:lvl5pPr>
-            <a:lvl6pPr indent="-304800" lvl="5" marL="2743200">
+            <a:lvl6pPr marL="2743200" lvl="5" indent="-304800">
               <a:spcBef>
                 <a:spcPts val="1600"/>
               </a:spcBef>
@@ -4341,7 +4454,7 @@
               <a:buChar char="■"/>
               <a:defRPr sz="1200"/>
             </a:lvl6pPr>
-            <a:lvl7pPr indent="-304800" lvl="6" marL="3200400">
+            <a:lvl7pPr marL="3200400" lvl="6" indent="-304800">
               <a:spcBef>
                 <a:spcPts val="1600"/>
               </a:spcBef>
@@ -4352,7 +4465,7 @@
               <a:buChar char="●"/>
               <a:defRPr sz="1200"/>
             </a:lvl7pPr>
-            <a:lvl8pPr indent="-304800" lvl="7" marL="3657600">
+            <a:lvl8pPr marL="3657600" lvl="7" indent="-304800">
               <a:spcBef>
                 <a:spcPts val="1600"/>
               </a:spcBef>
@@ -4363,7 +4476,7 @@
               <a:buChar char="○"/>
               <a:defRPr sz="1200"/>
             </a:lvl8pPr>
-            <a:lvl9pPr indent="-304800" lvl="8" marL="4114800">
+            <a:lvl9pPr marL="4114800" lvl="8" indent="-304800">
               <a:spcBef>
                 <a:spcPts val="1600"/>
               </a:spcBef>
@@ -4375,15 +4488,19 @@
               <a:defRPr sz="1200"/>
             </a:lvl9pPr>
           </a:lstStyle>
-          <a:p/>
+          <a:p>
+            <a:endParaRPr/>
+          </a:p>
         </p:txBody>
       </p:sp>
       <p:sp>
         <p:nvSpPr>
           <p:cNvPr id="37" name="Google Shape;37;p7"/>
-          <p:cNvSpPr txBox="1"/>
+          <p:cNvSpPr txBox="1">
+            <a:spLocks noGrp="1"/>
+          </p:cNvSpPr>
           <p:nvPr>
-            <p:ph idx="12" type="sldNum"/>
+            <p:ph type="sldNum" idx="12"/>
           </p:nvPr>
         </p:nvSpPr>
         <p:spPr>
@@ -4396,7 +4513,7 @@
           </a:prstGeom>
         </p:spPr>
         <p:txBody>
-          <a:bodyPr anchorCtr="0" anchor="ctr" bIns="91425" lIns="91425" spcFirstLastPara="1" rIns="91425" wrap="square" tIns="91425">
+          <a:bodyPr spcFirstLastPara="1" wrap="square" lIns="91425" tIns="91425" rIns="91425" bIns="91425" anchor="ctr" anchorCtr="0">
             <a:noAutofit/>
           </a:bodyPr>
           <a:lstStyle>
@@ -4438,7 +4555,7 @@
             </a:lvl9pPr>
           </a:lstStyle>
           <a:p>
-            <a:pPr indent="0" lvl="0" marL="0" rtl="0" algn="r">
+            <a:pPr marL="0" lvl="0" indent="0" algn="r" rtl="0">
               <a:spcBef>
                 <a:spcPts val="0"/>
               </a:spcBef>
@@ -4449,7 +4566,7 @@
             </a:pPr>
             <a:fld id="{00000000-1234-1234-1234-123412341234}" type="slidenum">
               <a:rPr lang="fr"/>
-              <a:t>‹#›</a:t>
+              <a:t>‹N°›</a:t>
             </a:fld>
             <a:endParaRPr/>
           </a:p>
@@ -4464,18 +4581,19 @@
 </file>
 
 <file path=ppt/slideLayouts/slideLayout7.xml><?xml version="1.0" encoding="utf-8"?>
-<p:sldLayout xmlns:a="http://schemas.openxmlformats.org/drawingml/2006/main" xmlns:r="http://schemas.openxmlformats.org/officeDocument/2006/relationships" xmlns:mc="http://schemas.openxmlformats.org/markup-compatibility/2006" xmlns:mv="urn:schemas-microsoft-com:mac:vml" xmlns:p="http://schemas.openxmlformats.org/presentationml/2006/main" xmlns:c="http://schemas.openxmlformats.org/drawingml/2006/chart" xmlns:dgm="http://schemas.openxmlformats.org/drawingml/2006/diagram" xmlns:o="urn:schemas-microsoft-com:office:office" xmlns:v="urn:schemas-microsoft-com:vml" xmlns:pvml="urn:schemas-microsoft-com:office:powerpoint" xmlns:com="http://schemas.openxmlformats.org/drawingml/2006/compatibility" xmlns:p14="http://schemas.microsoft.com/office/powerpoint/2010/main" xmlns:p15="http://schemas.microsoft.com/office/powerpoint/2012/main" matchingName="Main point">
+<p:sldLayout xmlns:a="http://schemas.openxmlformats.org/drawingml/2006/main" xmlns:r="http://schemas.openxmlformats.org/officeDocument/2006/relationships" xmlns:p="http://schemas.openxmlformats.org/presentationml/2006/main" matchingName="Main point">
   <p:cSld name="MAIN_POINT">
     <p:bg>
       <p:bgPr>
         <a:solidFill>
           <a:schemeClr val="lt2"/>
         </a:solidFill>
+        <a:effectLst/>
       </p:bgPr>
     </p:bg>
     <p:spTree>
       <p:nvGrpSpPr>
-        <p:cNvPr id="38" name="Shape 38"/>
+        <p:cNvPr id="1" name="Shape 38"/>
         <p:cNvGrpSpPr/>
         <p:nvPr/>
       </p:nvGrpSpPr>
@@ -4490,7 +4608,9 @@
       <p:sp>
         <p:nvSpPr>
           <p:cNvPr id="39" name="Google Shape;39;p8"/>
-          <p:cNvSpPr txBox="1"/>
+          <p:cNvSpPr txBox="1">
+            <a:spLocks noGrp="1"/>
+          </p:cNvSpPr>
           <p:nvPr>
             <p:ph type="title"/>
           </p:nvPr>
@@ -4505,7 +4625,7 @@
           </a:prstGeom>
         </p:spPr>
         <p:txBody>
-          <a:bodyPr anchorCtr="0" anchor="ctr" bIns="91425" lIns="91425" spcFirstLastPara="1" rIns="91425" wrap="square" tIns="91425"/>
+          <a:bodyPr spcFirstLastPara="1" wrap="square" lIns="91425" tIns="91425" rIns="91425" bIns="91425" anchor="ctr" anchorCtr="0"/>
           <a:lstStyle>
             <a:lvl1pPr lvl="0">
               <a:spcBef>
@@ -4670,15 +4790,19 @@
               </a:defRPr>
             </a:lvl9pPr>
           </a:lstStyle>
-          <a:p/>
+          <a:p>
+            <a:endParaRPr/>
+          </a:p>
         </p:txBody>
       </p:sp>
       <p:sp>
         <p:nvSpPr>
           <p:cNvPr id="40" name="Google Shape;40;p8"/>
-          <p:cNvSpPr txBox="1"/>
+          <p:cNvSpPr txBox="1">
+            <a:spLocks noGrp="1"/>
+          </p:cNvSpPr>
           <p:nvPr>
-            <p:ph idx="12" type="sldNum"/>
+            <p:ph type="sldNum" idx="12"/>
           </p:nvPr>
         </p:nvSpPr>
         <p:spPr>
@@ -4691,7 +4815,7 @@
           </a:prstGeom>
         </p:spPr>
         <p:txBody>
-          <a:bodyPr anchorCtr="0" anchor="ctr" bIns="91425" lIns="91425" spcFirstLastPara="1" rIns="91425" wrap="square" tIns="91425">
+          <a:bodyPr spcFirstLastPara="1" wrap="square" lIns="91425" tIns="91425" rIns="91425" bIns="91425" anchor="ctr" anchorCtr="0">
             <a:noAutofit/>
           </a:bodyPr>
           <a:lstStyle>
@@ -4769,7 +4893,7 @@
             </a:lvl9pPr>
           </a:lstStyle>
           <a:p>
-            <a:pPr indent="0" lvl="0" marL="0" rtl="0" algn="r">
+            <a:pPr marL="0" lvl="0" indent="0" algn="r" rtl="0">
               <a:spcBef>
                 <a:spcPts val="0"/>
               </a:spcBef>
@@ -4780,7 +4904,7 @@
             </a:pPr>
             <a:fld id="{00000000-1234-1234-1234-123412341234}" type="slidenum">
               <a:rPr lang="fr"/>
-              <a:t>‹#›</a:t>
+              <a:t>‹N°›</a:t>
             </a:fld>
             <a:endParaRPr/>
           </a:p>
@@ -4795,18 +4919,19 @@
 </file>
 
 <file path=ppt/slideLayouts/slideLayout8.xml><?xml version="1.0" encoding="utf-8"?>
-<p:sldLayout xmlns:a="http://schemas.openxmlformats.org/drawingml/2006/main" xmlns:r="http://schemas.openxmlformats.org/officeDocument/2006/relationships" xmlns:mc="http://schemas.openxmlformats.org/markup-compatibility/2006" xmlns:mv="urn:schemas-microsoft-com:mac:vml" xmlns:p="http://schemas.openxmlformats.org/presentationml/2006/main" xmlns:c="http://schemas.openxmlformats.org/drawingml/2006/chart" xmlns:dgm="http://schemas.openxmlformats.org/drawingml/2006/diagram" xmlns:o="urn:schemas-microsoft-com:office:office" xmlns:v="urn:schemas-microsoft-com:vml" xmlns:pvml="urn:schemas-microsoft-com:office:powerpoint" xmlns:com="http://schemas.openxmlformats.org/drawingml/2006/compatibility" xmlns:p14="http://schemas.microsoft.com/office/powerpoint/2010/main" xmlns:p15="http://schemas.microsoft.com/office/powerpoint/2012/main" matchingName="Section title and description">
+<p:sldLayout xmlns:a="http://schemas.openxmlformats.org/drawingml/2006/main" xmlns:r="http://schemas.openxmlformats.org/officeDocument/2006/relationships" xmlns:p="http://schemas.openxmlformats.org/presentationml/2006/main" matchingName="Section title and description">
   <p:cSld name="SECTION_TITLE_AND_DESCRIPTION">
     <p:bg>
       <p:bgPr>
         <a:solidFill>
           <a:schemeClr val="dk1"/>
         </a:solidFill>
+        <a:effectLst/>
       </p:bgPr>
     </p:bg>
     <p:spTree>
       <p:nvGrpSpPr>
-        <p:cNvPr id="41" name="Shape 41"/>
+        <p:cNvPr id="1" name="Shape 41"/>
         <p:cNvGrpSpPr/>
         <p:nvPr/>
       </p:nvGrpSpPr>
@@ -4840,12 +4965,12 @@
           </a:ln>
         </p:spPr>
         <p:txBody>
-          <a:bodyPr anchorCtr="0" anchor="ctr" bIns="91425" lIns="91425" spcFirstLastPara="1" rIns="91425" wrap="square" tIns="91425">
+          <a:bodyPr spcFirstLastPara="1" wrap="square" lIns="91425" tIns="91425" rIns="91425" bIns="91425" anchor="ctr" anchorCtr="0">
             <a:noAutofit/>
           </a:bodyPr>
           <a:lstStyle/>
           <a:p>
-            <a:pPr indent="0" lvl="0" marL="0" rtl="0" algn="l">
+            <a:pPr marL="0" lvl="0" indent="0" algn="l" rtl="0">
               <a:spcBef>
                 <a:spcPts val="0"/>
               </a:spcBef>
@@ -4854,9 +4979,6 @@
               </a:spcAft>
               <a:buNone/>
             </a:pPr>
-            <a:r>
-              <a:t/>
-            </a:r>
             <a:endParaRPr/>
           </a:p>
         </p:txBody>
@@ -4876,21 +4998,23 @@
             <a:avLst/>
           </a:prstGeom>
           <a:noFill/>
-          <a:ln cap="flat" cmpd="sng" w="19050">
+          <a:ln w="19050" cap="flat" cmpd="sng">
             <a:solidFill>
               <a:schemeClr val="dk1"/>
             </a:solidFill>
             <a:prstDash val="lgDash"/>
             <a:round/>
-            <a:headEnd len="sm" w="sm" type="none"/>
-            <a:tailEnd len="sm" w="sm" type="none"/>
+            <a:headEnd type="none" w="sm" len="sm"/>
+            <a:tailEnd type="none" w="sm" len="sm"/>
           </a:ln>
         </p:spPr>
       </p:cxnSp>
       <p:sp>
         <p:nvSpPr>
           <p:cNvPr id="44" name="Google Shape;44;p9"/>
-          <p:cNvSpPr txBox="1"/>
+          <p:cNvSpPr txBox="1">
+            <a:spLocks noGrp="1"/>
+          </p:cNvSpPr>
           <p:nvPr>
             <p:ph type="title"/>
           </p:nvPr>
@@ -4905,7 +5029,7 @@
           </a:prstGeom>
         </p:spPr>
         <p:txBody>
-          <a:bodyPr anchorCtr="0" anchor="b" bIns="91425" lIns="91425" spcFirstLastPara="1" rIns="91425" wrap="square" tIns="91425"/>
+          <a:bodyPr spcFirstLastPara="1" wrap="square" lIns="91425" tIns="91425" rIns="91425" bIns="91425" anchor="b" anchorCtr="0"/>
           <a:lstStyle>
             <a:lvl1pPr lvl="0" algn="ctr">
               <a:spcBef>
@@ -5070,15 +5194,19 @@
               </a:defRPr>
             </a:lvl9pPr>
           </a:lstStyle>
-          <a:p/>
+          <a:p>
+            <a:endParaRPr/>
+          </a:p>
         </p:txBody>
       </p:sp>
       <p:sp>
         <p:nvSpPr>
           <p:cNvPr id="45" name="Google Shape;45;p9"/>
-          <p:cNvSpPr txBox="1"/>
+          <p:cNvSpPr txBox="1">
+            <a:spLocks noGrp="1"/>
+          </p:cNvSpPr>
           <p:nvPr>
-            <p:ph idx="1" type="subTitle"/>
+            <p:ph type="subTitle" idx="1"/>
           </p:nvPr>
         </p:nvSpPr>
         <p:spPr>
@@ -5091,7 +5219,7 @@
           </a:prstGeom>
         </p:spPr>
         <p:txBody>
-          <a:bodyPr anchorCtr="0" anchor="t" bIns="91425" lIns="91425" spcFirstLastPara="1" rIns="91425" wrap="square" tIns="91425"/>
+          <a:bodyPr spcFirstLastPara="1" wrap="square" lIns="91425" tIns="91425" rIns="91425" bIns="91425" anchor="t" anchorCtr="0"/>
           <a:lstStyle>
             <a:lvl1pPr lvl="0" algn="ctr">
               <a:lnSpc>
@@ -5283,15 +5411,19 @@
               </a:defRPr>
             </a:lvl9pPr>
           </a:lstStyle>
-          <a:p/>
+          <a:p>
+            <a:endParaRPr/>
+          </a:p>
         </p:txBody>
       </p:sp>
       <p:sp>
         <p:nvSpPr>
           <p:cNvPr id="46" name="Google Shape;46;p9"/>
-          <p:cNvSpPr txBox="1"/>
+          <p:cNvSpPr txBox="1">
+            <a:spLocks noGrp="1"/>
+          </p:cNvSpPr>
           <p:nvPr>
-            <p:ph idx="2" type="body"/>
+            <p:ph type="body" idx="2"/>
           </p:nvPr>
         </p:nvSpPr>
         <p:spPr>
@@ -5304,9 +5436,9 @@
           </a:prstGeom>
         </p:spPr>
         <p:txBody>
-          <a:bodyPr anchorCtr="0" anchor="ctr" bIns="91425" lIns="91425" spcFirstLastPara="1" rIns="91425" wrap="square" tIns="91425"/>
+          <a:bodyPr spcFirstLastPara="1" wrap="square" lIns="91425" tIns="91425" rIns="91425" bIns="91425" anchor="ctr" anchorCtr="0"/>
           <a:lstStyle>
-            <a:lvl1pPr indent="-342900" lvl="0" marL="457200">
+            <a:lvl1pPr marL="457200" lvl="0" indent="-342900">
               <a:spcBef>
                 <a:spcPts val="0"/>
               </a:spcBef>
@@ -5317,7 +5449,7 @@
               <a:buChar char="●"/>
               <a:defRPr/>
             </a:lvl1pPr>
-            <a:lvl2pPr indent="-317500" lvl="1" marL="914400">
+            <a:lvl2pPr marL="914400" lvl="1" indent="-317500">
               <a:spcBef>
                 <a:spcPts val="1600"/>
               </a:spcBef>
@@ -5328,7 +5460,7 @@
               <a:buChar char="○"/>
               <a:defRPr/>
             </a:lvl2pPr>
-            <a:lvl3pPr indent="-317500" lvl="2" marL="1371600">
+            <a:lvl3pPr marL="1371600" lvl="2" indent="-317500">
               <a:spcBef>
                 <a:spcPts val="1600"/>
               </a:spcBef>
@@ -5339,7 +5471,7 @@
               <a:buChar char="■"/>
               <a:defRPr/>
             </a:lvl3pPr>
-            <a:lvl4pPr indent="-317500" lvl="3" marL="1828800">
+            <a:lvl4pPr marL="1828800" lvl="3" indent="-317500">
               <a:spcBef>
                 <a:spcPts val="1600"/>
               </a:spcBef>
@@ -5350,7 +5482,7 @@
               <a:buChar char="●"/>
               <a:defRPr/>
             </a:lvl4pPr>
-            <a:lvl5pPr indent="-317500" lvl="4" marL="2286000">
+            <a:lvl5pPr marL="2286000" lvl="4" indent="-317500">
               <a:spcBef>
                 <a:spcPts val="1600"/>
               </a:spcBef>
@@ -5361,7 +5493,7 @@
               <a:buChar char="○"/>
               <a:defRPr/>
             </a:lvl5pPr>
-            <a:lvl6pPr indent="-317500" lvl="5" marL="2743200">
+            <a:lvl6pPr marL="2743200" lvl="5" indent="-317500">
               <a:spcBef>
                 <a:spcPts val="1600"/>
               </a:spcBef>
@@ -5372,7 +5504,7 @@
               <a:buChar char="■"/>
               <a:defRPr/>
             </a:lvl6pPr>
-            <a:lvl7pPr indent="-317500" lvl="6" marL="3200400">
+            <a:lvl7pPr marL="3200400" lvl="6" indent="-317500">
               <a:spcBef>
                 <a:spcPts val="1600"/>
               </a:spcBef>
@@ -5383,7 +5515,7 @@
               <a:buChar char="●"/>
               <a:defRPr/>
             </a:lvl7pPr>
-            <a:lvl8pPr indent="-317500" lvl="7" marL="3657600">
+            <a:lvl8pPr marL="3657600" lvl="7" indent="-317500">
               <a:spcBef>
                 <a:spcPts val="1600"/>
               </a:spcBef>
@@ -5394,7 +5526,7 @@
               <a:buChar char="○"/>
               <a:defRPr/>
             </a:lvl8pPr>
-            <a:lvl9pPr indent="-317500" lvl="8" marL="4114800">
+            <a:lvl9pPr marL="4114800" lvl="8" indent="-317500">
               <a:spcBef>
                 <a:spcPts val="1600"/>
               </a:spcBef>
@@ -5406,15 +5538,19 @@
               <a:defRPr/>
             </a:lvl9pPr>
           </a:lstStyle>
-          <a:p/>
+          <a:p>
+            <a:endParaRPr/>
+          </a:p>
         </p:txBody>
       </p:sp>
       <p:sp>
         <p:nvSpPr>
           <p:cNvPr id="47" name="Google Shape;47;p9"/>
-          <p:cNvSpPr txBox="1"/>
+          <p:cNvSpPr txBox="1">
+            <a:spLocks noGrp="1"/>
+          </p:cNvSpPr>
           <p:nvPr>
-            <p:ph idx="12" type="sldNum"/>
+            <p:ph type="sldNum" idx="12"/>
           </p:nvPr>
         </p:nvSpPr>
         <p:spPr>
@@ -5427,7 +5563,7 @@
           </a:prstGeom>
         </p:spPr>
         <p:txBody>
-          <a:bodyPr anchorCtr="0" anchor="ctr" bIns="91425" lIns="91425" spcFirstLastPara="1" rIns="91425" wrap="square" tIns="91425">
+          <a:bodyPr spcFirstLastPara="1" wrap="square" lIns="91425" tIns="91425" rIns="91425" bIns="91425" anchor="ctr" anchorCtr="0">
             <a:noAutofit/>
           </a:bodyPr>
           <a:lstStyle>
@@ -5469,7 +5605,7 @@
             </a:lvl9pPr>
           </a:lstStyle>
           <a:p>
-            <a:pPr indent="0" lvl="0" marL="0" rtl="0" algn="r">
+            <a:pPr marL="0" lvl="0" indent="0" algn="r" rtl="0">
               <a:spcBef>
                 <a:spcPts val="0"/>
               </a:spcBef>
@@ -5480,7 +5616,7 @@
             </a:pPr>
             <a:fld id="{00000000-1234-1234-1234-123412341234}" type="slidenum">
               <a:rPr lang="fr"/>
-              <a:t>‹#›</a:t>
+              <a:t>‹N°›</a:t>
             </a:fld>
             <a:endParaRPr/>
           </a:p>
@@ -5495,11 +5631,11 @@
 </file>
 
 <file path=ppt/slideLayouts/slideLayout9.xml><?xml version="1.0" encoding="utf-8"?>
-<p:sldLayout xmlns:a="http://schemas.openxmlformats.org/drawingml/2006/main" xmlns:r="http://schemas.openxmlformats.org/officeDocument/2006/relationships" xmlns:mc="http://schemas.openxmlformats.org/markup-compatibility/2006" xmlns:mv="urn:schemas-microsoft-com:mac:vml" xmlns:p="http://schemas.openxmlformats.org/presentationml/2006/main" xmlns:c="http://schemas.openxmlformats.org/drawingml/2006/chart" xmlns:dgm="http://schemas.openxmlformats.org/drawingml/2006/diagram" xmlns:o="urn:schemas-microsoft-com:office:office" xmlns:v="urn:schemas-microsoft-com:vml" xmlns:pvml="urn:schemas-microsoft-com:office:powerpoint" xmlns:com="http://schemas.openxmlformats.org/drawingml/2006/compatibility" xmlns:p14="http://schemas.microsoft.com/office/powerpoint/2010/main" xmlns:p15="http://schemas.microsoft.com/office/powerpoint/2012/main" matchingName="Caption">
+<p:sldLayout xmlns:a="http://schemas.openxmlformats.org/drawingml/2006/main" xmlns:r="http://schemas.openxmlformats.org/officeDocument/2006/relationships" xmlns:p="http://schemas.openxmlformats.org/presentationml/2006/main" matchingName="Caption">
   <p:cSld name="CAPTION_ONLY">
     <p:spTree>
       <p:nvGrpSpPr>
-        <p:cNvPr id="48" name="Shape 48"/>
+        <p:cNvPr id="1" name="Shape 48"/>
         <p:cNvGrpSpPr/>
         <p:nvPr/>
       </p:nvGrpSpPr>
@@ -5514,9 +5650,11 @@
       <p:sp>
         <p:nvSpPr>
           <p:cNvPr id="49" name="Google Shape;49;p10"/>
-          <p:cNvSpPr txBox="1"/>
+          <p:cNvSpPr txBox="1">
+            <a:spLocks noGrp="1"/>
+          </p:cNvSpPr>
           <p:nvPr>
-            <p:ph idx="1" type="body"/>
+            <p:ph type="body" idx="1"/>
           </p:nvPr>
         </p:nvSpPr>
         <p:spPr>
@@ -5529,9 +5667,9 @@
           </a:prstGeom>
         </p:spPr>
         <p:txBody>
-          <a:bodyPr anchorCtr="0" anchor="ctr" bIns="91425" lIns="91425" spcFirstLastPara="1" rIns="91425" wrap="square" tIns="91425"/>
+          <a:bodyPr spcFirstLastPara="1" wrap="square" lIns="91425" tIns="91425" rIns="91425" bIns="91425" anchor="ctr" anchorCtr="0"/>
           <a:lstStyle>
-            <a:lvl1pPr indent="-228600" lvl="0" marL="457200">
+            <a:lvl1pPr marL="457200" lvl="0" indent="-228600">
               <a:lnSpc>
                 <a:spcPct val="100000"/>
               </a:lnSpc>
@@ -5552,15 +5690,19 @@
               </a:defRPr>
             </a:lvl1pPr>
           </a:lstStyle>
-          <a:p/>
+          <a:p>
+            <a:endParaRPr/>
+          </a:p>
         </p:txBody>
       </p:sp>
       <p:sp>
         <p:nvSpPr>
           <p:cNvPr id="50" name="Google Shape;50;p10"/>
-          <p:cNvSpPr txBox="1"/>
+          <p:cNvSpPr txBox="1">
+            <a:spLocks noGrp="1"/>
+          </p:cNvSpPr>
           <p:nvPr>
-            <p:ph idx="12" type="sldNum"/>
+            <p:ph type="sldNum" idx="12"/>
           </p:nvPr>
         </p:nvSpPr>
         <p:spPr>
@@ -5573,7 +5715,7 @@
           </a:prstGeom>
         </p:spPr>
         <p:txBody>
-          <a:bodyPr anchorCtr="0" anchor="ctr" bIns="91425" lIns="91425" spcFirstLastPara="1" rIns="91425" wrap="square" tIns="91425">
+          <a:bodyPr spcFirstLastPara="1" wrap="square" lIns="91425" tIns="91425" rIns="91425" bIns="91425" anchor="ctr" anchorCtr="0">
             <a:noAutofit/>
           </a:bodyPr>
           <a:lstStyle>
@@ -5615,7 +5757,7 @@
             </a:lvl9pPr>
           </a:lstStyle>
           <a:p>
-            <a:pPr indent="0" lvl="0" marL="0" rtl="0" algn="r">
+            <a:pPr marL="0" lvl="0" indent="0" algn="r" rtl="0">
               <a:spcBef>
                 <a:spcPts val="0"/>
               </a:spcBef>
@@ -5626,7 +5768,7 @@
             </a:pPr>
             <a:fld id="{00000000-1234-1234-1234-123412341234}" type="slidenum">
               <a:rPr lang="fr"/>
-              <a:t>‹#›</a:t>
+              <a:t>‹N°›</a:t>
             </a:fld>
             <a:endParaRPr/>
           </a:p>
@@ -5641,18 +5783,19 @@
 </file>
 
 <file path=ppt/slideMasters/slideMaster1.xml><?xml version="1.0" encoding="utf-8"?>
-<p:sldMaster xmlns:a="http://schemas.openxmlformats.org/drawingml/2006/main" xmlns:r="http://schemas.openxmlformats.org/officeDocument/2006/relationships" xmlns:mc="http://schemas.openxmlformats.org/markup-compatibility/2006" xmlns:mv="urn:schemas-microsoft-com:mac:vml" xmlns:p="http://schemas.openxmlformats.org/presentationml/2006/main" xmlns:c="http://schemas.openxmlformats.org/drawingml/2006/chart" xmlns:dgm="http://schemas.openxmlformats.org/drawingml/2006/diagram" xmlns:o="urn:schemas-microsoft-com:office:office" xmlns:v="urn:schemas-microsoft-com:vml" xmlns:pvml="urn:schemas-microsoft-com:office:powerpoint" xmlns:com="http://schemas.openxmlformats.org/drawingml/2006/compatibility" xmlns:p14="http://schemas.microsoft.com/office/powerpoint/2010/main" xmlns:p15="http://schemas.microsoft.com/office/powerpoint/2012/main">
+<p:sldMaster xmlns:a="http://schemas.openxmlformats.org/drawingml/2006/main" xmlns:r="http://schemas.openxmlformats.org/officeDocument/2006/relationships" xmlns:p="http://schemas.openxmlformats.org/presentationml/2006/main">
   <p:cSld name="modern-writer">
     <p:bg>
       <p:bgPr>
         <a:solidFill>
           <a:schemeClr val="lt1"/>
         </a:solidFill>
+        <a:effectLst/>
       </p:bgPr>
     </p:bg>
     <p:spTree>
       <p:nvGrpSpPr>
-        <p:cNvPr id="5" name="Shape 5"/>
+        <p:cNvPr id="1" name="Shape 5"/>
         <p:cNvGrpSpPr/>
         <p:nvPr/>
       </p:nvGrpSpPr>
@@ -5667,7 +5810,9 @@
       <p:sp>
         <p:nvSpPr>
           <p:cNvPr id="6" name="Google Shape;6;p1"/>
-          <p:cNvSpPr txBox="1"/>
+          <p:cNvSpPr txBox="1">
+            <a:spLocks noGrp="1"/>
+          </p:cNvSpPr>
           <p:nvPr>
             <p:ph type="title"/>
           </p:nvPr>
@@ -5686,7 +5831,7 @@
           </a:ln>
         </p:spPr>
         <p:txBody>
-          <a:bodyPr anchorCtr="0" anchor="b" bIns="91425" lIns="91425" spcFirstLastPara="1" rIns="91425" wrap="square" tIns="91425"/>
+          <a:bodyPr spcFirstLastPara="1" wrap="square" lIns="91425" tIns="91425" rIns="91425" bIns="91425" anchor="b" anchorCtr="0"/>
           <a:lstStyle>
             <a:lvl1pPr lvl="0">
               <a:spcBef>
@@ -5896,15 +6041,19 @@
               </a:defRPr>
             </a:lvl9pPr>
           </a:lstStyle>
-          <a:p/>
+          <a:p>
+            <a:endParaRPr/>
+          </a:p>
         </p:txBody>
       </p:sp>
       <p:sp>
         <p:nvSpPr>
           <p:cNvPr id="7" name="Google Shape;7;p1"/>
-          <p:cNvSpPr txBox="1"/>
+          <p:cNvSpPr txBox="1">
+            <a:spLocks noGrp="1"/>
+          </p:cNvSpPr>
           <p:nvPr>
-            <p:ph idx="1" type="body"/>
+            <p:ph type="body" idx="1"/>
           </p:nvPr>
         </p:nvSpPr>
         <p:spPr>
@@ -5921,9 +6070,9 @@
           </a:ln>
         </p:spPr>
         <p:txBody>
-          <a:bodyPr anchorCtr="0" anchor="t" bIns="91425" lIns="91425" spcFirstLastPara="1" rIns="91425" wrap="square" tIns="91425"/>
+          <a:bodyPr spcFirstLastPara="1" wrap="square" lIns="91425" tIns="91425" rIns="91425" bIns="91425" anchor="t" anchorCtr="0"/>
           <a:lstStyle>
-            <a:lvl1pPr indent="-342900" lvl="0" marL="457200">
+            <a:lvl1pPr marL="457200" lvl="0" indent="-342900">
               <a:lnSpc>
                 <a:spcPct val="115000"/>
               </a:lnSpc>
@@ -5949,7 +6098,7 @@
                 <a:sym typeface="Source Code Pro"/>
               </a:defRPr>
             </a:lvl1pPr>
-            <a:lvl2pPr indent="-317500" lvl="1" marL="914400">
+            <a:lvl2pPr marL="914400" lvl="1" indent="-317500">
               <a:lnSpc>
                 <a:spcPct val="115000"/>
               </a:lnSpc>
@@ -5975,7 +6124,7 @@
                 <a:sym typeface="Source Code Pro"/>
               </a:defRPr>
             </a:lvl2pPr>
-            <a:lvl3pPr indent="-317500" lvl="2" marL="1371600">
+            <a:lvl3pPr marL="1371600" lvl="2" indent="-317500">
               <a:lnSpc>
                 <a:spcPct val="115000"/>
               </a:lnSpc>
@@ -6001,7 +6150,7 @@
                 <a:sym typeface="Source Code Pro"/>
               </a:defRPr>
             </a:lvl3pPr>
-            <a:lvl4pPr indent="-317500" lvl="3" marL="1828800">
+            <a:lvl4pPr marL="1828800" lvl="3" indent="-317500">
               <a:lnSpc>
                 <a:spcPct val="115000"/>
               </a:lnSpc>
@@ -6027,7 +6176,7 @@
                 <a:sym typeface="Source Code Pro"/>
               </a:defRPr>
             </a:lvl4pPr>
-            <a:lvl5pPr indent="-317500" lvl="4" marL="2286000">
+            <a:lvl5pPr marL="2286000" lvl="4" indent="-317500">
               <a:lnSpc>
                 <a:spcPct val="115000"/>
               </a:lnSpc>
@@ -6053,7 +6202,7 @@
                 <a:sym typeface="Source Code Pro"/>
               </a:defRPr>
             </a:lvl5pPr>
-            <a:lvl6pPr indent="-317500" lvl="5" marL="2743200">
+            <a:lvl6pPr marL="2743200" lvl="5" indent="-317500">
               <a:lnSpc>
                 <a:spcPct val="115000"/>
               </a:lnSpc>
@@ -6079,7 +6228,7 @@
                 <a:sym typeface="Source Code Pro"/>
               </a:defRPr>
             </a:lvl6pPr>
-            <a:lvl7pPr indent="-317500" lvl="6" marL="3200400">
+            <a:lvl7pPr marL="3200400" lvl="6" indent="-317500">
               <a:lnSpc>
                 <a:spcPct val="115000"/>
               </a:lnSpc>
@@ -6105,7 +6254,7 @@
                 <a:sym typeface="Source Code Pro"/>
               </a:defRPr>
             </a:lvl7pPr>
-            <a:lvl8pPr indent="-317500" lvl="7" marL="3657600">
+            <a:lvl8pPr marL="3657600" lvl="7" indent="-317500">
               <a:lnSpc>
                 <a:spcPct val="115000"/>
               </a:lnSpc>
@@ -6131,7 +6280,7 @@
                 <a:sym typeface="Source Code Pro"/>
               </a:defRPr>
             </a:lvl8pPr>
-            <a:lvl9pPr indent="-317500" lvl="8" marL="4114800">
+            <a:lvl9pPr marL="4114800" lvl="8" indent="-317500">
               <a:lnSpc>
                 <a:spcPct val="115000"/>
               </a:lnSpc>
@@ -6158,15 +6307,19 @@
               </a:defRPr>
             </a:lvl9pPr>
           </a:lstStyle>
-          <a:p/>
+          <a:p>
+            <a:endParaRPr/>
+          </a:p>
         </p:txBody>
       </p:sp>
       <p:sp>
         <p:nvSpPr>
           <p:cNvPr id="8" name="Google Shape;8;p1"/>
-          <p:cNvSpPr txBox="1"/>
+          <p:cNvSpPr txBox="1">
+            <a:spLocks noGrp="1"/>
+          </p:cNvSpPr>
           <p:nvPr>
-            <p:ph idx="12" type="sldNum"/>
+            <p:ph type="sldNum" idx="12"/>
           </p:nvPr>
         </p:nvSpPr>
         <p:spPr>
@@ -6183,7 +6336,7 @@
           </a:ln>
         </p:spPr>
         <p:txBody>
-          <a:bodyPr anchorCtr="0" anchor="ctr" bIns="91425" lIns="91425" spcFirstLastPara="1" rIns="91425" wrap="square" tIns="91425">
+          <a:bodyPr spcFirstLastPara="1" wrap="square" lIns="91425" tIns="91425" rIns="91425" bIns="91425" anchor="ctr" anchorCtr="0">
             <a:noAutofit/>
           </a:bodyPr>
           <a:lstStyle>
@@ -6297,7 +6450,7 @@
             </a:lvl9pPr>
           </a:lstStyle>
           <a:p>
-            <a:pPr indent="0" lvl="0" marL="0" rtl="0" algn="r">
+            <a:pPr marL="0" lvl="0" indent="0" algn="r" rtl="0">
               <a:spcBef>
                 <a:spcPts val="0"/>
               </a:spcBef>
@@ -6308,7 +6461,7 @@
             </a:pPr>
             <a:fld id="{00000000-1234-1234-1234-123412341234}" type="slidenum">
               <a:rPr lang="fr"/>
-              <a:t>‹#›</a:t>
+              <a:t>‹N°›</a:t>
             </a:fld>
             <a:endParaRPr/>
           </a:p>
@@ -6316,7 +6469,7 @@
       </p:sp>
     </p:spTree>
   </p:cSld>
-  <p:clrMap accent1="accent1" accent2="accent2" accent3="accent3" accent4="accent4" accent5="accent5" accent6="accent6" bg1="lt1" bg2="dk2" tx1="dk1" tx2="lt2" folHlink="folHlink" hlink="hlink"/>
+  <p:clrMap bg1="lt1" tx1="dk1" bg2="dk2" tx2="lt2" accent1="accent1" accent2="accent2" accent3="accent3" accent4="accent4" accent5="accent5" accent6="accent6" hlink="hlink" folHlink="folHlink"/>
   <p:sldLayoutIdLst>
     <p:sldLayoutId id="2147483648" r:id="rId1"/>
     <p:sldLayoutId id="2147483649" r:id="rId2"/>
@@ -6330,10 +6483,10 @@
     <p:sldLayoutId id="2147483657" r:id="rId10"/>
     <p:sldLayoutId id="2147483658" r:id="rId11"/>
   </p:sldLayoutIdLst>
-  <p:hf dt="0" ftr="0" hdr="0" sldNum="0"/>
+  <p:hf sldNum="0" hdr="0" ftr="0" dt="0"/>
   <p:txStyles>
     <p:titleStyle>
-      <a:defPPr lvl="0" marR="0" rtl="0" algn="l">
+      <a:defPPr marR="0" lvl="0" algn="l" rtl="0">
         <a:lnSpc>
           <a:spcPct val="100000"/>
         </a:lnSpc>
@@ -6344,7 +6497,7 @@
           <a:spcPts val="0"/>
         </a:spcAft>
       </a:defPPr>
-      <a:lvl1pPr lvl="0" marR="0" rtl="0" algn="l">
+      <a:lvl1pPr marR="0" lvl="0" algn="l" rtl="0">
         <a:lnSpc>
           <a:spcPct val="100000"/>
         </a:lnSpc>
@@ -6358,7 +6511,7 @@
           <a:srgbClr val="000000"/>
         </a:buClr>
         <a:buFont typeface="Arial"/>
-        <a:defRPr b="0" i="0" sz="1400" u="none" cap="none" strike="noStrike">
+        <a:defRPr sz="1400" b="0" i="0" u="none" strike="noStrike" cap="none">
           <a:solidFill>
             <a:srgbClr val="000000"/>
           </a:solidFill>
@@ -6368,7 +6521,7 @@
           <a:sym typeface="Arial"/>
         </a:defRPr>
       </a:lvl1pPr>
-      <a:lvl2pPr lvl="1" marR="0" rtl="0" algn="l">
+      <a:lvl2pPr marR="0" lvl="1" algn="l" rtl="0">
         <a:lnSpc>
           <a:spcPct val="100000"/>
         </a:lnSpc>
@@ -6382,7 +6535,7 @@
           <a:srgbClr val="000000"/>
         </a:buClr>
         <a:buFont typeface="Arial"/>
-        <a:defRPr b="0" i="0" sz="1400" u="none" cap="none" strike="noStrike">
+        <a:defRPr sz="1400" b="0" i="0" u="none" strike="noStrike" cap="none">
           <a:solidFill>
             <a:srgbClr val="000000"/>
           </a:solidFill>
@@ -6392,7 +6545,7 @@
           <a:sym typeface="Arial"/>
         </a:defRPr>
       </a:lvl2pPr>
-      <a:lvl3pPr lvl="2" marR="0" rtl="0" algn="l">
+      <a:lvl3pPr marR="0" lvl="2" algn="l" rtl="0">
         <a:lnSpc>
           <a:spcPct val="100000"/>
         </a:lnSpc>
@@ -6406,7 +6559,7 @@
           <a:srgbClr val="000000"/>
         </a:buClr>
         <a:buFont typeface="Arial"/>
-        <a:defRPr b="0" i="0" sz="1400" u="none" cap="none" strike="noStrike">
+        <a:defRPr sz="1400" b="0" i="0" u="none" strike="noStrike" cap="none">
           <a:solidFill>
             <a:srgbClr val="000000"/>
           </a:solidFill>
@@ -6416,7 +6569,7 @@
           <a:sym typeface="Arial"/>
         </a:defRPr>
       </a:lvl3pPr>
-      <a:lvl4pPr lvl="3" marR="0" rtl="0" algn="l">
+      <a:lvl4pPr marR="0" lvl="3" algn="l" rtl="0">
         <a:lnSpc>
           <a:spcPct val="100000"/>
         </a:lnSpc>
@@ -6430,7 +6583,7 @@
           <a:srgbClr val="000000"/>
         </a:buClr>
         <a:buFont typeface="Arial"/>
-        <a:defRPr b="0" i="0" sz="1400" u="none" cap="none" strike="noStrike">
+        <a:defRPr sz="1400" b="0" i="0" u="none" strike="noStrike" cap="none">
           <a:solidFill>
             <a:srgbClr val="000000"/>
           </a:solidFill>
@@ -6440,7 +6593,7 @@
           <a:sym typeface="Arial"/>
         </a:defRPr>
       </a:lvl4pPr>
-      <a:lvl5pPr lvl="4" marR="0" rtl="0" algn="l">
+      <a:lvl5pPr marR="0" lvl="4" algn="l" rtl="0">
         <a:lnSpc>
           <a:spcPct val="100000"/>
         </a:lnSpc>
@@ -6454,7 +6607,7 @@
           <a:srgbClr val="000000"/>
         </a:buClr>
         <a:buFont typeface="Arial"/>
-        <a:defRPr b="0" i="0" sz="1400" u="none" cap="none" strike="noStrike">
+        <a:defRPr sz="1400" b="0" i="0" u="none" strike="noStrike" cap="none">
           <a:solidFill>
             <a:srgbClr val="000000"/>
           </a:solidFill>
@@ -6464,7 +6617,7 @@
           <a:sym typeface="Arial"/>
         </a:defRPr>
       </a:lvl5pPr>
-      <a:lvl6pPr lvl="5" marR="0" rtl="0" algn="l">
+      <a:lvl6pPr marR="0" lvl="5" algn="l" rtl="0">
         <a:lnSpc>
           <a:spcPct val="100000"/>
         </a:lnSpc>
@@ -6478,7 +6631,7 @@
           <a:srgbClr val="000000"/>
         </a:buClr>
         <a:buFont typeface="Arial"/>
-        <a:defRPr b="0" i="0" sz="1400" u="none" cap="none" strike="noStrike">
+        <a:defRPr sz="1400" b="0" i="0" u="none" strike="noStrike" cap="none">
           <a:solidFill>
             <a:srgbClr val="000000"/>
           </a:solidFill>
@@ -6488,7 +6641,7 @@
           <a:sym typeface="Arial"/>
         </a:defRPr>
       </a:lvl6pPr>
-      <a:lvl7pPr lvl="6" marR="0" rtl="0" algn="l">
+      <a:lvl7pPr marR="0" lvl="6" algn="l" rtl="0">
         <a:lnSpc>
           <a:spcPct val="100000"/>
         </a:lnSpc>
@@ -6502,7 +6655,7 @@
           <a:srgbClr val="000000"/>
         </a:buClr>
         <a:buFont typeface="Arial"/>
-        <a:defRPr b="0" i="0" sz="1400" u="none" cap="none" strike="noStrike">
+        <a:defRPr sz="1400" b="0" i="0" u="none" strike="noStrike" cap="none">
           <a:solidFill>
             <a:srgbClr val="000000"/>
           </a:solidFill>
@@ -6512,7 +6665,7 @@
           <a:sym typeface="Arial"/>
         </a:defRPr>
       </a:lvl7pPr>
-      <a:lvl8pPr lvl="7" marR="0" rtl="0" algn="l">
+      <a:lvl8pPr marR="0" lvl="7" algn="l" rtl="0">
         <a:lnSpc>
           <a:spcPct val="100000"/>
         </a:lnSpc>
@@ -6526,7 +6679,7 @@
           <a:srgbClr val="000000"/>
         </a:buClr>
         <a:buFont typeface="Arial"/>
-        <a:defRPr b="0" i="0" sz="1400" u="none" cap="none" strike="noStrike">
+        <a:defRPr sz="1400" b="0" i="0" u="none" strike="noStrike" cap="none">
           <a:solidFill>
             <a:srgbClr val="000000"/>
           </a:solidFill>
@@ -6536,7 +6689,7 @@
           <a:sym typeface="Arial"/>
         </a:defRPr>
       </a:lvl8pPr>
-      <a:lvl9pPr lvl="8" marR="0" rtl="0" algn="l">
+      <a:lvl9pPr marR="0" lvl="8" algn="l" rtl="0">
         <a:lnSpc>
           <a:spcPct val="100000"/>
         </a:lnSpc>
@@ -6550,7 +6703,7 @@
           <a:srgbClr val="000000"/>
         </a:buClr>
         <a:buFont typeface="Arial"/>
-        <a:defRPr b="0" i="0" sz="1400" u="none" cap="none" strike="noStrike">
+        <a:defRPr sz="1400" b="0" i="0" u="none" strike="noStrike" cap="none">
           <a:solidFill>
             <a:srgbClr val="000000"/>
           </a:solidFill>
@@ -6562,7 +6715,7 @@
       </a:lvl9pPr>
     </p:titleStyle>
     <p:bodyStyle>
-      <a:defPPr lvl="0" marR="0" rtl="0" algn="l">
+      <a:defPPr marR="0" lvl="0" algn="l" rtl="0">
         <a:lnSpc>
           <a:spcPct val="100000"/>
         </a:lnSpc>
@@ -6573,7 +6726,7 @@
           <a:spcPts val="0"/>
         </a:spcAft>
       </a:defPPr>
-      <a:lvl1pPr lvl="0" marR="0" rtl="0" algn="l">
+      <a:lvl1pPr marR="0" lvl="0" algn="l" rtl="0">
         <a:lnSpc>
           <a:spcPct val="100000"/>
         </a:lnSpc>
@@ -6587,7 +6740,7 @@
           <a:srgbClr val="000000"/>
         </a:buClr>
         <a:buFont typeface="Arial"/>
-        <a:defRPr b="0" i="0" sz="1400" u="none" cap="none" strike="noStrike">
+        <a:defRPr sz="1400" b="0" i="0" u="none" strike="noStrike" cap="none">
           <a:solidFill>
             <a:srgbClr val="000000"/>
           </a:solidFill>
@@ -6597,7 +6750,7 @@
           <a:sym typeface="Arial"/>
         </a:defRPr>
       </a:lvl1pPr>
-      <a:lvl2pPr lvl="1" marR="0" rtl="0" algn="l">
+      <a:lvl2pPr marR="0" lvl="1" algn="l" rtl="0">
         <a:lnSpc>
           <a:spcPct val="100000"/>
         </a:lnSpc>
@@ -6611,7 +6764,7 @@
           <a:srgbClr val="000000"/>
         </a:buClr>
         <a:buFont typeface="Arial"/>
-        <a:defRPr b="0" i="0" sz="1400" u="none" cap="none" strike="noStrike">
+        <a:defRPr sz="1400" b="0" i="0" u="none" strike="noStrike" cap="none">
           <a:solidFill>
             <a:srgbClr val="000000"/>
           </a:solidFill>
@@ -6621,7 +6774,7 @@
           <a:sym typeface="Arial"/>
         </a:defRPr>
       </a:lvl2pPr>
-      <a:lvl3pPr lvl="2" marR="0" rtl="0" algn="l">
+      <a:lvl3pPr marR="0" lvl="2" algn="l" rtl="0">
         <a:lnSpc>
           <a:spcPct val="100000"/>
         </a:lnSpc>
@@ -6635,7 +6788,7 @@
           <a:srgbClr val="000000"/>
         </a:buClr>
         <a:buFont typeface="Arial"/>
-        <a:defRPr b="0" i="0" sz="1400" u="none" cap="none" strike="noStrike">
+        <a:defRPr sz="1400" b="0" i="0" u="none" strike="noStrike" cap="none">
           <a:solidFill>
             <a:srgbClr val="000000"/>
           </a:solidFill>
@@ -6645,7 +6798,7 @@
           <a:sym typeface="Arial"/>
         </a:defRPr>
       </a:lvl3pPr>
-      <a:lvl4pPr lvl="3" marR="0" rtl="0" algn="l">
+      <a:lvl4pPr marR="0" lvl="3" algn="l" rtl="0">
         <a:lnSpc>
           <a:spcPct val="100000"/>
         </a:lnSpc>
@@ -6659,7 +6812,7 @@
           <a:srgbClr val="000000"/>
         </a:buClr>
         <a:buFont typeface="Arial"/>
-        <a:defRPr b="0" i="0" sz="1400" u="none" cap="none" strike="noStrike">
+        <a:defRPr sz="1400" b="0" i="0" u="none" strike="noStrike" cap="none">
           <a:solidFill>
             <a:srgbClr val="000000"/>
           </a:solidFill>
@@ -6669,7 +6822,7 @@
           <a:sym typeface="Arial"/>
         </a:defRPr>
       </a:lvl4pPr>
-      <a:lvl5pPr lvl="4" marR="0" rtl="0" algn="l">
+      <a:lvl5pPr marR="0" lvl="4" algn="l" rtl="0">
         <a:lnSpc>
           <a:spcPct val="100000"/>
         </a:lnSpc>
@@ -6683,7 +6836,7 @@
           <a:srgbClr val="000000"/>
         </a:buClr>
         <a:buFont typeface="Arial"/>
-        <a:defRPr b="0" i="0" sz="1400" u="none" cap="none" strike="noStrike">
+        <a:defRPr sz="1400" b="0" i="0" u="none" strike="noStrike" cap="none">
           <a:solidFill>
             <a:srgbClr val="000000"/>
           </a:solidFill>
@@ -6693,7 +6846,7 @@
           <a:sym typeface="Arial"/>
         </a:defRPr>
       </a:lvl5pPr>
-      <a:lvl6pPr lvl="5" marR="0" rtl="0" algn="l">
+      <a:lvl6pPr marR="0" lvl="5" algn="l" rtl="0">
         <a:lnSpc>
           <a:spcPct val="100000"/>
         </a:lnSpc>
@@ -6707,7 +6860,7 @@
           <a:srgbClr val="000000"/>
         </a:buClr>
         <a:buFont typeface="Arial"/>
-        <a:defRPr b="0" i="0" sz="1400" u="none" cap="none" strike="noStrike">
+        <a:defRPr sz="1400" b="0" i="0" u="none" strike="noStrike" cap="none">
           <a:solidFill>
             <a:srgbClr val="000000"/>
           </a:solidFill>
@@ -6717,7 +6870,7 @@
           <a:sym typeface="Arial"/>
         </a:defRPr>
       </a:lvl6pPr>
-      <a:lvl7pPr lvl="6" marR="0" rtl="0" algn="l">
+      <a:lvl7pPr marR="0" lvl="6" algn="l" rtl="0">
         <a:lnSpc>
           <a:spcPct val="100000"/>
         </a:lnSpc>
@@ -6731,7 +6884,7 @@
           <a:srgbClr val="000000"/>
         </a:buClr>
         <a:buFont typeface="Arial"/>
-        <a:defRPr b="0" i="0" sz="1400" u="none" cap="none" strike="noStrike">
+        <a:defRPr sz="1400" b="0" i="0" u="none" strike="noStrike" cap="none">
           <a:solidFill>
             <a:srgbClr val="000000"/>
           </a:solidFill>
@@ -6741,7 +6894,7 @@
           <a:sym typeface="Arial"/>
         </a:defRPr>
       </a:lvl7pPr>
-      <a:lvl8pPr lvl="7" marR="0" rtl="0" algn="l">
+      <a:lvl8pPr marR="0" lvl="7" algn="l" rtl="0">
         <a:lnSpc>
           <a:spcPct val="100000"/>
         </a:lnSpc>
@@ -6755,7 +6908,7 @@
           <a:srgbClr val="000000"/>
         </a:buClr>
         <a:buFont typeface="Arial"/>
-        <a:defRPr b="0" i="0" sz="1400" u="none" cap="none" strike="noStrike">
+        <a:defRPr sz="1400" b="0" i="0" u="none" strike="noStrike" cap="none">
           <a:solidFill>
             <a:srgbClr val="000000"/>
           </a:solidFill>
@@ -6765,7 +6918,7 @@
           <a:sym typeface="Arial"/>
         </a:defRPr>
       </a:lvl8pPr>
-      <a:lvl9pPr lvl="8" marR="0" rtl="0" algn="l">
+      <a:lvl9pPr marR="0" lvl="8" algn="l" rtl="0">
         <a:lnSpc>
           <a:spcPct val="100000"/>
         </a:lnSpc>
@@ -6779,7 +6932,7 @@
           <a:srgbClr val="000000"/>
         </a:buClr>
         <a:buFont typeface="Arial"/>
-        <a:defRPr b="0" i="0" sz="1400" u="none" cap="none" strike="noStrike">
+        <a:defRPr sz="1400" b="0" i="0" u="none" strike="noStrike" cap="none">
           <a:solidFill>
             <a:srgbClr val="000000"/>
           </a:solidFill>
@@ -6791,7 +6944,7 @@
       </a:lvl9pPr>
     </p:bodyStyle>
     <p:otherStyle>
-      <a:defPPr lvl="0" marR="0" rtl="0" algn="l">
+      <a:defPPr marR="0" lvl="0" algn="l" rtl="0">
         <a:lnSpc>
           <a:spcPct val="100000"/>
         </a:lnSpc>
@@ -6802,7 +6955,7 @@
           <a:spcPts val="0"/>
         </a:spcAft>
       </a:defPPr>
-      <a:lvl1pPr lvl="0" marR="0" rtl="0" algn="l">
+      <a:lvl1pPr marR="0" lvl="0" algn="l" rtl="0">
         <a:lnSpc>
           <a:spcPct val="100000"/>
         </a:lnSpc>
@@ -6816,7 +6969,7 @@
           <a:srgbClr val="000000"/>
         </a:buClr>
         <a:buFont typeface="Arial"/>
-        <a:defRPr b="0" i="0" sz="1400" u="none" cap="none" strike="noStrike">
+        <a:defRPr sz="1400" b="0" i="0" u="none" strike="noStrike" cap="none">
           <a:solidFill>
             <a:srgbClr val="000000"/>
           </a:solidFill>
@@ -6826,7 +6979,7 @@
           <a:sym typeface="Arial"/>
         </a:defRPr>
       </a:lvl1pPr>
-      <a:lvl2pPr lvl="1" marR="0" rtl="0" algn="l">
+      <a:lvl2pPr marR="0" lvl="1" algn="l" rtl="0">
         <a:lnSpc>
           <a:spcPct val="100000"/>
         </a:lnSpc>
@@ -6840,7 +6993,7 @@
           <a:srgbClr val="000000"/>
         </a:buClr>
         <a:buFont typeface="Arial"/>
-        <a:defRPr b="0" i="0" sz="1400" u="none" cap="none" strike="noStrike">
+        <a:defRPr sz="1400" b="0" i="0" u="none" strike="noStrike" cap="none">
           <a:solidFill>
             <a:srgbClr val="000000"/>
           </a:solidFill>
@@ -6850,7 +7003,7 @@
           <a:sym typeface="Arial"/>
         </a:defRPr>
       </a:lvl2pPr>
-      <a:lvl3pPr lvl="2" marR="0" rtl="0" algn="l">
+      <a:lvl3pPr marR="0" lvl="2" algn="l" rtl="0">
         <a:lnSpc>
           <a:spcPct val="100000"/>
         </a:lnSpc>
@@ -6864,7 +7017,7 @@
           <a:srgbClr val="000000"/>
         </a:buClr>
         <a:buFont typeface="Arial"/>
-        <a:defRPr b="0" i="0" sz="1400" u="none" cap="none" strike="noStrike">
+        <a:defRPr sz="1400" b="0" i="0" u="none" strike="noStrike" cap="none">
           <a:solidFill>
             <a:srgbClr val="000000"/>
           </a:solidFill>
@@ -6874,7 +7027,7 @@
           <a:sym typeface="Arial"/>
         </a:defRPr>
       </a:lvl3pPr>
-      <a:lvl4pPr lvl="3" marR="0" rtl="0" algn="l">
+      <a:lvl4pPr marR="0" lvl="3" algn="l" rtl="0">
         <a:lnSpc>
           <a:spcPct val="100000"/>
         </a:lnSpc>
@@ -6888,7 +7041,7 @@
           <a:srgbClr val="000000"/>
         </a:buClr>
         <a:buFont typeface="Arial"/>
-        <a:defRPr b="0" i="0" sz="1400" u="none" cap="none" strike="noStrike">
+        <a:defRPr sz="1400" b="0" i="0" u="none" strike="noStrike" cap="none">
           <a:solidFill>
             <a:srgbClr val="000000"/>
           </a:solidFill>
@@ -6898,7 +7051,7 @@
           <a:sym typeface="Arial"/>
         </a:defRPr>
       </a:lvl4pPr>
-      <a:lvl5pPr lvl="4" marR="0" rtl="0" algn="l">
+      <a:lvl5pPr marR="0" lvl="4" algn="l" rtl="0">
         <a:lnSpc>
           <a:spcPct val="100000"/>
         </a:lnSpc>
@@ -6912,7 +7065,7 @@
           <a:srgbClr val="000000"/>
         </a:buClr>
         <a:buFont typeface="Arial"/>
-        <a:defRPr b="0" i="0" sz="1400" u="none" cap="none" strike="noStrike">
+        <a:defRPr sz="1400" b="0" i="0" u="none" strike="noStrike" cap="none">
           <a:solidFill>
             <a:srgbClr val="000000"/>
           </a:solidFill>
@@ -6922,7 +7075,7 @@
           <a:sym typeface="Arial"/>
         </a:defRPr>
       </a:lvl5pPr>
-      <a:lvl6pPr lvl="5" marR="0" rtl="0" algn="l">
+      <a:lvl6pPr marR="0" lvl="5" algn="l" rtl="0">
         <a:lnSpc>
           <a:spcPct val="100000"/>
         </a:lnSpc>
@@ -6936,7 +7089,7 @@
           <a:srgbClr val="000000"/>
         </a:buClr>
         <a:buFont typeface="Arial"/>
-        <a:defRPr b="0" i="0" sz="1400" u="none" cap="none" strike="noStrike">
+        <a:defRPr sz="1400" b="0" i="0" u="none" strike="noStrike" cap="none">
           <a:solidFill>
             <a:srgbClr val="000000"/>
           </a:solidFill>
@@ -6946,7 +7099,7 @@
           <a:sym typeface="Arial"/>
         </a:defRPr>
       </a:lvl6pPr>
-      <a:lvl7pPr lvl="6" marR="0" rtl="0" algn="l">
+      <a:lvl7pPr marR="0" lvl="6" algn="l" rtl="0">
         <a:lnSpc>
           <a:spcPct val="100000"/>
         </a:lnSpc>
@@ -6960,7 +7113,7 @@
           <a:srgbClr val="000000"/>
         </a:buClr>
         <a:buFont typeface="Arial"/>
-        <a:defRPr b="0" i="0" sz="1400" u="none" cap="none" strike="noStrike">
+        <a:defRPr sz="1400" b="0" i="0" u="none" strike="noStrike" cap="none">
           <a:solidFill>
             <a:srgbClr val="000000"/>
           </a:solidFill>
@@ -6970,7 +7123,7 @@
           <a:sym typeface="Arial"/>
         </a:defRPr>
       </a:lvl7pPr>
-      <a:lvl8pPr lvl="7" marR="0" rtl="0" algn="l">
+      <a:lvl8pPr marR="0" lvl="7" algn="l" rtl="0">
         <a:lnSpc>
           <a:spcPct val="100000"/>
         </a:lnSpc>
@@ -6984,7 +7137,7 @@
           <a:srgbClr val="000000"/>
         </a:buClr>
         <a:buFont typeface="Arial"/>
-        <a:defRPr b="0" i="0" sz="1400" u="none" cap="none" strike="noStrike">
+        <a:defRPr sz="1400" b="0" i="0" u="none" strike="noStrike" cap="none">
           <a:solidFill>
             <a:srgbClr val="000000"/>
           </a:solidFill>
@@ -6994,7 +7147,7 @@
           <a:sym typeface="Arial"/>
         </a:defRPr>
       </a:lvl8pPr>
-      <a:lvl9pPr lvl="8" marR="0" rtl="0" algn="l">
+      <a:lvl9pPr marR="0" lvl="8" algn="l" rtl="0">
         <a:lnSpc>
           <a:spcPct val="100000"/>
         </a:lnSpc>
@@ -7008,7 +7161,7 @@
           <a:srgbClr val="000000"/>
         </a:buClr>
         <a:buFont typeface="Arial"/>
-        <a:defRPr b="0" i="0" sz="1400" u="none" cap="none" strike="noStrike">
+        <a:defRPr sz="1400" b="0" i="0" u="none" strike="noStrike" cap="none">
           <a:solidFill>
             <a:srgbClr val="000000"/>
           </a:solidFill>
@@ -7024,11 +7177,11 @@
 </file>
 
 <file path=ppt/slides/slide1.xml><?xml version="1.0" encoding="utf-8"?>
-<p:sld xmlns:a="http://schemas.openxmlformats.org/drawingml/2006/main" xmlns:r="http://schemas.openxmlformats.org/officeDocument/2006/relationships" xmlns:mc="http://schemas.openxmlformats.org/markup-compatibility/2006" xmlns:mv="urn:schemas-microsoft-com:mac:vml" xmlns:p="http://schemas.openxmlformats.org/presentationml/2006/main" xmlns:c="http://schemas.openxmlformats.org/drawingml/2006/chart" xmlns:dgm="http://schemas.openxmlformats.org/drawingml/2006/diagram" xmlns:o="urn:schemas-microsoft-com:office:office" xmlns:v="urn:schemas-microsoft-com:vml" xmlns:pvml="urn:schemas-microsoft-com:office:powerpoint" xmlns:com="http://schemas.openxmlformats.org/drawingml/2006/compatibility" xmlns:p14="http://schemas.microsoft.com/office/powerpoint/2010/main" xmlns:p15="http://schemas.microsoft.com/office/powerpoint/2012/main">
+<p:sld xmlns:a="http://schemas.openxmlformats.org/drawingml/2006/main" xmlns:r="http://schemas.openxmlformats.org/officeDocument/2006/relationships" xmlns:p="http://schemas.openxmlformats.org/presentationml/2006/main">
   <p:cSld>
     <p:spTree>
       <p:nvGrpSpPr>
-        <p:cNvPr id="61" name="Shape 61"/>
+        <p:cNvPr id="1" name="Shape 61"/>
         <p:cNvGrpSpPr/>
         <p:nvPr/>
       </p:nvGrpSpPr>
@@ -7043,7 +7196,9 @@
       <p:sp>
         <p:nvSpPr>
           <p:cNvPr id="62" name="Google Shape;62;p13"/>
-          <p:cNvSpPr txBox="1"/>
+          <p:cNvSpPr txBox="1">
+            <a:spLocks noGrp="1"/>
+          </p:cNvSpPr>
           <p:nvPr>
             <p:ph type="ctrTitle"/>
           </p:nvPr>
@@ -7058,12 +7213,12 @@
           </a:prstGeom>
         </p:spPr>
         <p:txBody>
-          <a:bodyPr anchorCtr="0" anchor="b" bIns="91425" lIns="91425" spcFirstLastPara="1" rIns="91425" wrap="square" tIns="91425">
+          <a:bodyPr spcFirstLastPara="1" wrap="square" lIns="91425" tIns="91425" rIns="91425" bIns="91425" anchor="b" anchorCtr="0">
             <a:noAutofit/>
           </a:bodyPr>
           <a:lstStyle/>
           <a:p>
-            <a:pPr indent="0" lvl="0" marL="0" rtl="0" algn="ctr">
+            <a:pPr marL="0" lvl="0" indent="0" algn="ctr" rtl="0">
               <a:spcBef>
                 <a:spcPts val="0"/>
               </a:spcBef>
@@ -7083,9 +7238,11 @@
       <p:sp>
         <p:nvSpPr>
           <p:cNvPr id="63" name="Google Shape;63;p13"/>
-          <p:cNvSpPr txBox="1"/>
+          <p:cNvSpPr txBox="1">
+            <a:spLocks noGrp="1"/>
+          </p:cNvSpPr>
           <p:nvPr>
-            <p:ph idx="1" type="subTitle"/>
+            <p:ph type="subTitle" idx="1"/>
           </p:nvPr>
         </p:nvSpPr>
         <p:spPr>
@@ -7098,12 +7255,12 @@
           </a:prstGeom>
         </p:spPr>
         <p:txBody>
-          <a:bodyPr anchorCtr="0" anchor="ctr" bIns="91425" lIns="91425" spcFirstLastPara="1" rIns="91425" wrap="square" tIns="91425">
+          <a:bodyPr spcFirstLastPara="1" wrap="square" lIns="91425" tIns="91425" rIns="91425" bIns="91425" anchor="ctr" anchorCtr="0">
             <a:noAutofit/>
           </a:bodyPr>
           <a:lstStyle/>
           <a:p>
-            <a:pPr indent="0" lvl="0" marL="0" rtl="0" algn="ctr">
+            <a:pPr marL="0" lvl="0" indent="0" algn="ctr" rtl="0">
               <a:spcBef>
                 <a:spcPts val="0"/>
               </a:spcBef>
@@ -7129,11 +7286,11 @@
 </file>
 
 <file path=ppt/slides/slide2.xml><?xml version="1.0" encoding="utf-8"?>
-<p:sld xmlns:a="http://schemas.openxmlformats.org/drawingml/2006/main" xmlns:r="http://schemas.openxmlformats.org/officeDocument/2006/relationships" xmlns:mc="http://schemas.openxmlformats.org/markup-compatibility/2006" xmlns:mv="urn:schemas-microsoft-com:mac:vml" xmlns:p="http://schemas.openxmlformats.org/presentationml/2006/main" xmlns:c="http://schemas.openxmlformats.org/drawingml/2006/chart" xmlns:dgm="http://schemas.openxmlformats.org/drawingml/2006/diagram" xmlns:o="urn:schemas-microsoft-com:office:office" xmlns:v="urn:schemas-microsoft-com:vml" xmlns:pvml="urn:schemas-microsoft-com:office:powerpoint" xmlns:com="http://schemas.openxmlformats.org/drawingml/2006/compatibility" xmlns:p14="http://schemas.microsoft.com/office/powerpoint/2010/main" xmlns:p15="http://schemas.microsoft.com/office/powerpoint/2012/main">
+<p:sld xmlns:a="http://schemas.openxmlformats.org/drawingml/2006/main" xmlns:r="http://schemas.openxmlformats.org/officeDocument/2006/relationships" xmlns:p="http://schemas.openxmlformats.org/presentationml/2006/main">
   <p:cSld>
     <p:spTree>
       <p:nvGrpSpPr>
-        <p:cNvPr id="67" name="Shape 67"/>
+        <p:cNvPr id="1" name="Shape 67"/>
         <p:cNvGrpSpPr/>
         <p:nvPr/>
       </p:nvGrpSpPr>
@@ -7148,7 +7305,9 @@
       <p:sp>
         <p:nvSpPr>
           <p:cNvPr id="68" name="Google Shape;68;p14"/>
-          <p:cNvSpPr txBox="1"/>
+          <p:cNvSpPr txBox="1">
+            <a:spLocks noGrp="1"/>
+          </p:cNvSpPr>
           <p:nvPr>
             <p:ph type="title"/>
           </p:nvPr>
@@ -7163,12 +7322,12 @@
           </a:prstGeom>
         </p:spPr>
         <p:txBody>
-          <a:bodyPr anchorCtr="0" anchor="b" bIns="91425" lIns="91425" spcFirstLastPara="1" rIns="91425" wrap="square" tIns="91425">
+          <a:bodyPr spcFirstLastPara="1" wrap="square" lIns="91425" tIns="91425" rIns="91425" bIns="91425" anchor="b" anchorCtr="0">
             <a:noAutofit/>
           </a:bodyPr>
           <a:lstStyle/>
           <a:p>
-            <a:pPr indent="0" lvl="0" marL="0" rtl="0" algn="l">
+            <a:pPr marL="0" lvl="0" indent="0" algn="l" rtl="0">
               <a:spcBef>
                 <a:spcPts val="0"/>
               </a:spcBef>
@@ -7188,9 +7347,11 @@
       <p:sp>
         <p:nvSpPr>
           <p:cNvPr id="69" name="Google Shape;69;p14"/>
-          <p:cNvSpPr txBox="1"/>
+          <p:cNvSpPr txBox="1">
+            <a:spLocks noGrp="1"/>
+          </p:cNvSpPr>
           <p:nvPr>
-            <p:ph idx="1" type="body"/>
+            <p:ph type="body" idx="1"/>
           </p:nvPr>
         </p:nvSpPr>
         <p:spPr>
@@ -7203,12 +7364,12 @@
           </a:prstGeom>
         </p:spPr>
         <p:txBody>
-          <a:bodyPr anchorCtr="0" anchor="t" bIns="91425" lIns="91425" spcFirstLastPara="1" rIns="91425" wrap="square" tIns="91425">
+          <a:bodyPr spcFirstLastPara="1" wrap="square" lIns="91425" tIns="91425" rIns="91425" bIns="91425" anchor="t" anchorCtr="0">
             <a:noAutofit/>
           </a:bodyPr>
           <a:lstStyle/>
           <a:p>
-            <a:pPr indent="0" lvl="0" marL="152400" marR="152400" rtl="0" algn="l">
+            <a:pPr marL="152400" marR="152400" lvl="0" indent="0" algn="l" rtl="0">
               <a:spcBef>
                 <a:spcPts val="0"/>
               </a:spcBef>
@@ -7245,7 +7406,7 @@
             </a:endParaRPr>
           </a:p>
           <a:p>
-            <a:pPr indent="0" lvl="0" marL="152400" marR="152400" rtl="0" algn="l">
+            <a:pPr marL="152400" marR="152400" lvl="0" indent="0" algn="l" rtl="0">
               <a:spcBef>
                 <a:spcPts val="0"/>
               </a:spcBef>
@@ -7259,9 +7420,6 @@
               <a:buFont typeface="Arial"/>
               <a:buNone/>
             </a:pPr>
-            <a:r>
-              <a:t/>
-            </a:r>
             <a:endParaRPr sz="1200">
               <a:solidFill>
                 <a:srgbClr val="000000"/>
@@ -7273,7 +7431,7 @@
             </a:endParaRPr>
           </a:p>
           <a:p>
-            <a:pPr indent="0" lvl="0" marL="0" rtl="0" algn="l">
+            <a:pPr marL="0" lvl="0" indent="0" algn="l" rtl="0">
               <a:spcBef>
                 <a:spcPts val="0"/>
               </a:spcBef>
@@ -7310,7 +7468,7 @@
             </a:endParaRPr>
           </a:p>
           <a:p>
-            <a:pPr indent="0" lvl="0" marL="0" rtl="0" algn="l">
+            <a:pPr marL="0" lvl="0" indent="0" algn="l" rtl="0">
               <a:spcBef>
                 <a:spcPts val="1200"/>
               </a:spcBef>
@@ -7347,7 +7505,7 @@
             </a:endParaRPr>
           </a:p>
           <a:p>
-            <a:pPr indent="-304800" lvl="0" marL="457200" rtl="0" algn="l">
+            <a:pPr marL="457200" lvl="0" indent="-304800" algn="l" rtl="0">
               <a:spcBef>
                 <a:spcPts val="1200"/>
               </a:spcBef>
@@ -7384,7 +7542,7 @@
             </a:endParaRPr>
           </a:p>
           <a:p>
-            <a:pPr indent="-304800" lvl="0" marL="457200" rtl="0" algn="l">
+            <a:pPr marL="457200" lvl="0" indent="-304800" algn="l" rtl="0">
               <a:spcBef>
                 <a:spcPts val="0"/>
               </a:spcBef>
@@ -7421,7 +7579,7 @@
             </a:endParaRPr>
           </a:p>
           <a:p>
-            <a:pPr indent="-304800" lvl="0" marL="457200" rtl="0" algn="l">
+            <a:pPr marL="457200" lvl="0" indent="-304800" algn="l" rtl="0">
               <a:spcBef>
                 <a:spcPts val="0"/>
               </a:spcBef>
@@ -7458,7 +7616,7 @@
             </a:endParaRPr>
           </a:p>
           <a:p>
-            <a:pPr indent="-304800" lvl="0" marL="457200" rtl="0" algn="l">
+            <a:pPr marL="457200" lvl="0" indent="-304800" algn="l" rtl="0">
               <a:spcBef>
                 <a:spcPts val="0"/>
               </a:spcBef>
@@ -7495,7 +7653,7 @@
             </a:endParaRPr>
           </a:p>
           <a:p>
-            <a:pPr indent="-304800" lvl="0" marL="457200" rtl="0" algn="l">
+            <a:pPr marL="457200" lvl="0" indent="-304800" algn="l" rtl="0">
               <a:spcBef>
                 <a:spcPts val="0"/>
               </a:spcBef>
@@ -7532,7 +7690,7 @@
             </a:endParaRPr>
           </a:p>
           <a:p>
-            <a:pPr indent="0" lvl="0" marL="152400" marR="152400" rtl="0" algn="l">
+            <a:pPr marL="152400" marR="152400" lvl="0" indent="0" algn="l" rtl="0">
               <a:spcBef>
                 <a:spcPts val="1200"/>
               </a:spcBef>
@@ -7546,9 +7704,6 @@
               <a:buFont typeface="Arial"/>
               <a:buNone/>
             </a:pPr>
-            <a:r>
-              <a:t/>
-            </a:r>
             <a:endParaRPr sz="1200">
               <a:solidFill>
                 <a:srgbClr val="000000"/>
@@ -7560,7 +7715,7 @@
             </a:endParaRPr>
           </a:p>
           <a:p>
-            <a:pPr indent="0" lvl="0" marL="152400" marR="152400" rtl="0" algn="l">
+            <a:pPr marL="152400" marR="152400" lvl="0" indent="0" algn="l" rtl="0">
               <a:spcBef>
                 <a:spcPts val="800"/>
               </a:spcBef>
@@ -7574,9 +7729,6 @@
               <a:buFont typeface="Arial"/>
               <a:buNone/>
             </a:pPr>
-            <a:r>
-              <a:t/>
-            </a:r>
             <a:endParaRPr sz="1200">
               <a:solidFill>
                 <a:srgbClr val="000000"/>
@@ -7588,7 +7740,7 @@
             </a:endParaRPr>
           </a:p>
           <a:p>
-            <a:pPr indent="0" lvl="0" marL="0" rtl="0" algn="l">
+            <a:pPr marL="0" lvl="0" indent="0" algn="l" rtl="0">
               <a:spcBef>
                 <a:spcPts val="0"/>
               </a:spcBef>
@@ -7597,9 +7749,6 @@
               </a:spcAft>
               <a:buNone/>
             </a:pPr>
-            <a:r>
-              <a:t/>
-            </a:r>
             <a:endParaRPr/>
           </a:p>
         </p:txBody>
@@ -7613,11 +7762,11 @@
 </file>
 
 <file path=ppt/slides/slide3.xml><?xml version="1.0" encoding="utf-8"?>
-<p:sld xmlns:a="http://schemas.openxmlformats.org/drawingml/2006/main" xmlns:r="http://schemas.openxmlformats.org/officeDocument/2006/relationships" xmlns:mc="http://schemas.openxmlformats.org/markup-compatibility/2006" xmlns:mv="urn:schemas-microsoft-com:mac:vml" xmlns:p="http://schemas.openxmlformats.org/presentationml/2006/main" xmlns:c="http://schemas.openxmlformats.org/drawingml/2006/chart" xmlns:dgm="http://schemas.openxmlformats.org/drawingml/2006/diagram" xmlns:o="urn:schemas-microsoft-com:office:office" xmlns:v="urn:schemas-microsoft-com:vml" xmlns:pvml="urn:schemas-microsoft-com:office:powerpoint" xmlns:com="http://schemas.openxmlformats.org/drawingml/2006/compatibility" xmlns:p14="http://schemas.microsoft.com/office/powerpoint/2010/main" xmlns:p15="http://schemas.microsoft.com/office/powerpoint/2012/main">
+<p:sld xmlns:a="http://schemas.openxmlformats.org/drawingml/2006/main" xmlns:r="http://schemas.openxmlformats.org/officeDocument/2006/relationships" xmlns:p="http://schemas.openxmlformats.org/presentationml/2006/main">
   <p:cSld>
     <p:spTree>
       <p:nvGrpSpPr>
-        <p:cNvPr id="73" name="Shape 73"/>
+        <p:cNvPr id="1" name="Shape 73"/>
         <p:cNvGrpSpPr/>
         <p:nvPr/>
       </p:nvGrpSpPr>
@@ -7632,7 +7781,9 @@
       <p:sp>
         <p:nvSpPr>
           <p:cNvPr id="74" name="Google Shape;74;p15"/>
-          <p:cNvSpPr txBox="1"/>
+          <p:cNvSpPr txBox="1">
+            <a:spLocks noGrp="1"/>
+          </p:cNvSpPr>
           <p:nvPr>
             <p:ph type="title"/>
           </p:nvPr>
@@ -7647,12 +7798,12 @@
           </a:prstGeom>
         </p:spPr>
         <p:txBody>
-          <a:bodyPr anchorCtr="0" anchor="b" bIns="91425" lIns="91425" spcFirstLastPara="1" rIns="91425" wrap="square" tIns="91425">
+          <a:bodyPr spcFirstLastPara="1" wrap="square" lIns="91425" tIns="91425" rIns="91425" bIns="91425" anchor="b" anchorCtr="0">
             <a:noAutofit/>
           </a:bodyPr>
           <a:lstStyle/>
           <a:p>
-            <a:pPr indent="0" lvl="0" marL="0" rtl="0" algn="l">
+            <a:pPr marL="0" lvl="0" indent="0" algn="l" rtl="0">
               <a:spcBef>
                 <a:spcPts val="0"/>
               </a:spcBef>
@@ -7672,9 +7823,11 @@
       <p:sp>
         <p:nvSpPr>
           <p:cNvPr id="75" name="Google Shape;75;p15"/>
-          <p:cNvSpPr txBox="1"/>
+          <p:cNvSpPr txBox="1">
+            <a:spLocks noGrp="1"/>
+          </p:cNvSpPr>
           <p:nvPr>
-            <p:ph idx="1" type="body"/>
+            <p:ph type="body" idx="1"/>
           </p:nvPr>
         </p:nvSpPr>
         <p:spPr>
@@ -7687,12 +7840,12 @@
           </a:prstGeom>
         </p:spPr>
         <p:txBody>
-          <a:bodyPr anchorCtr="0" anchor="t" bIns="91425" lIns="91425" spcFirstLastPara="1" rIns="91425" wrap="square" tIns="91425">
+          <a:bodyPr spcFirstLastPara="1" wrap="square" lIns="91425" tIns="91425" rIns="91425" bIns="91425" anchor="t" anchorCtr="0">
             <a:noAutofit/>
           </a:bodyPr>
           <a:lstStyle/>
           <a:p>
-            <a:pPr indent="0" lvl="0" marL="0" rtl="0" algn="l">
+            <a:pPr marL="0" lvl="0" indent="0" algn="l" rtl="0">
               <a:spcBef>
                 <a:spcPts val="0"/>
               </a:spcBef>
@@ -7701,13 +7854,10 @@
               </a:spcAft>
               <a:buNone/>
             </a:pPr>
-            <a:r>
-              <a:t/>
-            </a:r>
             <a:endParaRPr/>
           </a:p>
           <a:p>
-            <a:pPr indent="-342900" lvl="0" marL="457200" rtl="0" algn="l">
+            <a:pPr marL="457200" lvl="0" indent="-342900" algn="l" rtl="0">
               <a:spcBef>
                 <a:spcPts val="1600"/>
               </a:spcBef>
@@ -7724,7 +7874,7 @@
             <a:endParaRPr/>
           </a:p>
           <a:p>
-            <a:pPr indent="-342900" lvl="0" marL="457200" rtl="0" algn="l">
+            <a:pPr marL="457200" lvl="0" indent="-342900" algn="l" rtl="0">
               <a:spcBef>
                 <a:spcPts val="0"/>
               </a:spcBef>
@@ -7741,7 +7891,7 @@
             <a:endParaRPr/>
           </a:p>
           <a:p>
-            <a:pPr indent="-342900" lvl="0" marL="457200" rtl="0" algn="l">
+            <a:pPr marL="457200" lvl="0" indent="-342900" algn="l" rtl="0">
               <a:spcBef>
                 <a:spcPts val="0"/>
               </a:spcBef>
@@ -7758,7 +7908,7 @@
             <a:endParaRPr/>
           </a:p>
           <a:p>
-            <a:pPr indent="0" lvl="0" marL="914400" rtl="0" algn="l">
+            <a:pPr marL="914400" lvl="0" indent="0" algn="l" rtl="0">
               <a:spcBef>
                 <a:spcPts val="1600"/>
               </a:spcBef>
@@ -7767,9 +7917,6 @@
               </a:spcAft>
               <a:buNone/>
             </a:pPr>
-            <a:r>
-              <a:t/>
-            </a:r>
             <a:endParaRPr/>
           </a:p>
         </p:txBody>
@@ -7783,11 +7930,11 @@
 </file>
 
 <file path=ppt/slides/slide4.xml><?xml version="1.0" encoding="utf-8"?>
-<p:sld xmlns:a="http://schemas.openxmlformats.org/drawingml/2006/main" xmlns:r="http://schemas.openxmlformats.org/officeDocument/2006/relationships" xmlns:mc="http://schemas.openxmlformats.org/markup-compatibility/2006" xmlns:mv="urn:schemas-microsoft-com:mac:vml" xmlns:p="http://schemas.openxmlformats.org/presentationml/2006/main" xmlns:c="http://schemas.openxmlformats.org/drawingml/2006/chart" xmlns:dgm="http://schemas.openxmlformats.org/drawingml/2006/diagram" xmlns:o="urn:schemas-microsoft-com:office:office" xmlns:v="urn:schemas-microsoft-com:vml" xmlns:pvml="urn:schemas-microsoft-com:office:powerpoint" xmlns:com="http://schemas.openxmlformats.org/drawingml/2006/compatibility" xmlns:p14="http://schemas.microsoft.com/office/powerpoint/2010/main" xmlns:p15="http://schemas.microsoft.com/office/powerpoint/2012/main">
+<p:sld xmlns:a="http://schemas.openxmlformats.org/drawingml/2006/main" xmlns:r="http://schemas.openxmlformats.org/officeDocument/2006/relationships" xmlns:p="http://schemas.openxmlformats.org/presentationml/2006/main">
   <p:cSld>
     <p:spTree>
       <p:nvGrpSpPr>
-        <p:cNvPr id="79" name="Shape 79"/>
+        <p:cNvPr id="1" name="Shape 79"/>
         <p:cNvGrpSpPr/>
         <p:nvPr/>
       </p:nvGrpSpPr>
@@ -7802,7 +7949,9 @@
       <p:sp>
         <p:nvSpPr>
           <p:cNvPr id="80" name="Google Shape;80;p16"/>
-          <p:cNvSpPr txBox="1"/>
+          <p:cNvSpPr txBox="1">
+            <a:spLocks noGrp="1"/>
+          </p:cNvSpPr>
           <p:nvPr>
             <p:ph type="title"/>
           </p:nvPr>
@@ -7817,12 +7966,12 @@
           </a:prstGeom>
         </p:spPr>
         <p:txBody>
-          <a:bodyPr anchorCtr="0" anchor="b" bIns="91425" lIns="91425" spcFirstLastPara="1" rIns="91425" wrap="square" tIns="91425">
+          <a:bodyPr spcFirstLastPara="1" wrap="square" lIns="91425" tIns="91425" rIns="91425" bIns="91425" anchor="b" anchorCtr="0">
             <a:noAutofit/>
           </a:bodyPr>
           <a:lstStyle/>
           <a:p>
-            <a:pPr indent="0" lvl="0" marL="0" rtl="0" algn="l">
+            <a:pPr marL="0" lvl="0" indent="0" algn="l" rtl="0">
               <a:spcBef>
                 <a:spcPts val="0"/>
               </a:spcBef>
@@ -7842,9 +7991,11 @@
       <p:sp>
         <p:nvSpPr>
           <p:cNvPr id="81" name="Google Shape;81;p16"/>
-          <p:cNvSpPr txBox="1"/>
+          <p:cNvSpPr txBox="1">
+            <a:spLocks noGrp="1"/>
+          </p:cNvSpPr>
           <p:nvPr>
-            <p:ph idx="1" type="body"/>
+            <p:ph type="body" idx="1"/>
           </p:nvPr>
         </p:nvSpPr>
         <p:spPr>
@@ -7857,12 +8008,12 @@
           </a:prstGeom>
         </p:spPr>
         <p:txBody>
-          <a:bodyPr anchorCtr="0" anchor="t" bIns="91425" lIns="91425" spcFirstLastPara="1" rIns="91425" wrap="square" tIns="91425">
+          <a:bodyPr spcFirstLastPara="1" wrap="square" lIns="91425" tIns="91425" rIns="91425" bIns="91425" anchor="t" anchorCtr="0">
             <a:noAutofit/>
           </a:bodyPr>
           <a:lstStyle/>
           <a:p>
-            <a:pPr indent="-342900" lvl="0" marL="457200" rtl="0" algn="l">
+            <a:pPr marL="457200" lvl="0" indent="-342900" algn="l" rtl="0">
               <a:spcBef>
                 <a:spcPts val="0"/>
               </a:spcBef>
@@ -7879,7 +8030,7 @@
             <a:endParaRPr/>
           </a:p>
           <a:p>
-            <a:pPr indent="-342900" lvl="0" marL="457200" rtl="0" algn="l">
+            <a:pPr marL="457200" lvl="0" indent="-342900" algn="l" rtl="0">
               <a:spcBef>
                 <a:spcPts val="0"/>
               </a:spcBef>
@@ -7896,7 +8047,7 @@
             <a:endParaRPr/>
           </a:p>
           <a:p>
-            <a:pPr indent="-342900" lvl="0" marL="457200" rtl="0" algn="l">
+            <a:pPr marL="457200" lvl="0" indent="-342900" algn="l" rtl="0">
               <a:spcBef>
                 <a:spcPts val="0"/>
               </a:spcBef>
@@ -7908,16 +8059,12 @@
             </a:pPr>
             <a:r>
               <a:rPr lang="fr"/>
-              <a:t>affiche </a:t>
-            </a:r>
-            <a:r>
-              <a:rPr lang="fr"/>
-              <a:t>la liste des ouvrages empruntés.</a:t>
+              <a:t>affiche la liste des ouvrages empruntés.</a:t>
             </a:r>
             <a:endParaRPr/>
           </a:p>
           <a:p>
-            <a:pPr indent="-342900" lvl="0" marL="457200" rtl="0" algn="l">
+            <a:pPr marL="457200" lvl="0" indent="-342900" algn="l" rtl="0">
               <a:spcBef>
                 <a:spcPts val="0"/>
               </a:spcBef>
@@ -7934,7 +8081,7 @@
             <a:endParaRPr/>
           </a:p>
           <a:p>
-            <a:pPr indent="0" lvl="0" marL="457200" rtl="0" algn="l">
+            <a:pPr marL="457200" lvl="0" indent="0" algn="l" rtl="0">
               <a:spcBef>
                 <a:spcPts val="1600"/>
               </a:spcBef>
@@ -7943,9 +8090,6 @@
               </a:spcAft>
               <a:buNone/>
             </a:pPr>
-            <a:r>
-              <a:t/>
-            </a:r>
             <a:endParaRPr/>
           </a:p>
         </p:txBody>
@@ -7959,11 +8103,11 @@
 </file>
 
 <file path=ppt/slides/slide5.xml><?xml version="1.0" encoding="utf-8"?>
-<p:sld xmlns:a="http://schemas.openxmlformats.org/drawingml/2006/main" xmlns:r="http://schemas.openxmlformats.org/officeDocument/2006/relationships" xmlns:mc="http://schemas.openxmlformats.org/markup-compatibility/2006" xmlns:mv="urn:schemas-microsoft-com:mac:vml" xmlns:p="http://schemas.openxmlformats.org/presentationml/2006/main" xmlns:c="http://schemas.openxmlformats.org/drawingml/2006/chart" xmlns:dgm="http://schemas.openxmlformats.org/drawingml/2006/diagram" xmlns:o="urn:schemas-microsoft-com:office:office" xmlns:v="urn:schemas-microsoft-com:vml" xmlns:pvml="urn:schemas-microsoft-com:office:powerpoint" xmlns:com="http://schemas.openxmlformats.org/drawingml/2006/compatibility" xmlns:p14="http://schemas.microsoft.com/office/powerpoint/2010/main" xmlns:p15="http://schemas.microsoft.com/office/powerpoint/2012/main">
+<p:sld xmlns:a="http://schemas.openxmlformats.org/drawingml/2006/main" xmlns:r="http://schemas.openxmlformats.org/officeDocument/2006/relationships" xmlns:p="http://schemas.openxmlformats.org/presentationml/2006/main">
   <p:cSld>
     <p:spTree>
       <p:nvGrpSpPr>
-        <p:cNvPr id="85" name="Shape 85"/>
+        <p:cNvPr id="1" name="Shape 85"/>
         <p:cNvGrpSpPr/>
         <p:nvPr/>
       </p:nvGrpSpPr>
@@ -7978,7 +8122,9 @@
       <p:sp>
         <p:nvSpPr>
           <p:cNvPr id="86" name="Google Shape;86;p17"/>
-          <p:cNvSpPr txBox="1"/>
+          <p:cNvSpPr txBox="1">
+            <a:spLocks noGrp="1"/>
+          </p:cNvSpPr>
           <p:nvPr>
             <p:ph type="title"/>
           </p:nvPr>
@@ -7993,12 +8139,12 @@
           </a:prstGeom>
         </p:spPr>
         <p:txBody>
-          <a:bodyPr anchorCtr="0" anchor="b" bIns="91425" lIns="91425" spcFirstLastPara="1" rIns="91425" wrap="square" tIns="91425">
+          <a:bodyPr spcFirstLastPara="1" wrap="square" lIns="91425" tIns="91425" rIns="91425" bIns="91425" anchor="b" anchorCtr="0">
             <a:noAutofit/>
           </a:bodyPr>
           <a:lstStyle/>
           <a:p>
-            <a:pPr indent="0" lvl="0" marL="0" rtl="0" algn="l">
+            <a:pPr marL="0" lvl="0" indent="0" algn="l" rtl="0">
               <a:spcBef>
                 <a:spcPts val="0"/>
               </a:spcBef>
@@ -8018,9 +8164,11 @@
       <p:sp>
         <p:nvSpPr>
           <p:cNvPr id="87" name="Google Shape;87;p17"/>
-          <p:cNvSpPr txBox="1"/>
+          <p:cNvSpPr txBox="1">
+            <a:spLocks noGrp="1"/>
+          </p:cNvSpPr>
           <p:nvPr>
-            <p:ph idx="1" type="body"/>
+            <p:ph type="body" idx="1"/>
           </p:nvPr>
         </p:nvSpPr>
         <p:spPr>
@@ -8033,12 +8181,12 @@
           </a:prstGeom>
         </p:spPr>
         <p:txBody>
-          <a:bodyPr anchorCtr="0" anchor="t" bIns="91425" lIns="91425" spcFirstLastPara="1" rIns="91425" wrap="square" tIns="91425">
+          <a:bodyPr spcFirstLastPara="1" wrap="square" lIns="91425" tIns="91425" rIns="91425" bIns="91425" anchor="t" anchorCtr="0">
             <a:noAutofit/>
           </a:bodyPr>
           <a:lstStyle/>
           <a:p>
-            <a:pPr indent="-342900" lvl="0" marL="457200" rtl="0" algn="l">
+            <a:pPr marL="457200" lvl="0" indent="-342900" algn="l" rtl="0">
               <a:spcBef>
                 <a:spcPts val="0"/>
               </a:spcBef>
@@ -8065,11 +8213,11 @@
 </file>
 
 <file path=ppt/slides/slide6.xml><?xml version="1.0" encoding="utf-8"?>
-<p:sld xmlns:a="http://schemas.openxmlformats.org/drawingml/2006/main" xmlns:r="http://schemas.openxmlformats.org/officeDocument/2006/relationships" xmlns:mc="http://schemas.openxmlformats.org/markup-compatibility/2006" xmlns:mv="urn:schemas-microsoft-com:mac:vml" xmlns:p="http://schemas.openxmlformats.org/presentationml/2006/main" xmlns:c="http://schemas.openxmlformats.org/drawingml/2006/chart" xmlns:dgm="http://schemas.openxmlformats.org/drawingml/2006/diagram" xmlns:o="urn:schemas-microsoft-com:office:office" xmlns:v="urn:schemas-microsoft-com:vml" xmlns:pvml="urn:schemas-microsoft-com:office:powerpoint" xmlns:com="http://schemas.openxmlformats.org/drawingml/2006/compatibility" xmlns:p14="http://schemas.microsoft.com/office/powerpoint/2010/main" xmlns:p15="http://schemas.microsoft.com/office/powerpoint/2012/main">
+<p:sld xmlns:a="http://schemas.openxmlformats.org/drawingml/2006/main" xmlns:r="http://schemas.openxmlformats.org/officeDocument/2006/relationships" xmlns:p="http://schemas.openxmlformats.org/presentationml/2006/main">
   <p:cSld>
     <p:spTree>
       <p:nvGrpSpPr>
-        <p:cNvPr id="91" name="Shape 91"/>
+        <p:cNvPr id="1" name="Shape 91"/>
         <p:cNvGrpSpPr/>
         <p:nvPr/>
       </p:nvGrpSpPr>
@@ -8084,7 +8232,9 @@
       <p:sp>
         <p:nvSpPr>
           <p:cNvPr id="92" name="Google Shape;92;p18"/>
-          <p:cNvSpPr txBox="1"/>
+          <p:cNvSpPr txBox="1">
+            <a:spLocks noGrp="1"/>
+          </p:cNvSpPr>
           <p:nvPr>
             <p:ph type="title"/>
           </p:nvPr>
@@ -8099,12 +8249,12 @@
           </a:prstGeom>
         </p:spPr>
         <p:txBody>
-          <a:bodyPr anchorCtr="0" anchor="b" bIns="91425" lIns="91425" spcFirstLastPara="1" rIns="91425" wrap="square" tIns="91425">
+          <a:bodyPr spcFirstLastPara="1" wrap="square" lIns="91425" tIns="91425" rIns="91425" bIns="91425" anchor="b" anchorCtr="0">
             <a:noAutofit/>
           </a:bodyPr>
           <a:lstStyle/>
           <a:p>
-            <a:pPr indent="0" lvl="0" marL="0" rtl="0" algn="l">
+            <a:pPr marL="0" lvl="0" indent="0" algn="l" rtl="0">
               <a:spcBef>
                 <a:spcPts val="0"/>
               </a:spcBef>
@@ -8124,9 +8274,11 @@
       <p:sp>
         <p:nvSpPr>
           <p:cNvPr id="93" name="Google Shape;93;p18"/>
-          <p:cNvSpPr txBox="1"/>
+          <p:cNvSpPr txBox="1">
+            <a:spLocks noGrp="1"/>
+          </p:cNvSpPr>
           <p:nvPr>
-            <p:ph idx="1" type="body"/>
+            <p:ph type="body" idx="1"/>
           </p:nvPr>
         </p:nvSpPr>
         <p:spPr>
@@ -8139,12 +8291,12 @@
           </a:prstGeom>
         </p:spPr>
         <p:txBody>
-          <a:bodyPr anchorCtr="0" anchor="t" bIns="91425" lIns="91425" spcFirstLastPara="1" rIns="91425" wrap="square" tIns="91425">
+          <a:bodyPr spcFirstLastPara="1" wrap="square" lIns="91425" tIns="91425" rIns="91425" bIns="91425" anchor="t" anchorCtr="0">
             <a:noAutofit/>
           </a:bodyPr>
           <a:lstStyle/>
           <a:p>
-            <a:pPr indent="-342900" lvl="0" marL="457200" rtl="0" algn="l">
+            <a:pPr marL="457200" lvl="0" indent="-342900" algn="l" rtl="0">
               <a:spcBef>
                 <a:spcPts val="0"/>
               </a:spcBef>
@@ -8183,7 +8335,7 @@
             </a:endParaRPr>
           </a:p>
           <a:p>
-            <a:pPr indent="-304800" lvl="0" marL="457200" rtl="0" algn="l">
+            <a:pPr marL="457200" lvl="0" indent="-304800" algn="l" rtl="0">
               <a:spcBef>
                 <a:spcPts val="0"/>
               </a:spcBef>
@@ -8226,7 +8378,7 @@
             </a:endParaRPr>
           </a:p>
           <a:p>
-            <a:pPr indent="-304800" lvl="0" marL="457200" rtl="0" algn="l">
+            <a:pPr marL="457200" lvl="0" indent="-304800" algn="l" rtl="0">
               <a:spcBef>
                 <a:spcPts val="0"/>
               </a:spcBef>
@@ -8269,7 +8421,7 @@
             </a:endParaRPr>
           </a:p>
           <a:p>
-            <a:pPr indent="-304800" lvl="0" marL="457200" rtl="0" algn="l">
+            <a:pPr marL="457200" lvl="0" indent="-304800" algn="l" rtl="0">
               <a:spcBef>
                 <a:spcPts val="0"/>
               </a:spcBef>
@@ -8312,7 +8464,7 @@
             </a:endParaRPr>
           </a:p>
           <a:p>
-            <a:pPr indent="-304800" lvl="0" marL="457200" rtl="0" algn="l">
+            <a:pPr marL="457200" lvl="0" indent="-304800" algn="l" rtl="0">
               <a:spcBef>
                 <a:spcPts val="0"/>
               </a:spcBef>
@@ -8355,7 +8507,7 @@
             </a:endParaRPr>
           </a:p>
           <a:p>
-            <a:pPr indent="-304800" lvl="0" marL="457200" rtl="0" algn="l">
+            <a:pPr marL="457200" lvl="0" indent="-304800" algn="l" rtl="0">
               <a:spcBef>
                 <a:spcPts val="0"/>
               </a:spcBef>
@@ -8398,7 +8550,7 @@
             </a:endParaRPr>
           </a:p>
           <a:p>
-            <a:pPr indent="-304800" lvl="0" marL="457200" rtl="0" algn="l">
+            <a:pPr marL="457200" lvl="0" indent="-304800" algn="l" rtl="0">
               <a:spcBef>
                 <a:spcPts val="0"/>
               </a:spcBef>
@@ -8441,7 +8593,7 @@
             </a:endParaRPr>
           </a:p>
           <a:p>
-            <a:pPr indent="-304800" lvl="0" marL="457200" rtl="0" algn="l">
+            <a:pPr marL="457200" lvl="0" indent="-304800" algn="l" rtl="0">
               <a:spcBef>
                 <a:spcPts val="0"/>
               </a:spcBef>
@@ -8484,7 +8636,7 @@
             </a:endParaRPr>
           </a:p>
           <a:p>
-            <a:pPr indent="-304800" lvl="0" marL="457200" rtl="0" algn="l">
+            <a:pPr marL="457200" lvl="0" indent="-304800" algn="l" rtl="0">
               <a:spcBef>
                 <a:spcPts val="0"/>
               </a:spcBef>
@@ -8527,7 +8679,7 @@
             </a:endParaRPr>
           </a:p>
           <a:p>
-            <a:pPr indent="-304800" lvl="0" marL="457200" rtl="0" algn="l">
+            <a:pPr marL="457200" lvl="0" indent="-304800" algn="l" rtl="0">
               <a:spcBef>
                 <a:spcPts val="0"/>
               </a:spcBef>
@@ -8570,7 +8722,7 @@
             </a:endParaRPr>
           </a:p>
           <a:p>
-            <a:pPr indent="0" lvl="0" marL="457200" rtl="0" algn="l">
+            <a:pPr marL="457200" lvl="0" indent="0" algn="l" rtl="0">
               <a:spcBef>
                 <a:spcPts val="1600"/>
               </a:spcBef>
@@ -8579,9 +8731,6 @@
               </a:spcAft>
               <a:buNone/>
             </a:pPr>
-            <a:r>
-              <a:t/>
-            </a:r>
             <a:endParaRPr sz="1200">
               <a:solidFill>
                 <a:srgbClr val="000000"/>
@@ -8606,11 +8755,11 @@
 </file>
 
 <file path=ppt/slides/slide7.xml><?xml version="1.0" encoding="utf-8"?>
-<p:sld xmlns:a="http://schemas.openxmlformats.org/drawingml/2006/main" xmlns:r="http://schemas.openxmlformats.org/officeDocument/2006/relationships" xmlns:mc="http://schemas.openxmlformats.org/markup-compatibility/2006" xmlns:mv="urn:schemas-microsoft-com:mac:vml" xmlns:p="http://schemas.openxmlformats.org/presentationml/2006/main" xmlns:c="http://schemas.openxmlformats.org/drawingml/2006/chart" xmlns:dgm="http://schemas.openxmlformats.org/drawingml/2006/diagram" xmlns:o="urn:schemas-microsoft-com:office:office" xmlns:v="urn:schemas-microsoft-com:vml" xmlns:pvml="urn:schemas-microsoft-com:office:powerpoint" xmlns:com="http://schemas.openxmlformats.org/drawingml/2006/compatibility" xmlns:p14="http://schemas.microsoft.com/office/powerpoint/2010/main" xmlns:p15="http://schemas.microsoft.com/office/powerpoint/2012/main">
+<p:sld xmlns:a="http://schemas.openxmlformats.org/drawingml/2006/main" xmlns:r="http://schemas.openxmlformats.org/officeDocument/2006/relationships" xmlns:p="http://schemas.openxmlformats.org/presentationml/2006/main">
   <p:cSld>
     <p:spTree>
       <p:nvGrpSpPr>
-        <p:cNvPr id="97" name="Shape 97"/>
+        <p:cNvPr id="1" name="Shape 97"/>
         <p:cNvGrpSpPr/>
         <p:nvPr/>
       </p:nvGrpSpPr>
@@ -8625,7 +8774,9 @@
       <p:sp>
         <p:nvSpPr>
           <p:cNvPr id="98" name="Google Shape;98;p19"/>
-          <p:cNvSpPr txBox="1"/>
+          <p:cNvSpPr txBox="1">
+            <a:spLocks noGrp="1"/>
+          </p:cNvSpPr>
           <p:nvPr>
             <p:ph type="title"/>
           </p:nvPr>
@@ -8640,12 +8791,12 @@
           </a:prstGeom>
         </p:spPr>
         <p:txBody>
-          <a:bodyPr anchorCtr="0" anchor="b" bIns="91425" lIns="91425" spcFirstLastPara="1" rIns="91425" wrap="square" tIns="91425">
+          <a:bodyPr spcFirstLastPara="1" wrap="square" lIns="91425" tIns="91425" rIns="91425" bIns="91425" anchor="b" anchorCtr="0">
             <a:noAutofit/>
           </a:bodyPr>
           <a:lstStyle/>
           <a:p>
-            <a:pPr indent="0" lvl="0" marL="0" rtl="0" algn="l">
+            <a:pPr marL="0" lvl="0" indent="0" algn="l" rtl="0">
               <a:spcBef>
                 <a:spcPts val="0"/>
               </a:spcBef>
@@ -8665,9 +8816,11 @@
       <p:sp>
         <p:nvSpPr>
           <p:cNvPr id="99" name="Google Shape;99;p19"/>
-          <p:cNvSpPr txBox="1"/>
+          <p:cNvSpPr txBox="1">
+            <a:spLocks noGrp="1"/>
+          </p:cNvSpPr>
           <p:nvPr>
-            <p:ph idx="1" type="body"/>
+            <p:ph type="body" idx="1"/>
           </p:nvPr>
         </p:nvSpPr>
         <p:spPr>
@@ -8680,12 +8833,12 @@
           </a:prstGeom>
         </p:spPr>
         <p:txBody>
-          <a:bodyPr anchorCtr="0" anchor="t" bIns="91425" lIns="91425" spcFirstLastPara="1" rIns="91425" wrap="square" tIns="91425">
+          <a:bodyPr spcFirstLastPara="1" wrap="square" lIns="91425" tIns="91425" rIns="91425" bIns="91425" anchor="t" anchorCtr="0">
             <a:noAutofit/>
           </a:bodyPr>
           <a:lstStyle/>
           <a:p>
-            <a:pPr indent="0" lvl="0" marL="0" rtl="0" algn="l">
+            <a:pPr marL="0" lvl="0" indent="0" algn="l" rtl="0">
               <a:spcBef>
                 <a:spcPts val="0"/>
               </a:spcBef>
@@ -8694,9 +8847,6 @@
               </a:spcAft>
               <a:buNone/>
             </a:pPr>
-            <a:r>
-              <a:t/>
-            </a:r>
             <a:endParaRPr/>
           </a:p>
         </p:txBody>
@@ -8738,11 +8888,11 @@
 </file>
 
 <file path=ppt/slides/slide8.xml><?xml version="1.0" encoding="utf-8"?>
-<p:sld xmlns:a="http://schemas.openxmlformats.org/drawingml/2006/main" xmlns:r="http://schemas.openxmlformats.org/officeDocument/2006/relationships" xmlns:mc="http://schemas.openxmlformats.org/markup-compatibility/2006" xmlns:mv="urn:schemas-microsoft-com:mac:vml" xmlns:p="http://schemas.openxmlformats.org/presentationml/2006/main" xmlns:c="http://schemas.openxmlformats.org/drawingml/2006/chart" xmlns:dgm="http://schemas.openxmlformats.org/drawingml/2006/diagram" xmlns:o="urn:schemas-microsoft-com:office:office" xmlns:v="urn:schemas-microsoft-com:vml" xmlns:pvml="urn:schemas-microsoft-com:office:powerpoint" xmlns:com="http://schemas.openxmlformats.org/drawingml/2006/compatibility" xmlns:p14="http://schemas.microsoft.com/office/powerpoint/2010/main" xmlns:p15="http://schemas.microsoft.com/office/powerpoint/2012/main">
+<p:sld xmlns:a="http://schemas.openxmlformats.org/drawingml/2006/main" xmlns:r="http://schemas.openxmlformats.org/officeDocument/2006/relationships" xmlns:p="http://schemas.openxmlformats.org/presentationml/2006/main">
   <p:cSld>
     <p:spTree>
       <p:nvGrpSpPr>
-        <p:cNvPr id="104" name="Shape 104"/>
+        <p:cNvPr id="1" name="Shape 104"/>
         <p:cNvGrpSpPr/>
         <p:nvPr/>
       </p:nvGrpSpPr>
@@ -8757,7 +8907,9 @@
       <p:sp>
         <p:nvSpPr>
           <p:cNvPr id="105" name="Google Shape;105;p20"/>
-          <p:cNvSpPr txBox="1"/>
+          <p:cNvSpPr txBox="1">
+            <a:spLocks noGrp="1"/>
+          </p:cNvSpPr>
           <p:nvPr>
             <p:ph type="title"/>
           </p:nvPr>
@@ -8772,12 +8924,12 @@
           </a:prstGeom>
         </p:spPr>
         <p:txBody>
-          <a:bodyPr anchorCtr="0" anchor="b" bIns="91425" lIns="91425" spcFirstLastPara="1" rIns="91425" wrap="square" tIns="91425">
+          <a:bodyPr spcFirstLastPara="1" wrap="square" lIns="91425" tIns="91425" rIns="91425" bIns="91425" anchor="b" anchorCtr="0">
             <a:noAutofit/>
           </a:bodyPr>
           <a:lstStyle/>
           <a:p>
-            <a:pPr indent="0" lvl="0" marL="0" rtl="0" algn="l">
+            <a:pPr marL="0" lvl="0" indent="0" algn="l" rtl="0">
               <a:spcBef>
                 <a:spcPts val="0"/>
               </a:spcBef>
@@ -8787,10 +8939,10 @@
               <a:buNone/>
             </a:pPr>
             <a:r>
-              <a:rPr lang="fr"/>
-              <a:t>Service Soap</a:t>
+              <a:rPr lang="fr" dirty="0"/>
+              <a:t>Diagram DB postgresql</a:t>
             </a:r>
-            <a:endParaRPr/>
+            <a:endParaRPr dirty="0"/>
           </a:p>
         </p:txBody>
       </p:sp>
@@ -8831,11 +8983,11 @@
 </file>
 
 <file path=ppt/slides/slide9.xml><?xml version="1.0" encoding="utf-8"?>
-<p:sld xmlns:a="http://schemas.openxmlformats.org/drawingml/2006/main" xmlns:r="http://schemas.openxmlformats.org/officeDocument/2006/relationships" xmlns:mc="http://schemas.openxmlformats.org/markup-compatibility/2006" xmlns:mv="urn:schemas-microsoft-com:mac:vml" xmlns:p="http://schemas.openxmlformats.org/presentationml/2006/main" xmlns:c="http://schemas.openxmlformats.org/drawingml/2006/chart" xmlns:dgm="http://schemas.openxmlformats.org/drawingml/2006/diagram" xmlns:o="urn:schemas-microsoft-com:office:office" xmlns:v="urn:schemas-microsoft-com:vml" xmlns:pvml="urn:schemas-microsoft-com:office:powerpoint" xmlns:com="http://schemas.openxmlformats.org/drawingml/2006/compatibility" xmlns:p14="http://schemas.microsoft.com/office/powerpoint/2010/main" xmlns:p15="http://schemas.microsoft.com/office/powerpoint/2012/main">
+<p:sld xmlns:a="http://schemas.openxmlformats.org/drawingml/2006/main" xmlns:r="http://schemas.openxmlformats.org/officeDocument/2006/relationships" xmlns:p="http://schemas.openxmlformats.org/presentationml/2006/main">
   <p:cSld>
     <p:spTree>
       <p:nvGrpSpPr>
-        <p:cNvPr id="110" name="Shape 110"/>
+        <p:cNvPr id="1" name="Shape 110"/>
         <p:cNvGrpSpPr/>
         <p:nvPr/>
       </p:nvGrpSpPr>
@@ -8850,7 +9002,9 @@
       <p:sp>
         <p:nvSpPr>
           <p:cNvPr id="111" name="Google Shape;111;p21"/>
-          <p:cNvSpPr txBox="1"/>
+          <p:cNvSpPr txBox="1">
+            <a:spLocks noGrp="1"/>
+          </p:cNvSpPr>
           <p:nvPr>
             <p:ph type="title"/>
           </p:nvPr>
@@ -8865,12 +9019,12 @@
           </a:prstGeom>
         </p:spPr>
         <p:txBody>
-          <a:bodyPr anchorCtr="0" anchor="b" bIns="91425" lIns="91425" spcFirstLastPara="1" rIns="91425" wrap="square" tIns="91425">
+          <a:bodyPr spcFirstLastPara="1" wrap="square" lIns="91425" tIns="91425" rIns="91425" bIns="91425" anchor="b" anchorCtr="0">
             <a:noAutofit/>
           </a:bodyPr>
           <a:lstStyle/>
           <a:p>
-            <a:pPr indent="0" lvl="0" marL="0" rtl="0" algn="l">
+            <a:pPr marL="0" lvl="0" indent="0" algn="l" rtl="0">
               <a:spcBef>
                 <a:spcPts val="0"/>
               </a:spcBef>
@@ -8924,7 +9078,7 @@
 </file>
 
 <file path=ppt/theme/theme1.xml><?xml version="1.0" encoding="utf-8"?>
-<a:theme xmlns:a="http://schemas.openxmlformats.org/drawingml/2006/main" xmlns:r="http://schemas.openxmlformats.org/officeDocument/2006/relationships" name="Modern Writer">
+<a:theme xmlns:a="http://schemas.openxmlformats.org/drawingml/2006/main" name="Modern Writer">
   <a:themeElements>
     <a:clrScheme name="Modern Writer">
       <a:dk1>
@@ -9199,11 +9353,13 @@
       </a:bgFillStyleLst>
     </a:fmtScheme>
   </a:themeElements>
+  <a:objectDefaults/>
+  <a:extraClrSchemeLst/>
 </a:theme>
 </file>
 
 <file path=ppt/theme/theme2.xml><?xml version="1.0" encoding="utf-8"?>
-<a:theme xmlns:a="http://schemas.openxmlformats.org/drawingml/2006/main" xmlns:r="http://schemas.openxmlformats.org/officeDocument/2006/relationships">
+<a:theme xmlns:a="http://schemas.openxmlformats.org/drawingml/2006/main">
   <a:themeElements>
     <a:clrScheme name="Default">
       <a:dk1>
@@ -9478,5 +9634,7 @@
       </a:bgFillStyleLst>
     </a:fmtScheme>
   </a:themeElements>
+  <a:objectDefaults/>
+  <a:extraClrSchemeLst/>
 </a:theme>
 </file>